--- a/presentation/Helpdesk/Szabó Áron/szabo_aron_javaee.pptx
+++ b/presentation/Helpdesk/Szabó Áron/szabo_aron_javaee.pptx
@@ -8,12 +8,12 @@
     <p:notesMasterId r:id="rId13"/>
   </p:notesMasterIdLst>
   <p:sldIdLst>
-    <p:sldId id="268" r:id="rId5"/>
-    <p:sldId id="266" r:id="rId6"/>
-    <p:sldId id="267" r:id="rId7"/>
-    <p:sldId id="261" r:id="rId8"/>
+    <p:sldId id="266" r:id="rId5"/>
+    <p:sldId id="267" r:id="rId6"/>
+    <p:sldId id="261" r:id="rId7"/>
+    <p:sldId id="272" r:id="rId8"/>
     <p:sldId id="271" r:id="rId9"/>
-    <p:sldId id="272" r:id="rId10"/>
+    <p:sldId id="274" r:id="rId10"/>
     <p:sldId id="273" r:id="rId11"/>
     <p:sldId id="258" r:id="rId12"/>
   </p:sldIdLst>
@@ -236,7 +236,7 @@
             <a:fld id="{108E5D05-7368-4B91-AD81-999E65E8BFFE}" type="datetimeFigureOut">
               <a:rPr lang="hu-HU" smtClean="0"/>
               <a:pPr/>
-              <a:t>2017. 03. 02.</a:t>
+              <a:t>2017. 03. 06.</a:t>
             </a:fld>
             <a:endParaRPr lang="hu-HU"/>
           </a:p>
@@ -547,7 +547,7 @@
           </a:bodyPr>
           <a:lstStyle/>
           <a:p>
-            <a:endParaRPr lang="hu-HU" dirty="0"/>
+            <a:endParaRPr lang="hu-HU" baseline="0" dirty="0"/>
           </a:p>
         </p:txBody>
       </p:sp>
@@ -566,7 +566,7 @@
           <a:bodyPr/>
           <a:lstStyle/>
           <a:p>
-            <a:fld id="{37F5BA7A-53FA-4B64-BA9D-1AFB6F476CB1}" type="slidenum">
+            <a:fld id="{E8CDED4D-A8A4-450F-8B8F-33920FA6A611}" type="slidenum">
               <a:rPr lang="hu-HU" smtClean="0"/>
               <a:pPr/>
               <a:t>1</a:t>
@@ -629,7 +629,7 @@
           </a:bodyPr>
           <a:lstStyle/>
           <a:p>
-            <a:endParaRPr lang="hu-HU" baseline="0" dirty="0"/>
+            <a:endParaRPr lang="hu-HU" b="1" baseline="0" dirty="0"/>
           </a:p>
         </p:txBody>
       </p:sp>
@@ -711,7 +711,7 @@
           </a:bodyPr>
           <a:lstStyle/>
           <a:p>
-            <a:endParaRPr lang="hu-HU" b="1" baseline="0" dirty="0"/>
+            <a:endParaRPr lang="hu-HU" baseline="0" dirty="0"/>
           </a:p>
         </p:txBody>
       </p:sp>
@@ -730,7 +730,7 @@
           <a:bodyPr/>
           <a:lstStyle/>
           <a:p>
-            <a:fld id="{E8CDED4D-A8A4-450F-8B8F-33920FA6A611}" type="slidenum">
+            <a:fld id="{37F5BA7A-53FA-4B64-BA9D-1AFB6F476CB1}" type="slidenum">
               <a:rPr lang="hu-HU" smtClean="0"/>
               <a:pPr/>
               <a:t>3</a:t>
@@ -822,6 +822,11 @@
         </p:txBody>
       </p:sp>
     </p:spTree>
+    <p:extLst>
+      <p:ext uri="{BB962C8B-B14F-4D97-AF65-F5344CB8AC3E}">
+        <p14:creationId xmlns:p14="http://schemas.microsoft.com/office/powerpoint/2010/main" val="2434550101"/>
+      </p:ext>
+    </p:extLst>
   </p:cSld>
   <p:clrMapOvr>
     <a:masterClrMapping/>
@@ -993,7 +998,7 @@
     </p:spTree>
     <p:extLst>
       <p:ext uri="{BB962C8B-B14F-4D97-AF65-F5344CB8AC3E}">
-        <p14:creationId xmlns:p14="http://schemas.microsoft.com/office/powerpoint/2010/main" val="2434550101"/>
+        <p14:creationId xmlns:p14="http://schemas.microsoft.com/office/powerpoint/2010/main" val="2028730844"/>
       </p:ext>
     </p:extLst>
   </p:cSld>
@@ -1222,7 +1227,7 @@
             <a:fld id="{C6E8B002-83F0-41C5-A7B7-2819A96BD9B2}" type="datetimeFigureOut">
               <a:rPr lang="hu-HU" smtClean="0"/>
               <a:pPr/>
-              <a:t>2017. 03. 02.</a:t>
+              <a:t>2017. 03. 06.</a:t>
             </a:fld>
             <a:endParaRPr lang="hu-HU"/>
           </a:p>
@@ -1394,7 +1399,7 @@
             <a:fld id="{C6E8B002-83F0-41C5-A7B7-2819A96BD9B2}" type="datetimeFigureOut">
               <a:rPr lang="hu-HU" smtClean="0"/>
               <a:pPr/>
-              <a:t>2017. 03. 02.</a:t>
+              <a:t>2017. 03. 06.</a:t>
             </a:fld>
             <a:endParaRPr lang="hu-HU"/>
           </a:p>
@@ -1576,7 +1581,7 @@
             <a:fld id="{C6E8B002-83F0-41C5-A7B7-2819A96BD9B2}" type="datetimeFigureOut">
               <a:rPr lang="hu-HU" smtClean="0"/>
               <a:pPr/>
-              <a:t>2017. 03. 02.</a:t>
+              <a:t>2017. 03. 06.</a:t>
             </a:fld>
             <a:endParaRPr lang="hu-HU"/>
           </a:p>
@@ -1748,7 +1753,7 @@
             <a:fld id="{C6E8B002-83F0-41C5-A7B7-2819A96BD9B2}" type="datetimeFigureOut">
               <a:rPr lang="hu-HU" smtClean="0"/>
               <a:pPr/>
-              <a:t>2017. 03. 02.</a:t>
+              <a:t>2017. 03. 06.</a:t>
             </a:fld>
             <a:endParaRPr lang="hu-HU"/>
           </a:p>
@@ -1994,7 +1999,7 @@
             <a:fld id="{C6E8B002-83F0-41C5-A7B7-2819A96BD9B2}" type="datetimeFigureOut">
               <a:rPr lang="hu-HU" smtClean="0"/>
               <a:pPr/>
-              <a:t>2017. 03. 02.</a:t>
+              <a:t>2017. 03. 06.</a:t>
             </a:fld>
             <a:endParaRPr lang="hu-HU"/>
           </a:p>
@@ -2228,7 +2233,7 @@
             <a:fld id="{C6E8B002-83F0-41C5-A7B7-2819A96BD9B2}" type="datetimeFigureOut">
               <a:rPr lang="hu-HU" smtClean="0"/>
               <a:pPr/>
-              <a:t>2017. 03. 02.</a:t>
+              <a:t>2017. 03. 06.</a:t>
             </a:fld>
             <a:endParaRPr lang="hu-HU"/>
           </a:p>
@@ -2597,7 +2602,7 @@
             <a:fld id="{C6E8B002-83F0-41C5-A7B7-2819A96BD9B2}" type="datetimeFigureOut">
               <a:rPr lang="hu-HU" smtClean="0"/>
               <a:pPr/>
-              <a:t>2017. 03. 02.</a:t>
+              <a:t>2017. 03. 06.</a:t>
             </a:fld>
             <a:endParaRPr lang="hu-HU"/>
           </a:p>
@@ -2717,7 +2722,7 @@
             <a:fld id="{C6E8B002-83F0-41C5-A7B7-2819A96BD9B2}" type="datetimeFigureOut">
               <a:rPr lang="hu-HU" smtClean="0"/>
               <a:pPr/>
-              <a:t>2017. 03. 02.</a:t>
+              <a:t>2017. 03. 06.</a:t>
             </a:fld>
             <a:endParaRPr lang="hu-HU"/>
           </a:p>
@@ -2814,7 +2819,7 @@
             <a:fld id="{C6E8B002-83F0-41C5-A7B7-2819A96BD9B2}" type="datetimeFigureOut">
               <a:rPr lang="hu-HU" smtClean="0"/>
               <a:pPr/>
-              <a:t>2017. 03. 02.</a:t>
+              <a:t>2017. 03. 06.</a:t>
             </a:fld>
             <a:endParaRPr lang="hu-HU"/>
           </a:p>
@@ -3093,7 +3098,7 @@
             <a:fld id="{C6E8B002-83F0-41C5-A7B7-2819A96BD9B2}" type="datetimeFigureOut">
               <a:rPr lang="hu-HU" smtClean="0"/>
               <a:pPr/>
-              <a:t>2017. 03. 02.</a:t>
+              <a:t>2017. 03. 06.</a:t>
             </a:fld>
             <a:endParaRPr lang="hu-HU"/>
           </a:p>
@@ -3352,7 +3357,7 @@
             <a:fld id="{C6E8B002-83F0-41C5-A7B7-2819A96BD9B2}" type="datetimeFigureOut">
               <a:rPr lang="hu-HU" smtClean="0"/>
               <a:pPr/>
-              <a:t>2017. 03. 02.</a:t>
+              <a:t>2017. 03. 06.</a:t>
             </a:fld>
             <a:endParaRPr lang="hu-HU"/>
           </a:p>
@@ -3574,7 +3579,7 @@
             <a:fld id="{C6E8B002-83F0-41C5-A7B7-2819A96BD9B2}" type="datetimeFigureOut">
               <a:rPr lang="hu-HU" smtClean="0"/>
               <a:pPr/>
-              <a:t>2017. 03. 02.</a:t>
+              <a:t>2017. 03. 06.</a:t>
             </a:fld>
             <a:endParaRPr lang="hu-HU"/>
           </a:p>
@@ -3980,97 +3985,6 @@
           <a:chExt cx="0" cy="0"/>
         </a:xfrm>
       </p:grpSpPr>
-      <p:pic>
-        <p:nvPicPr>
-          <p:cNvPr id="5" name="Kép 4" descr="Kép1.jpg"/>
-          <p:cNvPicPr>
-            <a:picLocks noChangeAspect="1"/>
-          </p:cNvPicPr>
-          <p:nvPr/>
-        </p:nvPicPr>
-        <p:blipFill>
-          <a:blip r:embed="rId3"/>
-          <a:stretch>
-            <a:fillRect/>
-          </a:stretch>
-        </p:blipFill>
-        <p:spPr>
-          <a:xfrm>
-            <a:off x="1681" y="0"/>
-            <a:ext cx="9142319" cy="5143500"/>
-          </a:xfrm>
-          <a:prstGeom prst="rect">
-            <a:avLst/>
-          </a:prstGeom>
-        </p:spPr>
-      </p:pic>
-      <p:sp>
-        <p:nvSpPr>
-          <p:cNvPr id="6" name="Tartalom helye 2"/>
-          <p:cNvSpPr>
-            <a:spLocks noGrp="1"/>
-          </p:cNvSpPr>
-          <p:nvPr>
-            <p:ph idx="1"/>
-          </p:nvPr>
-        </p:nvSpPr>
-        <p:spPr>
-          <a:xfrm rot="21115592">
-            <a:off x="3371347" y="2362290"/>
-            <a:ext cx="2847362" cy="776603"/>
-          </a:xfrm>
-        </p:spPr>
-        <p:txBody>
-          <a:bodyPr>
-            <a:noAutofit/>
-          </a:bodyPr>
-          <a:lstStyle/>
-          <a:p>
-            <a:pPr marL="0" indent="0" algn="ctr">
-              <a:buNone/>
-            </a:pPr>
-            <a:r>
-              <a:rPr lang="hu-HU" dirty="0" err="1">
-                <a:latin typeface="+mj-lt"/>
-              </a:rPr>
-              <a:t>Helpdesk</a:t>
-            </a:r>
-            <a:endParaRPr lang="hu-HU" dirty="0">
-              <a:latin typeface="+mj-lt"/>
-            </a:endParaRPr>
-          </a:p>
-        </p:txBody>
-      </p:sp>
-    </p:spTree>
-    <p:extLst>
-      <p:ext uri="{BB962C8B-B14F-4D97-AF65-F5344CB8AC3E}">
-        <p14:creationId xmlns:p14="http://schemas.microsoft.com/office/powerpoint/2010/main" val="3145726277"/>
-      </p:ext>
-    </p:extLst>
-  </p:cSld>
-  <p:clrMapOvr>
-    <a:masterClrMapping/>
-  </p:clrMapOvr>
-</p:sld>
-</file>
-
-<file path=ppt/slides/slide2.xml><?xml version="1.0" encoding="utf-8"?>
-<p:sld xmlns:a="http://schemas.openxmlformats.org/drawingml/2006/main" xmlns:r="http://schemas.openxmlformats.org/officeDocument/2006/relationships" xmlns:p="http://schemas.openxmlformats.org/presentationml/2006/main">
-  <p:cSld>
-    <p:spTree>
-      <p:nvGrpSpPr>
-        <p:cNvPr id="1" name=""/>
-        <p:cNvGrpSpPr/>
-        <p:nvPr/>
-      </p:nvGrpSpPr>
-      <p:grpSpPr>
-        <a:xfrm>
-          <a:off x="0" y="0"/>
-          <a:ext cx="0" cy="0"/>
-          <a:chOff x="0" y="0"/>
-          <a:chExt cx="0" cy="0"/>
-        </a:xfrm>
-      </p:grpSpPr>
       <p:sp>
         <p:nvSpPr>
           <p:cNvPr id="2" name="Cím 1"/>
@@ -4438,7 +4352,7 @@
 </p:sld>
 </file>
 
-<file path=ppt/slides/slide3.xml><?xml version="1.0" encoding="utf-8"?>
+<file path=ppt/slides/slide2.xml><?xml version="1.0" encoding="utf-8"?>
 <p:sld xmlns:a="http://schemas.openxmlformats.org/drawingml/2006/main" xmlns:r="http://schemas.openxmlformats.org/officeDocument/2006/relationships" xmlns:p="http://schemas.openxmlformats.org/presentationml/2006/main">
   <p:cSld>
     <p:spTree>
@@ -4614,124 +4528,139 @@
           </a:p>
         </p:txBody>
       </p:sp>
-      <p:pic>
-        <p:nvPicPr>
-          <p:cNvPr id="5" name="Kép 4"/>
-          <p:cNvPicPr>
-            <a:picLocks noChangeAspect="1"/>
-          </p:cNvPicPr>
+      <p:grpSp>
+        <p:nvGrpSpPr>
+          <p:cNvPr id="7" name="Csoportba foglalás 6"/>
+          <p:cNvGrpSpPr/>
           <p:nvPr/>
-        </p:nvPicPr>
-        <p:blipFill>
-          <a:blip r:embed="rId3">
-            <a:extLst>
-              <a:ext uri="{28A0092B-C50C-407E-A947-70E740481C1C}">
-                <a14:useLocalDpi xmlns:a14="http://schemas.microsoft.com/office/drawing/2010/main" val="0"/>
-              </a:ext>
-            </a:extLst>
-          </a:blip>
-          <a:stretch>
-            <a:fillRect/>
-          </a:stretch>
-        </p:blipFill>
-        <p:spPr>
+        </p:nvGrpSpPr>
+        <p:grpSpPr>
           <a:xfrm>
-            <a:off x="1313304" y="3412503"/>
-            <a:ext cx="1428750" cy="1220220"/>
+            <a:off x="1313304" y="3311747"/>
+            <a:ext cx="6336816" cy="1454372"/>
+            <a:chOff x="1313304" y="3311747"/>
+            <a:chExt cx="6336816" cy="1454372"/>
           </a:xfrm>
-          <a:prstGeom prst="rect">
-            <a:avLst/>
-          </a:prstGeom>
-        </p:spPr>
-      </p:pic>
-      <p:pic>
-        <p:nvPicPr>
-          <p:cNvPr id="6" name="Kép 5"/>
-          <p:cNvPicPr>
-            <a:picLocks noChangeAspect="1"/>
-          </p:cNvPicPr>
-          <p:nvPr/>
-        </p:nvPicPr>
-        <p:blipFill>
-          <a:blip r:embed="rId4" cstate="print">
-            <a:extLst>
-              <a:ext uri="{28A0092B-C50C-407E-A947-70E740481C1C}">
-                <a14:useLocalDpi xmlns:a14="http://schemas.microsoft.com/office/drawing/2010/main" val="0"/>
-              </a:ext>
-            </a:extLst>
-          </a:blip>
-          <a:stretch>
-            <a:fillRect/>
-          </a:stretch>
-        </p:blipFill>
-        <p:spPr>
-          <a:xfrm>
-            <a:off x="6284207" y="3311747"/>
-            <a:ext cx="1365913" cy="1454372"/>
-          </a:xfrm>
-          <a:prstGeom prst="rect">
-            <a:avLst/>
-          </a:prstGeom>
-        </p:spPr>
-      </p:pic>
-      <p:sp>
-        <p:nvSpPr>
-          <p:cNvPr id="10" name="Nyíl: jobbra mutató 9"/>
-          <p:cNvSpPr/>
-          <p:nvPr/>
-        </p:nvSpPr>
-        <p:spPr>
-          <a:xfrm>
-            <a:off x="3209540" y="3796617"/>
-            <a:ext cx="2607181" cy="484632"/>
-          </a:xfrm>
-          <a:prstGeom prst="rightArrow">
-            <a:avLst>
-              <a:gd name="adj1" fmla="val 14987"/>
-              <a:gd name="adj2" fmla="val 83067"/>
-            </a:avLst>
-          </a:prstGeom>
-          <a:gradFill flip="none" rotWithShape="1">
-            <a:gsLst>
-              <a:gs pos="100000">
-                <a:srgbClr val="FFA521"/>
-              </a:gs>
-              <a:gs pos="0">
-                <a:srgbClr val="FF3333"/>
-              </a:gs>
-            </a:gsLst>
-            <a:lin ang="0" scaled="1"/>
-            <a:tileRect/>
-          </a:gradFill>
-          <a:ln>
-            <a:noFill/>
-          </a:ln>
-        </p:spPr>
-        <p:style>
-          <a:lnRef idx="2">
-            <a:schemeClr val="accent1">
-              <a:shade val="50000"/>
-            </a:schemeClr>
-          </a:lnRef>
-          <a:fillRef idx="1">
-            <a:schemeClr val="accent1"/>
-          </a:fillRef>
-          <a:effectRef idx="0">
-            <a:schemeClr val="accent1"/>
-          </a:effectRef>
-          <a:fontRef idx="minor">
-            <a:schemeClr val="lt1"/>
-          </a:fontRef>
-        </p:style>
-        <p:txBody>
-          <a:bodyPr rtlCol="0" anchor="ctr"/>
-          <a:lstStyle/>
-          <a:p>
-            <a:pPr algn="ctr"/>
-            <a:endParaRPr lang="hu-HU"/>
-          </a:p>
-        </p:txBody>
-      </p:sp>
+        </p:grpSpPr>
+        <p:pic>
+          <p:nvPicPr>
+            <p:cNvPr id="5" name="Kép 4"/>
+            <p:cNvPicPr>
+              <a:picLocks noChangeAspect="1"/>
+            </p:cNvPicPr>
+            <p:nvPr/>
+          </p:nvPicPr>
+          <p:blipFill>
+            <a:blip r:embed="rId3">
+              <a:extLst>
+                <a:ext uri="{28A0092B-C50C-407E-A947-70E740481C1C}">
+                  <a14:useLocalDpi xmlns:a14="http://schemas.microsoft.com/office/drawing/2010/main" val="0"/>
+                </a:ext>
+              </a:extLst>
+            </a:blip>
+            <a:stretch>
+              <a:fillRect/>
+            </a:stretch>
+          </p:blipFill>
+          <p:spPr>
+            <a:xfrm>
+              <a:off x="1313304" y="3412503"/>
+              <a:ext cx="1428750" cy="1220220"/>
+            </a:xfrm>
+            <a:prstGeom prst="rect">
+              <a:avLst/>
+            </a:prstGeom>
+          </p:spPr>
+        </p:pic>
+        <p:pic>
+          <p:nvPicPr>
+            <p:cNvPr id="6" name="Kép 5"/>
+            <p:cNvPicPr>
+              <a:picLocks noChangeAspect="1"/>
+            </p:cNvPicPr>
+            <p:nvPr/>
+          </p:nvPicPr>
+          <p:blipFill>
+            <a:blip r:embed="rId4" cstate="print">
+              <a:extLst>
+                <a:ext uri="{28A0092B-C50C-407E-A947-70E740481C1C}">
+                  <a14:useLocalDpi xmlns:a14="http://schemas.microsoft.com/office/drawing/2010/main" val="0"/>
+                </a:ext>
+              </a:extLst>
+            </a:blip>
+            <a:stretch>
+              <a:fillRect/>
+            </a:stretch>
+          </p:blipFill>
+          <p:spPr>
+            <a:xfrm>
+              <a:off x="6284207" y="3311747"/>
+              <a:ext cx="1365913" cy="1454372"/>
+            </a:xfrm>
+            <a:prstGeom prst="rect">
+              <a:avLst/>
+            </a:prstGeom>
+          </p:spPr>
+        </p:pic>
+        <p:sp>
+          <p:nvSpPr>
+            <p:cNvPr id="10" name="Nyíl: jobbra mutató 9"/>
+            <p:cNvSpPr/>
+            <p:nvPr/>
+          </p:nvSpPr>
+          <p:spPr>
+            <a:xfrm>
+              <a:off x="3209540" y="3796617"/>
+              <a:ext cx="2607181" cy="484632"/>
+            </a:xfrm>
+            <a:prstGeom prst="rightArrow">
+              <a:avLst>
+                <a:gd name="adj1" fmla="val 14987"/>
+                <a:gd name="adj2" fmla="val 83067"/>
+              </a:avLst>
+            </a:prstGeom>
+            <a:gradFill flip="none" rotWithShape="1">
+              <a:gsLst>
+                <a:gs pos="100000">
+                  <a:srgbClr val="FFA521"/>
+                </a:gs>
+                <a:gs pos="0">
+                  <a:srgbClr val="FF3333"/>
+                </a:gs>
+              </a:gsLst>
+              <a:lin ang="0" scaled="1"/>
+              <a:tileRect/>
+            </a:gradFill>
+            <a:ln>
+              <a:noFill/>
+            </a:ln>
+          </p:spPr>
+          <p:style>
+            <a:lnRef idx="2">
+              <a:schemeClr val="accent1">
+                <a:shade val="50000"/>
+              </a:schemeClr>
+            </a:lnRef>
+            <a:fillRef idx="1">
+              <a:schemeClr val="accent1"/>
+            </a:fillRef>
+            <a:effectRef idx="0">
+              <a:schemeClr val="accent1"/>
+            </a:effectRef>
+            <a:fontRef idx="minor">
+              <a:schemeClr val="lt1"/>
+            </a:fontRef>
+          </p:style>
+          <p:txBody>
+            <a:bodyPr rtlCol="0" anchor="ctr"/>
+            <a:lstStyle/>
+            <a:p>
+              <a:pPr algn="ctr"/>
+              <a:endParaRPr lang="hu-HU"/>
+            </a:p>
+          </p:txBody>
+        </p:sp>
+      </p:grpSp>
     </p:spTree>
     <p:extLst>
       <p:ext uri="{BB962C8B-B14F-4D97-AF65-F5344CB8AC3E}">
@@ -4742,10 +4671,593 @@
   <p:clrMapOvr>
     <a:masterClrMapping/>
   </p:clrMapOvr>
+  <p:timing>
+    <p:tnLst>
+      <p:par>
+        <p:cTn id="1" dur="indefinite" restart="never" nodeType="tmRoot">
+          <p:childTnLst>
+            <p:seq concurrent="1" nextAc="seek">
+              <p:cTn id="2" dur="indefinite" nodeType="mainSeq">
+                <p:childTnLst>
+                  <p:par>
+                    <p:cTn id="3" fill="hold">
+                      <p:stCondLst>
+                        <p:cond delay="indefinite"/>
+                      </p:stCondLst>
+                      <p:childTnLst>
+                        <p:par>
+                          <p:cTn id="4" fill="hold">
+                            <p:stCondLst>
+                              <p:cond delay="0"/>
+                            </p:stCondLst>
+                            <p:childTnLst>
+                              <p:par>
+                                <p:cTn id="5" presetID="53" presetClass="entr" presetSubtype="16" fill="hold" grpId="0" nodeType="clickEffect">
+                                  <p:stCondLst>
+                                    <p:cond delay="0"/>
+                                  </p:stCondLst>
+                                  <p:childTnLst>
+                                    <p:set>
+                                      <p:cBhvr>
+                                        <p:cTn id="6" dur="1" fill="hold">
+                                          <p:stCondLst>
+                                            <p:cond delay="0"/>
+                                          </p:stCondLst>
+                                        </p:cTn>
+                                        <p:tgtEl>
+                                          <p:spTgt spid="3">
+                                            <p:txEl>
+                                              <p:pRg st="0" end="0"/>
+                                            </p:txEl>
+                                          </p:spTgt>
+                                        </p:tgtEl>
+                                        <p:attrNameLst>
+                                          <p:attrName>style.visibility</p:attrName>
+                                        </p:attrNameLst>
+                                      </p:cBhvr>
+                                      <p:to>
+                                        <p:strVal val="visible"/>
+                                      </p:to>
+                                    </p:set>
+                                    <p:anim calcmode="lin" valueType="num">
+                                      <p:cBhvr>
+                                        <p:cTn id="7" dur="500" fill="hold"/>
+                                        <p:tgtEl>
+                                          <p:spTgt spid="3">
+                                            <p:txEl>
+                                              <p:pRg st="0" end="0"/>
+                                            </p:txEl>
+                                          </p:spTgt>
+                                        </p:tgtEl>
+                                        <p:attrNameLst>
+                                          <p:attrName>ppt_w</p:attrName>
+                                        </p:attrNameLst>
+                                      </p:cBhvr>
+                                      <p:tavLst>
+                                        <p:tav tm="0">
+                                          <p:val>
+                                            <p:fltVal val="0"/>
+                                          </p:val>
+                                        </p:tav>
+                                        <p:tav tm="100000">
+                                          <p:val>
+                                            <p:strVal val="#ppt_w"/>
+                                          </p:val>
+                                        </p:tav>
+                                      </p:tavLst>
+                                    </p:anim>
+                                    <p:anim calcmode="lin" valueType="num">
+                                      <p:cBhvr>
+                                        <p:cTn id="8" dur="500" fill="hold"/>
+                                        <p:tgtEl>
+                                          <p:spTgt spid="3">
+                                            <p:txEl>
+                                              <p:pRg st="0" end="0"/>
+                                            </p:txEl>
+                                          </p:spTgt>
+                                        </p:tgtEl>
+                                        <p:attrNameLst>
+                                          <p:attrName>ppt_h</p:attrName>
+                                        </p:attrNameLst>
+                                      </p:cBhvr>
+                                      <p:tavLst>
+                                        <p:tav tm="0">
+                                          <p:val>
+                                            <p:fltVal val="0"/>
+                                          </p:val>
+                                        </p:tav>
+                                        <p:tav tm="100000">
+                                          <p:val>
+                                            <p:strVal val="#ppt_h"/>
+                                          </p:val>
+                                        </p:tav>
+                                      </p:tavLst>
+                                    </p:anim>
+                                    <p:animEffect transition="in" filter="fade">
+                                      <p:cBhvr>
+                                        <p:cTn id="9" dur="500"/>
+                                        <p:tgtEl>
+                                          <p:spTgt spid="3">
+                                            <p:txEl>
+                                              <p:pRg st="0" end="0"/>
+                                            </p:txEl>
+                                          </p:spTgt>
+                                        </p:tgtEl>
+                                      </p:cBhvr>
+                                    </p:animEffect>
+                                  </p:childTnLst>
+                                </p:cTn>
+                              </p:par>
+                            </p:childTnLst>
+                          </p:cTn>
+                        </p:par>
+                      </p:childTnLst>
+                    </p:cTn>
+                  </p:par>
+                  <p:par>
+                    <p:cTn id="10" fill="hold">
+                      <p:stCondLst>
+                        <p:cond delay="indefinite"/>
+                      </p:stCondLst>
+                      <p:childTnLst>
+                        <p:par>
+                          <p:cTn id="11" fill="hold">
+                            <p:stCondLst>
+                              <p:cond delay="0"/>
+                            </p:stCondLst>
+                            <p:childTnLst>
+                              <p:par>
+                                <p:cTn id="12" presetID="53" presetClass="entr" presetSubtype="16" fill="hold" grpId="0" nodeType="clickEffect">
+                                  <p:stCondLst>
+                                    <p:cond delay="0"/>
+                                  </p:stCondLst>
+                                  <p:childTnLst>
+                                    <p:set>
+                                      <p:cBhvr>
+                                        <p:cTn id="13" dur="1" fill="hold">
+                                          <p:stCondLst>
+                                            <p:cond delay="0"/>
+                                          </p:stCondLst>
+                                        </p:cTn>
+                                        <p:tgtEl>
+                                          <p:spTgt spid="3">
+                                            <p:txEl>
+                                              <p:pRg st="1" end="1"/>
+                                            </p:txEl>
+                                          </p:spTgt>
+                                        </p:tgtEl>
+                                        <p:attrNameLst>
+                                          <p:attrName>style.visibility</p:attrName>
+                                        </p:attrNameLst>
+                                      </p:cBhvr>
+                                      <p:to>
+                                        <p:strVal val="visible"/>
+                                      </p:to>
+                                    </p:set>
+                                    <p:anim calcmode="lin" valueType="num">
+                                      <p:cBhvr>
+                                        <p:cTn id="14" dur="500" fill="hold"/>
+                                        <p:tgtEl>
+                                          <p:spTgt spid="3">
+                                            <p:txEl>
+                                              <p:pRg st="1" end="1"/>
+                                            </p:txEl>
+                                          </p:spTgt>
+                                        </p:tgtEl>
+                                        <p:attrNameLst>
+                                          <p:attrName>ppt_w</p:attrName>
+                                        </p:attrNameLst>
+                                      </p:cBhvr>
+                                      <p:tavLst>
+                                        <p:tav tm="0">
+                                          <p:val>
+                                            <p:fltVal val="0"/>
+                                          </p:val>
+                                        </p:tav>
+                                        <p:tav tm="100000">
+                                          <p:val>
+                                            <p:strVal val="#ppt_w"/>
+                                          </p:val>
+                                        </p:tav>
+                                      </p:tavLst>
+                                    </p:anim>
+                                    <p:anim calcmode="lin" valueType="num">
+                                      <p:cBhvr>
+                                        <p:cTn id="15" dur="500" fill="hold"/>
+                                        <p:tgtEl>
+                                          <p:spTgt spid="3">
+                                            <p:txEl>
+                                              <p:pRg st="1" end="1"/>
+                                            </p:txEl>
+                                          </p:spTgt>
+                                        </p:tgtEl>
+                                        <p:attrNameLst>
+                                          <p:attrName>ppt_h</p:attrName>
+                                        </p:attrNameLst>
+                                      </p:cBhvr>
+                                      <p:tavLst>
+                                        <p:tav tm="0">
+                                          <p:val>
+                                            <p:fltVal val="0"/>
+                                          </p:val>
+                                        </p:tav>
+                                        <p:tav tm="100000">
+                                          <p:val>
+                                            <p:strVal val="#ppt_h"/>
+                                          </p:val>
+                                        </p:tav>
+                                      </p:tavLst>
+                                    </p:anim>
+                                    <p:animEffect transition="in" filter="fade">
+                                      <p:cBhvr>
+                                        <p:cTn id="16" dur="500"/>
+                                        <p:tgtEl>
+                                          <p:spTgt spid="3">
+                                            <p:txEl>
+                                              <p:pRg st="1" end="1"/>
+                                            </p:txEl>
+                                          </p:spTgt>
+                                        </p:tgtEl>
+                                      </p:cBhvr>
+                                    </p:animEffect>
+                                  </p:childTnLst>
+                                </p:cTn>
+                              </p:par>
+                            </p:childTnLst>
+                          </p:cTn>
+                        </p:par>
+                      </p:childTnLst>
+                    </p:cTn>
+                  </p:par>
+                  <p:par>
+                    <p:cTn id="17" fill="hold">
+                      <p:stCondLst>
+                        <p:cond delay="indefinite"/>
+                      </p:stCondLst>
+                      <p:childTnLst>
+                        <p:par>
+                          <p:cTn id="18" fill="hold">
+                            <p:stCondLst>
+                              <p:cond delay="0"/>
+                            </p:stCondLst>
+                            <p:childTnLst>
+                              <p:par>
+                                <p:cTn id="19" presetID="53" presetClass="entr" presetSubtype="16" fill="hold" grpId="0" nodeType="clickEffect">
+                                  <p:stCondLst>
+                                    <p:cond delay="0"/>
+                                  </p:stCondLst>
+                                  <p:childTnLst>
+                                    <p:set>
+                                      <p:cBhvr>
+                                        <p:cTn id="20" dur="1" fill="hold">
+                                          <p:stCondLst>
+                                            <p:cond delay="0"/>
+                                          </p:stCondLst>
+                                        </p:cTn>
+                                        <p:tgtEl>
+                                          <p:spTgt spid="3">
+                                            <p:txEl>
+                                              <p:pRg st="2" end="2"/>
+                                            </p:txEl>
+                                          </p:spTgt>
+                                        </p:tgtEl>
+                                        <p:attrNameLst>
+                                          <p:attrName>style.visibility</p:attrName>
+                                        </p:attrNameLst>
+                                      </p:cBhvr>
+                                      <p:to>
+                                        <p:strVal val="visible"/>
+                                      </p:to>
+                                    </p:set>
+                                    <p:anim calcmode="lin" valueType="num">
+                                      <p:cBhvr>
+                                        <p:cTn id="21" dur="500" fill="hold"/>
+                                        <p:tgtEl>
+                                          <p:spTgt spid="3">
+                                            <p:txEl>
+                                              <p:pRg st="2" end="2"/>
+                                            </p:txEl>
+                                          </p:spTgt>
+                                        </p:tgtEl>
+                                        <p:attrNameLst>
+                                          <p:attrName>ppt_w</p:attrName>
+                                        </p:attrNameLst>
+                                      </p:cBhvr>
+                                      <p:tavLst>
+                                        <p:tav tm="0">
+                                          <p:val>
+                                            <p:fltVal val="0"/>
+                                          </p:val>
+                                        </p:tav>
+                                        <p:tav tm="100000">
+                                          <p:val>
+                                            <p:strVal val="#ppt_w"/>
+                                          </p:val>
+                                        </p:tav>
+                                      </p:tavLst>
+                                    </p:anim>
+                                    <p:anim calcmode="lin" valueType="num">
+                                      <p:cBhvr>
+                                        <p:cTn id="22" dur="500" fill="hold"/>
+                                        <p:tgtEl>
+                                          <p:spTgt spid="3">
+                                            <p:txEl>
+                                              <p:pRg st="2" end="2"/>
+                                            </p:txEl>
+                                          </p:spTgt>
+                                        </p:tgtEl>
+                                        <p:attrNameLst>
+                                          <p:attrName>ppt_h</p:attrName>
+                                        </p:attrNameLst>
+                                      </p:cBhvr>
+                                      <p:tavLst>
+                                        <p:tav tm="0">
+                                          <p:val>
+                                            <p:fltVal val="0"/>
+                                          </p:val>
+                                        </p:tav>
+                                        <p:tav tm="100000">
+                                          <p:val>
+                                            <p:strVal val="#ppt_h"/>
+                                          </p:val>
+                                        </p:tav>
+                                      </p:tavLst>
+                                    </p:anim>
+                                    <p:animEffect transition="in" filter="fade">
+                                      <p:cBhvr>
+                                        <p:cTn id="23" dur="500"/>
+                                        <p:tgtEl>
+                                          <p:spTgt spid="3">
+                                            <p:txEl>
+                                              <p:pRg st="2" end="2"/>
+                                            </p:txEl>
+                                          </p:spTgt>
+                                        </p:tgtEl>
+                                      </p:cBhvr>
+                                    </p:animEffect>
+                                  </p:childTnLst>
+                                </p:cTn>
+                              </p:par>
+                            </p:childTnLst>
+                          </p:cTn>
+                        </p:par>
+                      </p:childTnLst>
+                    </p:cTn>
+                  </p:par>
+                  <p:par>
+                    <p:cTn id="24" fill="hold">
+                      <p:stCondLst>
+                        <p:cond delay="indefinite"/>
+                      </p:stCondLst>
+                      <p:childTnLst>
+                        <p:par>
+                          <p:cTn id="25" fill="hold">
+                            <p:stCondLst>
+                              <p:cond delay="0"/>
+                            </p:stCondLst>
+                            <p:childTnLst>
+                              <p:par>
+                                <p:cTn id="26" presetID="53" presetClass="entr" presetSubtype="16" fill="hold" grpId="0" nodeType="clickEffect">
+                                  <p:stCondLst>
+                                    <p:cond delay="0"/>
+                                  </p:stCondLst>
+                                  <p:childTnLst>
+                                    <p:set>
+                                      <p:cBhvr>
+                                        <p:cTn id="27" dur="1" fill="hold">
+                                          <p:stCondLst>
+                                            <p:cond delay="0"/>
+                                          </p:stCondLst>
+                                        </p:cTn>
+                                        <p:tgtEl>
+                                          <p:spTgt spid="3">
+                                            <p:txEl>
+                                              <p:pRg st="3" end="3"/>
+                                            </p:txEl>
+                                          </p:spTgt>
+                                        </p:tgtEl>
+                                        <p:attrNameLst>
+                                          <p:attrName>style.visibility</p:attrName>
+                                        </p:attrNameLst>
+                                      </p:cBhvr>
+                                      <p:to>
+                                        <p:strVal val="visible"/>
+                                      </p:to>
+                                    </p:set>
+                                    <p:anim calcmode="lin" valueType="num">
+                                      <p:cBhvr>
+                                        <p:cTn id="28" dur="500" fill="hold"/>
+                                        <p:tgtEl>
+                                          <p:spTgt spid="3">
+                                            <p:txEl>
+                                              <p:pRg st="3" end="3"/>
+                                            </p:txEl>
+                                          </p:spTgt>
+                                        </p:tgtEl>
+                                        <p:attrNameLst>
+                                          <p:attrName>ppt_w</p:attrName>
+                                        </p:attrNameLst>
+                                      </p:cBhvr>
+                                      <p:tavLst>
+                                        <p:tav tm="0">
+                                          <p:val>
+                                            <p:fltVal val="0"/>
+                                          </p:val>
+                                        </p:tav>
+                                        <p:tav tm="100000">
+                                          <p:val>
+                                            <p:strVal val="#ppt_w"/>
+                                          </p:val>
+                                        </p:tav>
+                                      </p:tavLst>
+                                    </p:anim>
+                                    <p:anim calcmode="lin" valueType="num">
+                                      <p:cBhvr>
+                                        <p:cTn id="29" dur="500" fill="hold"/>
+                                        <p:tgtEl>
+                                          <p:spTgt spid="3">
+                                            <p:txEl>
+                                              <p:pRg st="3" end="3"/>
+                                            </p:txEl>
+                                          </p:spTgt>
+                                        </p:tgtEl>
+                                        <p:attrNameLst>
+                                          <p:attrName>ppt_h</p:attrName>
+                                        </p:attrNameLst>
+                                      </p:cBhvr>
+                                      <p:tavLst>
+                                        <p:tav tm="0">
+                                          <p:val>
+                                            <p:fltVal val="0"/>
+                                          </p:val>
+                                        </p:tav>
+                                        <p:tav tm="100000">
+                                          <p:val>
+                                            <p:strVal val="#ppt_h"/>
+                                          </p:val>
+                                        </p:tav>
+                                      </p:tavLst>
+                                    </p:anim>
+                                    <p:animEffect transition="in" filter="fade">
+                                      <p:cBhvr>
+                                        <p:cTn id="30" dur="500"/>
+                                        <p:tgtEl>
+                                          <p:spTgt spid="3">
+                                            <p:txEl>
+                                              <p:pRg st="3" end="3"/>
+                                            </p:txEl>
+                                          </p:spTgt>
+                                        </p:tgtEl>
+                                      </p:cBhvr>
+                                    </p:animEffect>
+                                  </p:childTnLst>
+                                </p:cTn>
+                              </p:par>
+                            </p:childTnLst>
+                          </p:cTn>
+                        </p:par>
+                        <p:par>
+                          <p:cTn id="31" fill="hold">
+                            <p:stCondLst>
+                              <p:cond delay="500"/>
+                            </p:stCondLst>
+                            <p:childTnLst>
+                              <p:par>
+                                <p:cTn id="32" presetID="53" presetClass="entr" presetSubtype="16" fill="hold" nodeType="afterEffect">
+                                  <p:stCondLst>
+                                    <p:cond delay="0"/>
+                                  </p:stCondLst>
+                                  <p:childTnLst>
+                                    <p:set>
+                                      <p:cBhvr>
+                                        <p:cTn id="33" dur="1" fill="hold">
+                                          <p:stCondLst>
+                                            <p:cond delay="0"/>
+                                          </p:stCondLst>
+                                        </p:cTn>
+                                        <p:tgtEl>
+                                          <p:spTgt spid="7"/>
+                                        </p:tgtEl>
+                                        <p:attrNameLst>
+                                          <p:attrName>style.visibility</p:attrName>
+                                        </p:attrNameLst>
+                                      </p:cBhvr>
+                                      <p:to>
+                                        <p:strVal val="visible"/>
+                                      </p:to>
+                                    </p:set>
+                                    <p:anim calcmode="lin" valueType="num">
+                                      <p:cBhvr>
+                                        <p:cTn id="34" dur="500" fill="hold"/>
+                                        <p:tgtEl>
+                                          <p:spTgt spid="7"/>
+                                        </p:tgtEl>
+                                        <p:attrNameLst>
+                                          <p:attrName>ppt_w</p:attrName>
+                                        </p:attrNameLst>
+                                      </p:cBhvr>
+                                      <p:tavLst>
+                                        <p:tav tm="0">
+                                          <p:val>
+                                            <p:fltVal val="0"/>
+                                          </p:val>
+                                        </p:tav>
+                                        <p:tav tm="100000">
+                                          <p:val>
+                                            <p:strVal val="#ppt_w"/>
+                                          </p:val>
+                                        </p:tav>
+                                      </p:tavLst>
+                                    </p:anim>
+                                    <p:anim calcmode="lin" valueType="num">
+                                      <p:cBhvr>
+                                        <p:cTn id="35" dur="500" fill="hold"/>
+                                        <p:tgtEl>
+                                          <p:spTgt spid="7"/>
+                                        </p:tgtEl>
+                                        <p:attrNameLst>
+                                          <p:attrName>ppt_h</p:attrName>
+                                        </p:attrNameLst>
+                                      </p:cBhvr>
+                                      <p:tavLst>
+                                        <p:tav tm="0">
+                                          <p:val>
+                                            <p:fltVal val="0"/>
+                                          </p:val>
+                                        </p:tav>
+                                        <p:tav tm="100000">
+                                          <p:val>
+                                            <p:strVal val="#ppt_h"/>
+                                          </p:val>
+                                        </p:tav>
+                                      </p:tavLst>
+                                    </p:anim>
+                                    <p:animEffect transition="in" filter="fade">
+                                      <p:cBhvr>
+                                        <p:cTn id="36" dur="500"/>
+                                        <p:tgtEl>
+                                          <p:spTgt spid="7"/>
+                                        </p:tgtEl>
+                                      </p:cBhvr>
+                                    </p:animEffect>
+                                  </p:childTnLst>
+                                </p:cTn>
+                              </p:par>
+                            </p:childTnLst>
+                          </p:cTn>
+                        </p:par>
+                      </p:childTnLst>
+                    </p:cTn>
+                  </p:par>
+                </p:childTnLst>
+              </p:cTn>
+              <p:prevCondLst>
+                <p:cond evt="onPrev" delay="0">
+                  <p:tgtEl>
+                    <p:sldTgt/>
+                  </p:tgtEl>
+                </p:cond>
+              </p:prevCondLst>
+              <p:nextCondLst>
+                <p:cond evt="onNext" delay="0">
+                  <p:tgtEl>
+                    <p:sldTgt/>
+                  </p:tgtEl>
+                </p:cond>
+              </p:nextCondLst>
+            </p:seq>
+          </p:childTnLst>
+        </p:cTn>
+      </p:par>
+    </p:tnLst>
+    <p:bldLst>
+      <p:bldP spid="3" grpId="0" build="p"/>
+    </p:bldLst>
+  </p:timing>
 </p:sld>
 </file>
 
-<file path=ppt/slides/slide4.xml><?xml version="1.0" encoding="utf-8"?>
+<file path=ppt/slides/slide3.xml><?xml version="1.0" encoding="utf-8"?>
 <p:sld xmlns:a="http://schemas.openxmlformats.org/drawingml/2006/main" xmlns:r="http://schemas.openxmlformats.org/officeDocument/2006/relationships" xmlns:p="http://schemas.openxmlformats.org/presentationml/2006/main">
   <p:cSld>
     <p:spTree>
@@ -5413,10 +5925,973 @@
   <p:clrMapOvr>
     <a:masterClrMapping/>
   </p:clrMapOvr>
+  <p:timing>
+    <p:tnLst>
+      <p:par>
+        <p:cTn id="1" dur="indefinite" restart="never" nodeType="tmRoot">
+          <p:childTnLst>
+            <p:seq concurrent="1" nextAc="seek">
+              <p:cTn id="2" dur="indefinite" nodeType="mainSeq">
+                <p:childTnLst>
+                  <p:par>
+                    <p:cTn id="3" fill="hold">
+                      <p:stCondLst>
+                        <p:cond delay="indefinite"/>
+                      </p:stCondLst>
+                      <p:childTnLst>
+                        <p:par>
+                          <p:cTn id="4" fill="hold">
+                            <p:stCondLst>
+                              <p:cond delay="0"/>
+                            </p:stCondLst>
+                            <p:childTnLst>
+                              <p:par>
+                                <p:cTn id="5" presetID="53" presetClass="entr" presetSubtype="16" fill="hold" nodeType="clickEffect">
+                                  <p:stCondLst>
+                                    <p:cond delay="0"/>
+                                  </p:stCondLst>
+                                  <p:childTnLst>
+                                    <p:set>
+                                      <p:cBhvr>
+                                        <p:cTn id="6" dur="1" fill="hold">
+                                          <p:stCondLst>
+                                            <p:cond delay="0"/>
+                                          </p:stCondLst>
+                                        </p:cTn>
+                                        <p:tgtEl>
+                                          <p:spTgt spid="9">
+                                            <p:txEl>
+                                              <p:pRg st="1" end="1"/>
+                                            </p:txEl>
+                                          </p:spTgt>
+                                        </p:tgtEl>
+                                        <p:attrNameLst>
+                                          <p:attrName>style.visibility</p:attrName>
+                                        </p:attrNameLst>
+                                      </p:cBhvr>
+                                      <p:to>
+                                        <p:strVal val="visible"/>
+                                      </p:to>
+                                    </p:set>
+                                    <p:anim calcmode="lin" valueType="num">
+                                      <p:cBhvr>
+                                        <p:cTn id="7" dur="500" fill="hold"/>
+                                        <p:tgtEl>
+                                          <p:spTgt spid="9">
+                                            <p:txEl>
+                                              <p:pRg st="1" end="1"/>
+                                            </p:txEl>
+                                          </p:spTgt>
+                                        </p:tgtEl>
+                                        <p:attrNameLst>
+                                          <p:attrName>ppt_w</p:attrName>
+                                        </p:attrNameLst>
+                                      </p:cBhvr>
+                                      <p:tavLst>
+                                        <p:tav tm="0">
+                                          <p:val>
+                                            <p:fltVal val="0"/>
+                                          </p:val>
+                                        </p:tav>
+                                        <p:tav tm="100000">
+                                          <p:val>
+                                            <p:strVal val="#ppt_w"/>
+                                          </p:val>
+                                        </p:tav>
+                                      </p:tavLst>
+                                    </p:anim>
+                                    <p:anim calcmode="lin" valueType="num">
+                                      <p:cBhvr>
+                                        <p:cTn id="8" dur="500" fill="hold"/>
+                                        <p:tgtEl>
+                                          <p:spTgt spid="9">
+                                            <p:txEl>
+                                              <p:pRg st="1" end="1"/>
+                                            </p:txEl>
+                                          </p:spTgt>
+                                        </p:tgtEl>
+                                        <p:attrNameLst>
+                                          <p:attrName>ppt_h</p:attrName>
+                                        </p:attrNameLst>
+                                      </p:cBhvr>
+                                      <p:tavLst>
+                                        <p:tav tm="0">
+                                          <p:val>
+                                            <p:fltVal val="0"/>
+                                          </p:val>
+                                        </p:tav>
+                                        <p:tav tm="100000">
+                                          <p:val>
+                                            <p:strVal val="#ppt_h"/>
+                                          </p:val>
+                                        </p:tav>
+                                      </p:tavLst>
+                                    </p:anim>
+                                    <p:animEffect transition="in" filter="fade">
+                                      <p:cBhvr>
+                                        <p:cTn id="9" dur="500"/>
+                                        <p:tgtEl>
+                                          <p:spTgt spid="9">
+                                            <p:txEl>
+                                              <p:pRg st="1" end="1"/>
+                                            </p:txEl>
+                                          </p:spTgt>
+                                        </p:tgtEl>
+                                      </p:cBhvr>
+                                    </p:animEffect>
+                                  </p:childTnLst>
+                                </p:cTn>
+                              </p:par>
+                              <p:par>
+                                <p:cTn id="10" presetID="53" presetClass="entr" presetSubtype="16" fill="hold" nodeType="withEffect">
+                                  <p:stCondLst>
+                                    <p:cond delay="0"/>
+                                  </p:stCondLst>
+                                  <p:childTnLst>
+                                    <p:set>
+                                      <p:cBhvr>
+                                        <p:cTn id="11" dur="1" fill="hold">
+                                          <p:stCondLst>
+                                            <p:cond delay="0"/>
+                                          </p:stCondLst>
+                                        </p:cTn>
+                                        <p:tgtEl>
+                                          <p:spTgt spid="10"/>
+                                        </p:tgtEl>
+                                        <p:attrNameLst>
+                                          <p:attrName>style.visibility</p:attrName>
+                                        </p:attrNameLst>
+                                      </p:cBhvr>
+                                      <p:to>
+                                        <p:strVal val="visible"/>
+                                      </p:to>
+                                    </p:set>
+                                    <p:anim calcmode="lin" valueType="num">
+                                      <p:cBhvr>
+                                        <p:cTn id="12" dur="500" fill="hold"/>
+                                        <p:tgtEl>
+                                          <p:spTgt spid="10"/>
+                                        </p:tgtEl>
+                                        <p:attrNameLst>
+                                          <p:attrName>ppt_w</p:attrName>
+                                        </p:attrNameLst>
+                                      </p:cBhvr>
+                                      <p:tavLst>
+                                        <p:tav tm="0">
+                                          <p:val>
+                                            <p:fltVal val="0"/>
+                                          </p:val>
+                                        </p:tav>
+                                        <p:tav tm="100000">
+                                          <p:val>
+                                            <p:strVal val="#ppt_w"/>
+                                          </p:val>
+                                        </p:tav>
+                                      </p:tavLst>
+                                    </p:anim>
+                                    <p:anim calcmode="lin" valueType="num">
+                                      <p:cBhvr>
+                                        <p:cTn id="13" dur="500" fill="hold"/>
+                                        <p:tgtEl>
+                                          <p:spTgt spid="10"/>
+                                        </p:tgtEl>
+                                        <p:attrNameLst>
+                                          <p:attrName>ppt_h</p:attrName>
+                                        </p:attrNameLst>
+                                      </p:cBhvr>
+                                      <p:tavLst>
+                                        <p:tav tm="0">
+                                          <p:val>
+                                            <p:fltVal val="0"/>
+                                          </p:val>
+                                        </p:tav>
+                                        <p:tav tm="100000">
+                                          <p:val>
+                                            <p:strVal val="#ppt_h"/>
+                                          </p:val>
+                                        </p:tav>
+                                      </p:tavLst>
+                                    </p:anim>
+                                    <p:animEffect transition="in" filter="fade">
+                                      <p:cBhvr>
+                                        <p:cTn id="14" dur="500"/>
+                                        <p:tgtEl>
+                                          <p:spTgt spid="10"/>
+                                        </p:tgtEl>
+                                      </p:cBhvr>
+                                    </p:animEffect>
+                                  </p:childTnLst>
+                                </p:cTn>
+                              </p:par>
+                            </p:childTnLst>
+                          </p:cTn>
+                        </p:par>
+                      </p:childTnLst>
+                    </p:cTn>
+                  </p:par>
+                  <p:par>
+                    <p:cTn id="15" fill="hold">
+                      <p:stCondLst>
+                        <p:cond delay="indefinite"/>
+                      </p:stCondLst>
+                      <p:childTnLst>
+                        <p:par>
+                          <p:cTn id="16" fill="hold">
+                            <p:stCondLst>
+                              <p:cond delay="0"/>
+                            </p:stCondLst>
+                            <p:childTnLst>
+                              <p:par>
+                                <p:cTn id="17" presetID="53" presetClass="entr" presetSubtype="16" fill="hold" nodeType="clickEffect">
+                                  <p:stCondLst>
+                                    <p:cond delay="0"/>
+                                  </p:stCondLst>
+                                  <p:childTnLst>
+                                    <p:set>
+                                      <p:cBhvr>
+                                        <p:cTn id="18" dur="1" fill="hold">
+                                          <p:stCondLst>
+                                            <p:cond delay="0"/>
+                                          </p:stCondLst>
+                                        </p:cTn>
+                                        <p:tgtEl>
+                                          <p:spTgt spid="9">
+                                            <p:txEl>
+                                              <p:pRg st="2" end="2"/>
+                                            </p:txEl>
+                                          </p:spTgt>
+                                        </p:tgtEl>
+                                        <p:attrNameLst>
+                                          <p:attrName>style.visibility</p:attrName>
+                                        </p:attrNameLst>
+                                      </p:cBhvr>
+                                      <p:to>
+                                        <p:strVal val="visible"/>
+                                      </p:to>
+                                    </p:set>
+                                    <p:anim calcmode="lin" valueType="num">
+                                      <p:cBhvr>
+                                        <p:cTn id="19" dur="500" fill="hold"/>
+                                        <p:tgtEl>
+                                          <p:spTgt spid="9">
+                                            <p:txEl>
+                                              <p:pRg st="2" end="2"/>
+                                            </p:txEl>
+                                          </p:spTgt>
+                                        </p:tgtEl>
+                                        <p:attrNameLst>
+                                          <p:attrName>ppt_w</p:attrName>
+                                        </p:attrNameLst>
+                                      </p:cBhvr>
+                                      <p:tavLst>
+                                        <p:tav tm="0">
+                                          <p:val>
+                                            <p:fltVal val="0"/>
+                                          </p:val>
+                                        </p:tav>
+                                        <p:tav tm="100000">
+                                          <p:val>
+                                            <p:strVal val="#ppt_w"/>
+                                          </p:val>
+                                        </p:tav>
+                                      </p:tavLst>
+                                    </p:anim>
+                                    <p:anim calcmode="lin" valueType="num">
+                                      <p:cBhvr>
+                                        <p:cTn id="20" dur="500" fill="hold"/>
+                                        <p:tgtEl>
+                                          <p:spTgt spid="9">
+                                            <p:txEl>
+                                              <p:pRg st="2" end="2"/>
+                                            </p:txEl>
+                                          </p:spTgt>
+                                        </p:tgtEl>
+                                        <p:attrNameLst>
+                                          <p:attrName>ppt_h</p:attrName>
+                                        </p:attrNameLst>
+                                      </p:cBhvr>
+                                      <p:tavLst>
+                                        <p:tav tm="0">
+                                          <p:val>
+                                            <p:fltVal val="0"/>
+                                          </p:val>
+                                        </p:tav>
+                                        <p:tav tm="100000">
+                                          <p:val>
+                                            <p:strVal val="#ppt_h"/>
+                                          </p:val>
+                                        </p:tav>
+                                      </p:tavLst>
+                                    </p:anim>
+                                    <p:animEffect transition="in" filter="fade">
+                                      <p:cBhvr>
+                                        <p:cTn id="21" dur="500"/>
+                                        <p:tgtEl>
+                                          <p:spTgt spid="9">
+                                            <p:txEl>
+                                              <p:pRg st="2" end="2"/>
+                                            </p:txEl>
+                                          </p:spTgt>
+                                        </p:tgtEl>
+                                      </p:cBhvr>
+                                    </p:animEffect>
+                                  </p:childTnLst>
+                                </p:cTn>
+                              </p:par>
+                            </p:childTnLst>
+                          </p:cTn>
+                        </p:par>
+                      </p:childTnLst>
+                    </p:cTn>
+                  </p:par>
+                  <p:par>
+                    <p:cTn id="22" fill="hold">
+                      <p:stCondLst>
+                        <p:cond delay="indefinite"/>
+                      </p:stCondLst>
+                      <p:childTnLst>
+                        <p:par>
+                          <p:cTn id="23" fill="hold">
+                            <p:stCondLst>
+                              <p:cond delay="0"/>
+                            </p:stCondLst>
+                            <p:childTnLst>
+                              <p:par>
+                                <p:cTn id="24" presetID="53" presetClass="entr" presetSubtype="16" fill="hold" nodeType="clickEffect">
+                                  <p:stCondLst>
+                                    <p:cond delay="0"/>
+                                  </p:stCondLst>
+                                  <p:childTnLst>
+                                    <p:set>
+                                      <p:cBhvr>
+                                        <p:cTn id="25" dur="1" fill="hold">
+                                          <p:stCondLst>
+                                            <p:cond delay="0"/>
+                                          </p:stCondLst>
+                                        </p:cTn>
+                                        <p:tgtEl>
+                                          <p:spTgt spid="9">
+                                            <p:txEl>
+                                              <p:pRg st="3" end="3"/>
+                                            </p:txEl>
+                                          </p:spTgt>
+                                        </p:tgtEl>
+                                        <p:attrNameLst>
+                                          <p:attrName>style.visibility</p:attrName>
+                                        </p:attrNameLst>
+                                      </p:cBhvr>
+                                      <p:to>
+                                        <p:strVal val="visible"/>
+                                      </p:to>
+                                    </p:set>
+                                    <p:anim calcmode="lin" valueType="num">
+                                      <p:cBhvr>
+                                        <p:cTn id="26" dur="500" fill="hold"/>
+                                        <p:tgtEl>
+                                          <p:spTgt spid="9">
+                                            <p:txEl>
+                                              <p:pRg st="3" end="3"/>
+                                            </p:txEl>
+                                          </p:spTgt>
+                                        </p:tgtEl>
+                                        <p:attrNameLst>
+                                          <p:attrName>ppt_w</p:attrName>
+                                        </p:attrNameLst>
+                                      </p:cBhvr>
+                                      <p:tavLst>
+                                        <p:tav tm="0">
+                                          <p:val>
+                                            <p:fltVal val="0"/>
+                                          </p:val>
+                                        </p:tav>
+                                        <p:tav tm="100000">
+                                          <p:val>
+                                            <p:strVal val="#ppt_w"/>
+                                          </p:val>
+                                        </p:tav>
+                                      </p:tavLst>
+                                    </p:anim>
+                                    <p:anim calcmode="lin" valueType="num">
+                                      <p:cBhvr>
+                                        <p:cTn id="27" dur="500" fill="hold"/>
+                                        <p:tgtEl>
+                                          <p:spTgt spid="9">
+                                            <p:txEl>
+                                              <p:pRg st="3" end="3"/>
+                                            </p:txEl>
+                                          </p:spTgt>
+                                        </p:tgtEl>
+                                        <p:attrNameLst>
+                                          <p:attrName>ppt_h</p:attrName>
+                                        </p:attrNameLst>
+                                      </p:cBhvr>
+                                      <p:tavLst>
+                                        <p:tav tm="0">
+                                          <p:val>
+                                            <p:fltVal val="0"/>
+                                          </p:val>
+                                        </p:tav>
+                                        <p:tav tm="100000">
+                                          <p:val>
+                                            <p:strVal val="#ppt_h"/>
+                                          </p:val>
+                                        </p:tav>
+                                      </p:tavLst>
+                                    </p:anim>
+                                    <p:animEffect transition="in" filter="fade">
+                                      <p:cBhvr>
+                                        <p:cTn id="28" dur="500"/>
+                                        <p:tgtEl>
+                                          <p:spTgt spid="9">
+                                            <p:txEl>
+                                              <p:pRg st="3" end="3"/>
+                                            </p:txEl>
+                                          </p:spTgt>
+                                        </p:tgtEl>
+                                      </p:cBhvr>
+                                    </p:animEffect>
+                                  </p:childTnLst>
+                                </p:cTn>
+                              </p:par>
+                              <p:par>
+                                <p:cTn id="29" presetID="53" presetClass="entr" presetSubtype="16" fill="hold" nodeType="withEffect">
+                                  <p:stCondLst>
+                                    <p:cond delay="0"/>
+                                  </p:stCondLst>
+                                  <p:childTnLst>
+                                    <p:set>
+                                      <p:cBhvr>
+                                        <p:cTn id="30" dur="1" fill="hold">
+                                          <p:stCondLst>
+                                            <p:cond delay="0"/>
+                                          </p:stCondLst>
+                                        </p:cTn>
+                                        <p:tgtEl>
+                                          <p:spTgt spid="11"/>
+                                        </p:tgtEl>
+                                        <p:attrNameLst>
+                                          <p:attrName>style.visibility</p:attrName>
+                                        </p:attrNameLst>
+                                      </p:cBhvr>
+                                      <p:to>
+                                        <p:strVal val="visible"/>
+                                      </p:to>
+                                    </p:set>
+                                    <p:anim calcmode="lin" valueType="num">
+                                      <p:cBhvr>
+                                        <p:cTn id="31" dur="500" fill="hold"/>
+                                        <p:tgtEl>
+                                          <p:spTgt spid="11"/>
+                                        </p:tgtEl>
+                                        <p:attrNameLst>
+                                          <p:attrName>ppt_w</p:attrName>
+                                        </p:attrNameLst>
+                                      </p:cBhvr>
+                                      <p:tavLst>
+                                        <p:tav tm="0">
+                                          <p:val>
+                                            <p:fltVal val="0"/>
+                                          </p:val>
+                                        </p:tav>
+                                        <p:tav tm="100000">
+                                          <p:val>
+                                            <p:strVal val="#ppt_w"/>
+                                          </p:val>
+                                        </p:tav>
+                                      </p:tavLst>
+                                    </p:anim>
+                                    <p:anim calcmode="lin" valueType="num">
+                                      <p:cBhvr>
+                                        <p:cTn id="32" dur="500" fill="hold"/>
+                                        <p:tgtEl>
+                                          <p:spTgt spid="11"/>
+                                        </p:tgtEl>
+                                        <p:attrNameLst>
+                                          <p:attrName>ppt_h</p:attrName>
+                                        </p:attrNameLst>
+                                      </p:cBhvr>
+                                      <p:tavLst>
+                                        <p:tav tm="0">
+                                          <p:val>
+                                            <p:fltVal val="0"/>
+                                          </p:val>
+                                        </p:tav>
+                                        <p:tav tm="100000">
+                                          <p:val>
+                                            <p:strVal val="#ppt_h"/>
+                                          </p:val>
+                                        </p:tav>
+                                      </p:tavLst>
+                                    </p:anim>
+                                    <p:animEffect transition="in" filter="fade">
+                                      <p:cBhvr>
+                                        <p:cTn id="33" dur="500"/>
+                                        <p:tgtEl>
+                                          <p:spTgt spid="11"/>
+                                        </p:tgtEl>
+                                      </p:cBhvr>
+                                    </p:animEffect>
+                                  </p:childTnLst>
+                                </p:cTn>
+                              </p:par>
+                            </p:childTnLst>
+                          </p:cTn>
+                        </p:par>
+                      </p:childTnLst>
+                    </p:cTn>
+                  </p:par>
+                  <p:par>
+                    <p:cTn id="34" fill="hold">
+                      <p:stCondLst>
+                        <p:cond delay="indefinite"/>
+                      </p:stCondLst>
+                      <p:childTnLst>
+                        <p:par>
+                          <p:cTn id="35" fill="hold">
+                            <p:stCondLst>
+                              <p:cond delay="0"/>
+                            </p:stCondLst>
+                            <p:childTnLst>
+                              <p:par>
+                                <p:cTn id="36" presetID="53" presetClass="entr" presetSubtype="16" fill="hold" nodeType="clickEffect">
+                                  <p:stCondLst>
+                                    <p:cond delay="0"/>
+                                  </p:stCondLst>
+                                  <p:childTnLst>
+                                    <p:set>
+                                      <p:cBhvr>
+                                        <p:cTn id="37" dur="1" fill="hold">
+                                          <p:stCondLst>
+                                            <p:cond delay="0"/>
+                                          </p:stCondLst>
+                                        </p:cTn>
+                                        <p:tgtEl>
+                                          <p:spTgt spid="9">
+                                            <p:txEl>
+                                              <p:pRg st="4" end="4"/>
+                                            </p:txEl>
+                                          </p:spTgt>
+                                        </p:tgtEl>
+                                        <p:attrNameLst>
+                                          <p:attrName>style.visibility</p:attrName>
+                                        </p:attrNameLst>
+                                      </p:cBhvr>
+                                      <p:to>
+                                        <p:strVal val="visible"/>
+                                      </p:to>
+                                    </p:set>
+                                    <p:anim calcmode="lin" valueType="num">
+                                      <p:cBhvr>
+                                        <p:cTn id="38" dur="500" fill="hold"/>
+                                        <p:tgtEl>
+                                          <p:spTgt spid="9">
+                                            <p:txEl>
+                                              <p:pRg st="4" end="4"/>
+                                            </p:txEl>
+                                          </p:spTgt>
+                                        </p:tgtEl>
+                                        <p:attrNameLst>
+                                          <p:attrName>ppt_w</p:attrName>
+                                        </p:attrNameLst>
+                                      </p:cBhvr>
+                                      <p:tavLst>
+                                        <p:tav tm="0">
+                                          <p:val>
+                                            <p:fltVal val="0"/>
+                                          </p:val>
+                                        </p:tav>
+                                        <p:tav tm="100000">
+                                          <p:val>
+                                            <p:strVal val="#ppt_w"/>
+                                          </p:val>
+                                        </p:tav>
+                                      </p:tavLst>
+                                    </p:anim>
+                                    <p:anim calcmode="lin" valueType="num">
+                                      <p:cBhvr>
+                                        <p:cTn id="39" dur="500" fill="hold"/>
+                                        <p:tgtEl>
+                                          <p:spTgt spid="9">
+                                            <p:txEl>
+                                              <p:pRg st="4" end="4"/>
+                                            </p:txEl>
+                                          </p:spTgt>
+                                        </p:tgtEl>
+                                        <p:attrNameLst>
+                                          <p:attrName>ppt_h</p:attrName>
+                                        </p:attrNameLst>
+                                      </p:cBhvr>
+                                      <p:tavLst>
+                                        <p:tav tm="0">
+                                          <p:val>
+                                            <p:fltVal val="0"/>
+                                          </p:val>
+                                        </p:tav>
+                                        <p:tav tm="100000">
+                                          <p:val>
+                                            <p:strVal val="#ppt_h"/>
+                                          </p:val>
+                                        </p:tav>
+                                      </p:tavLst>
+                                    </p:anim>
+                                    <p:animEffect transition="in" filter="fade">
+                                      <p:cBhvr>
+                                        <p:cTn id="40" dur="500"/>
+                                        <p:tgtEl>
+                                          <p:spTgt spid="9">
+                                            <p:txEl>
+                                              <p:pRg st="4" end="4"/>
+                                            </p:txEl>
+                                          </p:spTgt>
+                                        </p:tgtEl>
+                                      </p:cBhvr>
+                                    </p:animEffect>
+                                  </p:childTnLst>
+                                </p:cTn>
+                              </p:par>
+                            </p:childTnLst>
+                          </p:cTn>
+                        </p:par>
+                      </p:childTnLst>
+                    </p:cTn>
+                  </p:par>
+                  <p:par>
+                    <p:cTn id="41" fill="hold">
+                      <p:stCondLst>
+                        <p:cond delay="indefinite"/>
+                      </p:stCondLst>
+                      <p:childTnLst>
+                        <p:par>
+                          <p:cTn id="42" fill="hold">
+                            <p:stCondLst>
+                              <p:cond delay="0"/>
+                            </p:stCondLst>
+                            <p:childTnLst>
+                              <p:par>
+                                <p:cTn id="43" presetID="53" presetClass="entr" presetSubtype="16" fill="hold" nodeType="clickEffect">
+                                  <p:stCondLst>
+                                    <p:cond delay="0"/>
+                                  </p:stCondLst>
+                                  <p:childTnLst>
+                                    <p:set>
+                                      <p:cBhvr>
+                                        <p:cTn id="44" dur="1" fill="hold">
+                                          <p:stCondLst>
+                                            <p:cond delay="0"/>
+                                          </p:stCondLst>
+                                        </p:cTn>
+                                        <p:tgtEl>
+                                          <p:spTgt spid="9">
+                                            <p:txEl>
+                                              <p:pRg st="5" end="5"/>
+                                            </p:txEl>
+                                          </p:spTgt>
+                                        </p:tgtEl>
+                                        <p:attrNameLst>
+                                          <p:attrName>style.visibility</p:attrName>
+                                        </p:attrNameLst>
+                                      </p:cBhvr>
+                                      <p:to>
+                                        <p:strVal val="visible"/>
+                                      </p:to>
+                                    </p:set>
+                                    <p:anim calcmode="lin" valueType="num">
+                                      <p:cBhvr>
+                                        <p:cTn id="45" dur="500" fill="hold"/>
+                                        <p:tgtEl>
+                                          <p:spTgt spid="9">
+                                            <p:txEl>
+                                              <p:pRg st="5" end="5"/>
+                                            </p:txEl>
+                                          </p:spTgt>
+                                        </p:tgtEl>
+                                        <p:attrNameLst>
+                                          <p:attrName>ppt_w</p:attrName>
+                                        </p:attrNameLst>
+                                      </p:cBhvr>
+                                      <p:tavLst>
+                                        <p:tav tm="0">
+                                          <p:val>
+                                            <p:fltVal val="0"/>
+                                          </p:val>
+                                        </p:tav>
+                                        <p:tav tm="100000">
+                                          <p:val>
+                                            <p:strVal val="#ppt_w"/>
+                                          </p:val>
+                                        </p:tav>
+                                      </p:tavLst>
+                                    </p:anim>
+                                    <p:anim calcmode="lin" valueType="num">
+                                      <p:cBhvr>
+                                        <p:cTn id="46" dur="500" fill="hold"/>
+                                        <p:tgtEl>
+                                          <p:spTgt spid="9">
+                                            <p:txEl>
+                                              <p:pRg st="5" end="5"/>
+                                            </p:txEl>
+                                          </p:spTgt>
+                                        </p:tgtEl>
+                                        <p:attrNameLst>
+                                          <p:attrName>ppt_h</p:attrName>
+                                        </p:attrNameLst>
+                                      </p:cBhvr>
+                                      <p:tavLst>
+                                        <p:tav tm="0">
+                                          <p:val>
+                                            <p:fltVal val="0"/>
+                                          </p:val>
+                                        </p:tav>
+                                        <p:tav tm="100000">
+                                          <p:val>
+                                            <p:strVal val="#ppt_h"/>
+                                          </p:val>
+                                        </p:tav>
+                                      </p:tavLst>
+                                    </p:anim>
+                                    <p:animEffect transition="in" filter="fade">
+                                      <p:cBhvr>
+                                        <p:cTn id="47" dur="500"/>
+                                        <p:tgtEl>
+                                          <p:spTgt spid="9">
+                                            <p:txEl>
+                                              <p:pRg st="5" end="5"/>
+                                            </p:txEl>
+                                          </p:spTgt>
+                                        </p:tgtEl>
+                                      </p:cBhvr>
+                                    </p:animEffect>
+                                  </p:childTnLst>
+                                </p:cTn>
+                              </p:par>
+                              <p:par>
+                                <p:cTn id="48" presetID="53" presetClass="entr" presetSubtype="16" fill="hold" nodeType="withEffect">
+                                  <p:stCondLst>
+                                    <p:cond delay="0"/>
+                                  </p:stCondLst>
+                                  <p:childTnLst>
+                                    <p:set>
+                                      <p:cBhvr>
+                                        <p:cTn id="49" dur="1" fill="hold">
+                                          <p:stCondLst>
+                                            <p:cond delay="0"/>
+                                          </p:stCondLst>
+                                        </p:cTn>
+                                        <p:tgtEl>
+                                          <p:spTgt spid="13"/>
+                                        </p:tgtEl>
+                                        <p:attrNameLst>
+                                          <p:attrName>style.visibility</p:attrName>
+                                        </p:attrNameLst>
+                                      </p:cBhvr>
+                                      <p:to>
+                                        <p:strVal val="visible"/>
+                                      </p:to>
+                                    </p:set>
+                                    <p:anim calcmode="lin" valueType="num">
+                                      <p:cBhvr>
+                                        <p:cTn id="50" dur="500" fill="hold"/>
+                                        <p:tgtEl>
+                                          <p:spTgt spid="13"/>
+                                        </p:tgtEl>
+                                        <p:attrNameLst>
+                                          <p:attrName>ppt_w</p:attrName>
+                                        </p:attrNameLst>
+                                      </p:cBhvr>
+                                      <p:tavLst>
+                                        <p:tav tm="0">
+                                          <p:val>
+                                            <p:fltVal val="0"/>
+                                          </p:val>
+                                        </p:tav>
+                                        <p:tav tm="100000">
+                                          <p:val>
+                                            <p:strVal val="#ppt_w"/>
+                                          </p:val>
+                                        </p:tav>
+                                      </p:tavLst>
+                                    </p:anim>
+                                    <p:anim calcmode="lin" valueType="num">
+                                      <p:cBhvr>
+                                        <p:cTn id="51" dur="500" fill="hold"/>
+                                        <p:tgtEl>
+                                          <p:spTgt spid="13"/>
+                                        </p:tgtEl>
+                                        <p:attrNameLst>
+                                          <p:attrName>ppt_h</p:attrName>
+                                        </p:attrNameLst>
+                                      </p:cBhvr>
+                                      <p:tavLst>
+                                        <p:tav tm="0">
+                                          <p:val>
+                                            <p:fltVal val="0"/>
+                                          </p:val>
+                                        </p:tav>
+                                        <p:tav tm="100000">
+                                          <p:val>
+                                            <p:strVal val="#ppt_h"/>
+                                          </p:val>
+                                        </p:tav>
+                                      </p:tavLst>
+                                    </p:anim>
+                                    <p:animEffect transition="in" filter="fade">
+                                      <p:cBhvr>
+                                        <p:cTn id="52" dur="500"/>
+                                        <p:tgtEl>
+                                          <p:spTgt spid="13"/>
+                                        </p:tgtEl>
+                                      </p:cBhvr>
+                                    </p:animEffect>
+                                  </p:childTnLst>
+                                </p:cTn>
+                              </p:par>
+                            </p:childTnLst>
+                          </p:cTn>
+                        </p:par>
+                      </p:childTnLst>
+                    </p:cTn>
+                  </p:par>
+                  <p:par>
+                    <p:cTn id="53" fill="hold">
+                      <p:stCondLst>
+                        <p:cond delay="indefinite"/>
+                      </p:stCondLst>
+                      <p:childTnLst>
+                        <p:par>
+                          <p:cTn id="54" fill="hold">
+                            <p:stCondLst>
+                              <p:cond delay="0"/>
+                            </p:stCondLst>
+                            <p:childTnLst>
+                              <p:par>
+                                <p:cTn id="55" presetID="53" presetClass="entr" presetSubtype="16" fill="hold" nodeType="clickEffect">
+                                  <p:stCondLst>
+                                    <p:cond delay="0"/>
+                                  </p:stCondLst>
+                                  <p:childTnLst>
+                                    <p:set>
+                                      <p:cBhvr>
+                                        <p:cTn id="56" dur="1" fill="hold">
+                                          <p:stCondLst>
+                                            <p:cond delay="0"/>
+                                          </p:stCondLst>
+                                        </p:cTn>
+                                        <p:tgtEl>
+                                          <p:spTgt spid="9">
+                                            <p:txEl>
+                                              <p:pRg st="6" end="6"/>
+                                            </p:txEl>
+                                          </p:spTgt>
+                                        </p:tgtEl>
+                                        <p:attrNameLst>
+                                          <p:attrName>style.visibility</p:attrName>
+                                        </p:attrNameLst>
+                                      </p:cBhvr>
+                                      <p:to>
+                                        <p:strVal val="visible"/>
+                                      </p:to>
+                                    </p:set>
+                                    <p:anim calcmode="lin" valueType="num">
+                                      <p:cBhvr>
+                                        <p:cTn id="57" dur="500" fill="hold"/>
+                                        <p:tgtEl>
+                                          <p:spTgt spid="9">
+                                            <p:txEl>
+                                              <p:pRg st="6" end="6"/>
+                                            </p:txEl>
+                                          </p:spTgt>
+                                        </p:tgtEl>
+                                        <p:attrNameLst>
+                                          <p:attrName>ppt_w</p:attrName>
+                                        </p:attrNameLst>
+                                      </p:cBhvr>
+                                      <p:tavLst>
+                                        <p:tav tm="0">
+                                          <p:val>
+                                            <p:fltVal val="0"/>
+                                          </p:val>
+                                        </p:tav>
+                                        <p:tav tm="100000">
+                                          <p:val>
+                                            <p:strVal val="#ppt_w"/>
+                                          </p:val>
+                                        </p:tav>
+                                      </p:tavLst>
+                                    </p:anim>
+                                    <p:anim calcmode="lin" valueType="num">
+                                      <p:cBhvr>
+                                        <p:cTn id="58" dur="500" fill="hold"/>
+                                        <p:tgtEl>
+                                          <p:spTgt spid="9">
+                                            <p:txEl>
+                                              <p:pRg st="6" end="6"/>
+                                            </p:txEl>
+                                          </p:spTgt>
+                                        </p:tgtEl>
+                                        <p:attrNameLst>
+                                          <p:attrName>ppt_h</p:attrName>
+                                        </p:attrNameLst>
+                                      </p:cBhvr>
+                                      <p:tavLst>
+                                        <p:tav tm="0">
+                                          <p:val>
+                                            <p:fltVal val="0"/>
+                                          </p:val>
+                                        </p:tav>
+                                        <p:tav tm="100000">
+                                          <p:val>
+                                            <p:strVal val="#ppt_h"/>
+                                          </p:val>
+                                        </p:tav>
+                                      </p:tavLst>
+                                    </p:anim>
+                                    <p:animEffect transition="in" filter="fade">
+                                      <p:cBhvr>
+                                        <p:cTn id="59" dur="500"/>
+                                        <p:tgtEl>
+                                          <p:spTgt spid="9">
+                                            <p:txEl>
+                                              <p:pRg st="6" end="6"/>
+                                            </p:txEl>
+                                          </p:spTgt>
+                                        </p:tgtEl>
+                                      </p:cBhvr>
+                                    </p:animEffect>
+                                  </p:childTnLst>
+                                </p:cTn>
+                              </p:par>
+                            </p:childTnLst>
+                          </p:cTn>
+                        </p:par>
+                      </p:childTnLst>
+                    </p:cTn>
+                  </p:par>
+                </p:childTnLst>
+              </p:cTn>
+              <p:prevCondLst>
+                <p:cond evt="onPrev" delay="0">
+                  <p:tgtEl>
+                    <p:sldTgt/>
+                  </p:tgtEl>
+                </p:cond>
+              </p:prevCondLst>
+              <p:nextCondLst>
+                <p:cond evt="onNext" delay="0">
+                  <p:tgtEl>
+                    <p:sldTgt/>
+                  </p:tgtEl>
+                </p:cond>
+              </p:nextCondLst>
+            </p:seq>
+          </p:childTnLst>
+        </p:cTn>
+      </p:par>
+    </p:tnLst>
+  </p:timing>
 </p:sld>
 </file>
 
-<file path=ppt/slides/slide5.xml><?xml version="1.0" encoding="utf-8"?>
+<file path=ppt/slides/slide4.xml><?xml version="1.0" encoding="utf-8"?>
 <p:sld xmlns:a="http://schemas.openxmlformats.org/drawingml/2006/main" xmlns:r="http://schemas.openxmlformats.org/officeDocument/2006/relationships" xmlns:p="http://schemas.openxmlformats.org/presentationml/2006/main">
   <p:cSld>
     <p:spTree>
@@ -5863,14 +7338,28 @@
                 <a:latin typeface="Arial" panose="020B0604020202020204" pitchFamily="34" charset="0"/>
                 <a:cs typeface="Arial" panose="020B0604020202020204" pitchFamily="34" charset="0"/>
               </a:rPr>
-              <a:t>JavaScript Web </a:t>
+              <a:t>Chat </a:t>
             </a:r>
             <a:r>
               <a:rPr lang="hu-HU" b="1" dirty="0" err="1">
                 <a:latin typeface="Arial" panose="020B0604020202020204" pitchFamily="34" charset="0"/>
                 <a:cs typeface="Arial" panose="020B0604020202020204" pitchFamily="34" charset="0"/>
               </a:rPr>
-              <a:t>Plugin</a:t>
+              <a:t>Popup</a:t>
+            </a:r>
+            <a:r>
+              <a:rPr lang="hu-HU" b="1" dirty="0">
+                <a:latin typeface="Arial" panose="020B0604020202020204" pitchFamily="34" charset="0"/>
+                <a:cs typeface="Arial" panose="020B0604020202020204" pitchFamily="34" charset="0"/>
+              </a:rPr>
+              <a:t> </a:t>
+            </a:r>
+            <a:r>
+              <a:rPr lang="hu-HU" b="1" dirty="0" err="1">
+                <a:latin typeface="Arial" panose="020B0604020202020204" pitchFamily="34" charset="0"/>
+                <a:cs typeface="Arial" panose="020B0604020202020204" pitchFamily="34" charset="0"/>
+              </a:rPr>
+              <a:t>Notification</a:t>
             </a:r>
             <a:endParaRPr lang="hu-HU" b="1" dirty="0">
               <a:latin typeface="Arial" panose="020B0604020202020204" pitchFamily="34" charset="0"/>
@@ -5883,11 +7372,18 @@
               <a:buChar char="•"/>
             </a:pPr>
             <a:r>
+              <a:rPr lang="hu-HU" sz="2000" dirty="0" err="1">
+                <a:latin typeface="Arial" panose="020B0604020202020204" pitchFamily="34" charset="0"/>
+                <a:cs typeface="Arial" panose="020B0604020202020204" pitchFamily="34" charset="0"/>
+              </a:rPr>
+              <a:t>Realtime</a:t>
+            </a:r>
+            <a:r>
               <a:rPr lang="hu-HU" sz="2000" dirty="0">
                 <a:latin typeface="Arial" panose="020B0604020202020204" pitchFamily="34" charset="0"/>
                 <a:cs typeface="Arial" panose="020B0604020202020204" pitchFamily="34" charset="0"/>
               </a:rPr>
-              <a:t>Frontend feladat</a:t>
+              <a:t> információ az ügyintéző számára</a:t>
             </a:r>
           </a:p>
           <a:p>
@@ -5896,42 +7392,11 @@
               <a:buChar char="•"/>
             </a:pPr>
             <a:r>
-              <a:rPr lang="hu-HU" sz="2000" dirty="0" err="1">
-                <a:latin typeface="Arial" panose="020B0604020202020204" pitchFamily="34" charset="0"/>
-                <a:cs typeface="Arial" panose="020B0604020202020204" pitchFamily="34" charset="0"/>
-              </a:rPr>
-              <a:t>Activity</a:t>
-            </a:r>
-            <a:r>
               <a:rPr lang="hu-HU" sz="2000" dirty="0">
                 <a:latin typeface="Arial" panose="020B0604020202020204" pitchFamily="34" charset="0"/>
                 <a:cs typeface="Arial" panose="020B0604020202020204" pitchFamily="34" charset="0"/>
               </a:rPr>
-              <a:t> </a:t>
-            </a:r>
-            <a:r>
-              <a:rPr lang="hu-HU" sz="2000" dirty="0" err="1">
-                <a:latin typeface="Arial" panose="020B0604020202020204" pitchFamily="34" charset="0"/>
-                <a:cs typeface="Arial" panose="020B0604020202020204" pitchFamily="34" charset="0"/>
-              </a:rPr>
-              <a:t>tracking</a:t>
-            </a:r>
-            <a:endParaRPr lang="hu-HU" sz="2000" dirty="0">
-              <a:latin typeface="Arial" panose="020B0604020202020204" pitchFamily="34" charset="0"/>
-              <a:cs typeface="Arial" panose="020B0604020202020204" pitchFamily="34" charset="0"/>
-            </a:endParaRPr>
-          </a:p>
-          <a:p>
-            <a:pPr marL="342900" indent="-342900" algn="l">
-              <a:buFont typeface="Arial" panose="020B0604020202020204" pitchFamily="34" charset="0"/>
-              <a:buChar char="•"/>
-            </a:pPr>
-            <a:r>
-              <a:rPr lang="hu-HU" sz="2000" dirty="0">
-                <a:latin typeface="Arial" panose="020B0604020202020204" pitchFamily="34" charset="0"/>
-                <a:cs typeface="Arial" panose="020B0604020202020204" pitchFamily="34" charset="0"/>
-              </a:rPr>
-              <a:t>A kliens és az ügyintéző közötti kapcsolat kezdete</a:t>
+              <a:t>Komplex, backend – frontend feladat</a:t>
             </a:r>
           </a:p>
           <a:p>
@@ -5953,11 +7418,18 @@
               <a:buChar char="•"/>
             </a:pPr>
             <a:r>
-              <a:rPr lang="hu-HU" sz="1800" dirty="0">
+              <a:rPr lang="hu-HU" sz="1600" dirty="0" err="1">
                 <a:latin typeface="Arial" panose="020B0604020202020204" pitchFamily="34" charset="0"/>
                 <a:cs typeface="Arial" panose="020B0604020202020204" pitchFamily="34" charset="0"/>
               </a:rPr>
-              <a:t>Kommunikációs séma kialakítás</a:t>
+              <a:t>Conversation</a:t>
+            </a:r>
+            <a:r>
+              <a:rPr lang="hu-HU" sz="1600" dirty="0">
+                <a:latin typeface="Arial" panose="020B0604020202020204" pitchFamily="34" charset="0"/>
+                <a:cs typeface="Arial" panose="020B0604020202020204" pitchFamily="34" charset="0"/>
+              </a:rPr>
+              <a:t> Status bevezetése</a:t>
             </a:r>
           </a:p>
           <a:p>
@@ -5966,11 +7438,25 @@
               <a:buChar char="•"/>
             </a:pPr>
             <a:r>
-              <a:rPr lang="hu-HU" sz="1800" dirty="0">
+              <a:rPr lang="hu-HU" sz="1600" dirty="0">
                 <a:latin typeface="Arial" panose="020B0604020202020204" pitchFamily="34" charset="0"/>
                 <a:cs typeface="Arial" panose="020B0604020202020204" pitchFamily="34" charset="0"/>
               </a:rPr>
-              <a:t>Session Storage használat</a:t>
+              <a:t>A project minden </a:t>
+            </a:r>
+            <a:r>
+              <a:rPr lang="hu-HU" sz="1600" dirty="0" err="1">
+                <a:latin typeface="Arial" panose="020B0604020202020204" pitchFamily="34" charset="0"/>
+                <a:cs typeface="Arial" panose="020B0604020202020204" pitchFamily="34" charset="0"/>
+              </a:rPr>
+              <a:t>mudulját</a:t>
+            </a:r>
+            <a:r>
+              <a:rPr lang="hu-HU" sz="1600" dirty="0">
+                <a:latin typeface="Arial" panose="020B0604020202020204" pitchFamily="34" charset="0"/>
+                <a:cs typeface="Arial" panose="020B0604020202020204" pitchFamily="34" charset="0"/>
+              </a:rPr>
+              <a:t> érintő munka</a:t>
             </a:r>
           </a:p>
           <a:p>
@@ -5979,53 +7465,35 @@
               <a:buChar char="•"/>
             </a:pPr>
             <a:r>
-              <a:rPr lang="hu-HU" sz="1800" dirty="0">
+              <a:rPr lang="hu-HU" sz="1600" dirty="0">
                 <a:latin typeface="Arial" panose="020B0604020202020204" pitchFamily="34" charset="0"/>
                 <a:cs typeface="Arial" panose="020B0604020202020204" pitchFamily="34" charset="0"/>
               </a:rPr>
-              <a:t>UUID – </a:t>
-            </a:r>
-            <a:r>
-              <a:rPr lang="hu-HU" sz="1800" dirty="0" err="1">
+              <a:t>JPQL </a:t>
+            </a:r>
+            <a:r>
+              <a:rPr lang="hu-HU" sz="1600" dirty="0" err="1">
                 <a:latin typeface="Arial" panose="020B0604020202020204" pitchFamily="34" charset="0"/>
                 <a:cs typeface="Arial" panose="020B0604020202020204" pitchFamily="34" charset="0"/>
               </a:rPr>
-              <a:t>Unique</a:t>
-            </a:r>
-            <a:r>
-              <a:rPr lang="hu-HU" sz="1800" dirty="0">
+              <a:t>Query</a:t>
+            </a:r>
+            <a:endParaRPr lang="hu-HU" sz="1600" dirty="0">
+              <a:latin typeface="Arial" panose="020B0604020202020204" pitchFamily="34" charset="0"/>
+              <a:cs typeface="Arial" panose="020B0604020202020204" pitchFamily="34" charset="0"/>
+            </a:endParaRPr>
+          </a:p>
+          <a:p>
+            <a:pPr marL="800100" lvl="1" indent="-342900" algn="l">
+              <a:buFont typeface="Arial" panose="020B0604020202020204" pitchFamily="34" charset="0"/>
+              <a:buChar char="•"/>
+            </a:pPr>
+            <a:r>
+              <a:rPr lang="hu-HU" sz="1600" dirty="0">
                 <a:latin typeface="Arial" panose="020B0604020202020204" pitchFamily="34" charset="0"/>
                 <a:cs typeface="Arial" panose="020B0604020202020204" pitchFamily="34" charset="0"/>
               </a:rPr>
-              <a:t> </a:t>
-            </a:r>
-            <a:r>
-              <a:rPr lang="hu-HU" sz="1800" dirty="0" err="1">
-                <a:latin typeface="Arial" panose="020B0604020202020204" pitchFamily="34" charset="0"/>
-                <a:cs typeface="Arial" panose="020B0604020202020204" pitchFamily="34" charset="0"/>
-              </a:rPr>
-              <a:t>User</a:t>
-            </a:r>
-            <a:r>
-              <a:rPr lang="hu-HU" sz="1800" dirty="0">
-                <a:latin typeface="Arial" panose="020B0604020202020204" pitchFamily="34" charset="0"/>
-                <a:cs typeface="Arial" panose="020B0604020202020204" pitchFamily="34" charset="0"/>
-              </a:rPr>
-              <a:t> </a:t>
-            </a:r>
-            <a:r>
-              <a:rPr lang="hu-HU" sz="1800" dirty="0" err="1">
-                <a:latin typeface="Arial" panose="020B0604020202020204" pitchFamily="34" charset="0"/>
-                <a:cs typeface="Arial" panose="020B0604020202020204" pitchFamily="34" charset="0"/>
-              </a:rPr>
-              <a:t>Identifier</a:t>
-            </a:r>
-            <a:r>
-              <a:rPr lang="hu-HU" sz="1800" dirty="0">
-                <a:latin typeface="Arial" panose="020B0604020202020204" pitchFamily="34" charset="0"/>
-                <a:cs typeface="Arial" panose="020B0604020202020204" pitchFamily="34" charset="0"/>
-              </a:rPr>
-              <a:t> - generálás</a:t>
+              <a:t>Egyedi design</a:t>
             </a:r>
           </a:p>
           <a:p>
@@ -6039,6 +7507,16 @@
             </a:endParaRPr>
           </a:p>
           <a:p>
+            <a:pPr marL="342900" indent="-342900" algn="l">
+              <a:buFont typeface="Arial" panose="020B0604020202020204" pitchFamily="34" charset="0"/>
+              <a:buChar char="•"/>
+            </a:pPr>
+            <a:endParaRPr lang="hu-HU" dirty="0">
+              <a:latin typeface="Arial" panose="020B0604020202020204" pitchFamily="34" charset="0"/>
+              <a:cs typeface="Arial" panose="020B0604020202020204" pitchFamily="34" charset="0"/>
+            </a:endParaRPr>
+          </a:p>
+          <a:p>
             <a:pPr marL="800100" lvl="1" indent="-342900" algn="l">
               <a:buFont typeface="Arial" panose="020B0604020202020204" pitchFamily="34" charset="0"/>
               <a:buChar char="•"/>
@@ -6048,48 +7526,47 @@
               <a:cs typeface="Arial" panose="020B0604020202020204" pitchFamily="34" charset="0"/>
             </a:endParaRPr>
           </a:p>
-          <a:p>
-            <a:pPr marL="800100" lvl="1" indent="-342900" algn="l">
-              <a:buFont typeface="Arial" panose="020B0604020202020204" pitchFamily="34" charset="0"/>
-              <a:buChar char="•"/>
-            </a:pPr>
-            <a:endParaRPr lang="hu-HU" dirty="0">
-              <a:latin typeface="Arial" panose="020B0604020202020204" pitchFamily="34" charset="0"/>
-              <a:cs typeface="Arial" panose="020B0604020202020204" pitchFamily="34" charset="0"/>
-            </a:endParaRPr>
-          </a:p>
-          <a:p>
-            <a:pPr marL="342900" indent="-342900" algn="l">
-              <a:buFont typeface="Arial" panose="020B0604020202020204" pitchFamily="34" charset="0"/>
-              <a:buChar char="•"/>
-            </a:pPr>
-            <a:endParaRPr lang="hu-HU" dirty="0">
-              <a:latin typeface="Arial" panose="020B0604020202020204" pitchFamily="34" charset="0"/>
-              <a:cs typeface="Arial" panose="020B0604020202020204" pitchFamily="34" charset="0"/>
-            </a:endParaRPr>
-          </a:p>
-          <a:p>
-            <a:pPr marL="800100" lvl="1" indent="-342900" algn="l">
-              <a:buFont typeface="Arial" panose="020B0604020202020204" pitchFamily="34" charset="0"/>
-              <a:buChar char="•"/>
-            </a:pPr>
-            <a:endParaRPr lang="hu-HU" dirty="0">
-              <a:latin typeface="Arial" panose="020B0604020202020204" pitchFamily="34" charset="0"/>
-              <a:cs typeface="Arial" panose="020B0604020202020204" pitchFamily="34" charset="0"/>
-            </a:endParaRPr>
-          </a:p>
         </p:txBody>
       </p:sp>
       <p:pic>
         <p:nvPicPr>
-          <p:cNvPr id="2" name="Kép 1"/>
+          <p:cNvPr id="6" name="Kép 5"/>
+          <p:cNvPicPr>
+            <a:picLocks noChangeAspect="1"/>
+          </p:cNvPicPr>
+          <p:nvPr/>
+        </p:nvPicPr>
+        <p:blipFill rotWithShape="1">
+          <a:blip r:embed="rId3">
+            <a:extLst>
+              <a:ext uri="{28A0092B-C50C-407E-A947-70E740481C1C}">
+                <a14:useLocalDpi xmlns:a14="http://schemas.microsoft.com/office/drawing/2010/main" val="0"/>
+              </a:ext>
+            </a:extLst>
+          </a:blip>
+          <a:srcRect l="4527" t="27697" r="7489" b="23195"/>
+          <a:stretch/>
+        </p:blipFill>
+        <p:spPr>
+          <a:xfrm>
+            <a:off x="5502165" y="3449829"/>
+            <a:ext cx="3384000" cy="1332000"/>
+          </a:xfrm>
+          <a:prstGeom prst="rect">
+            <a:avLst/>
+          </a:prstGeom>
+        </p:spPr>
+      </p:pic>
+      <p:pic>
+        <p:nvPicPr>
+          <p:cNvPr id="13" name="Kép 12"/>
           <p:cNvPicPr>
             <a:picLocks noChangeAspect="1"/>
           </p:cNvPicPr>
           <p:nvPr/>
         </p:nvPicPr>
         <p:blipFill>
-          <a:blip r:embed="rId3">
+          <a:blip r:embed="rId4">
             <a:extLst>
               <a:ext uri="{28A0092B-C50C-407E-A947-70E740481C1C}">
                 <a14:useLocalDpi xmlns:a14="http://schemas.microsoft.com/office/drawing/2010/main" val="0"/>
@@ -6102,38 +7579,8 @@
         </p:blipFill>
         <p:spPr>
           <a:xfrm>
-            <a:off x="6569746" y="3297364"/>
-            <a:ext cx="1945604" cy="1335359"/>
-          </a:xfrm>
-          <a:prstGeom prst="rect">
-            <a:avLst/>
-          </a:prstGeom>
-        </p:spPr>
-      </p:pic>
-      <p:pic>
-        <p:nvPicPr>
-          <p:cNvPr id="3" name="Kép 2"/>
-          <p:cNvPicPr>
-            <a:picLocks noChangeAspect="1"/>
-          </p:cNvPicPr>
-          <p:nvPr/>
-        </p:nvPicPr>
-        <p:blipFill>
-          <a:blip r:embed="rId4" cstate="print">
-            <a:extLst>
-              <a:ext uri="{28A0092B-C50C-407E-A947-70E740481C1C}">
-                <a14:useLocalDpi xmlns:a14="http://schemas.microsoft.com/office/drawing/2010/main" val="0"/>
-              </a:ext>
-            </a:extLst>
-          </a:blip>
-          <a:stretch>
-            <a:fillRect/>
-          </a:stretch>
-        </p:blipFill>
-        <p:spPr>
-          <a:xfrm>
-            <a:off x="6152329" y="1268017"/>
-            <a:ext cx="2507450" cy="1410441"/>
+            <a:off x="5872979" y="1268017"/>
+            <a:ext cx="2857500" cy="1590675"/>
           </a:xfrm>
           <a:prstGeom prst="rect">
             <a:avLst/>
@@ -6143,17 +7590,852 @@
     </p:spTree>
     <p:extLst>
       <p:ext uri="{BB962C8B-B14F-4D97-AF65-F5344CB8AC3E}">
-        <p14:creationId xmlns:p14="http://schemas.microsoft.com/office/powerpoint/2010/main" val="1969966917"/>
+        <p14:creationId xmlns:p14="http://schemas.microsoft.com/office/powerpoint/2010/main" val="4279856062"/>
       </p:ext>
     </p:extLst>
   </p:cSld>
   <p:clrMapOvr>
     <a:masterClrMapping/>
   </p:clrMapOvr>
+  <p:timing>
+    <p:tnLst>
+      <p:par>
+        <p:cTn id="1" dur="indefinite" restart="never" nodeType="tmRoot">
+          <p:childTnLst>
+            <p:seq concurrent="1" nextAc="seek">
+              <p:cTn id="2" dur="indefinite" nodeType="mainSeq">
+                <p:childTnLst>
+                  <p:par>
+                    <p:cTn id="3" fill="hold">
+                      <p:stCondLst>
+                        <p:cond delay="indefinite"/>
+                      </p:stCondLst>
+                      <p:childTnLst>
+                        <p:par>
+                          <p:cTn id="4" fill="hold">
+                            <p:stCondLst>
+                              <p:cond delay="0"/>
+                            </p:stCondLst>
+                            <p:childTnLst>
+                              <p:par>
+                                <p:cTn id="5" presetID="53" presetClass="entr" presetSubtype="16" fill="hold" nodeType="clickEffect">
+                                  <p:stCondLst>
+                                    <p:cond delay="0"/>
+                                  </p:stCondLst>
+                                  <p:childTnLst>
+                                    <p:set>
+                                      <p:cBhvr>
+                                        <p:cTn id="6" dur="1" fill="hold">
+                                          <p:stCondLst>
+                                            <p:cond delay="0"/>
+                                          </p:stCondLst>
+                                        </p:cTn>
+                                        <p:tgtEl>
+                                          <p:spTgt spid="9">
+                                            <p:txEl>
+                                              <p:pRg st="1" end="1"/>
+                                            </p:txEl>
+                                          </p:spTgt>
+                                        </p:tgtEl>
+                                        <p:attrNameLst>
+                                          <p:attrName>style.visibility</p:attrName>
+                                        </p:attrNameLst>
+                                      </p:cBhvr>
+                                      <p:to>
+                                        <p:strVal val="visible"/>
+                                      </p:to>
+                                    </p:set>
+                                    <p:anim calcmode="lin" valueType="num">
+                                      <p:cBhvr>
+                                        <p:cTn id="7" dur="500" fill="hold"/>
+                                        <p:tgtEl>
+                                          <p:spTgt spid="9">
+                                            <p:txEl>
+                                              <p:pRg st="1" end="1"/>
+                                            </p:txEl>
+                                          </p:spTgt>
+                                        </p:tgtEl>
+                                        <p:attrNameLst>
+                                          <p:attrName>ppt_w</p:attrName>
+                                        </p:attrNameLst>
+                                      </p:cBhvr>
+                                      <p:tavLst>
+                                        <p:tav tm="0">
+                                          <p:val>
+                                            <p:fltVal val="0"/>
+                                          </p:val>
+                                        </p:tav>
+                                        <p:tav tm="100000">
+                                          <p:val>
+                                            <p:strVal val="#ppt_w"/>
+                                          </p:val>
+                                        </p:tav>
+                                      </p:tavLst>
+                                    </p:anim>
+                                    <p:anim calcmode="lin" valueType="num">
+                                      <p:cBhvr>
+                                        <p:cTn id="8" dur="500" fill="hold"/>
+                                        <p:tgtEl>
+                                          <p:spTgt spid="9">
+                                            <p:txEl>
+                                              <p:pRg st="1" end="1"/>
+                                            </p:txEl>
+                                          </p:spTgt>
+                                        </p:tgtEl>
+                                        <p:attrNameLst>
+                                          <p:attrName>ppt_h</p:attrName>
+                                        </p:attrNameLst>
+                                      </p:cBhvr>
+                                      <p:tavLst>
+                                        <p:tav tm="0">
+                                          <p:val>
+                                            <p:fltVal val="0"/>
+                                          </p:val>
+                                        </p:tav>
+                                        <p:tav tm="100000">
+                                          <p:val>
+                                            <p:strVal val="#ppt_h"/>
+                                          </p:val>
+                                        </p:tav>
+                                      </p:tavLst>
+                                    </p:anim>
+                                    <p:animEffect transition="in" filter="fade">
+                                      <p:cBhvr>
+                                        <p:cTn id="9" dur="500"/>
+                                        <p:tgtEl>
+                                          <p:spTgt spid="9">
+                                            <p:txEl>
+                                              <p:pRg st="1" end="1"/>
+                                            </p:txEl>
+                                          </p:spTgt>
+                                        </p:tgtEl>
+                                      </p:cBhvr>
+                                    </p:animEffect>
+                                  </p:childTnLst>
+                                </p:cTn>
+                              </p:par>
+                            </p:childTnLst>
+                          </p:cTn>
+                        </p:par>
+                      </p:childTnLst>
+                    </p:cTn>
+                  </p:par>
+                  <p:par>
+                    <p:cTn id="10" fill="hold">
+                      <p:stCondLst>
+                        <p:cond delay="indefinite"/>
+                      </p:stCondLst>
+                      <p:childTnLst>
+                        <p:par>
+                          <p:cTn id="11" fill="hold">
+                            <p:stCondLst>
+                              <p:cond delay="0"/>
+                            </p:stCondLst>
+                            <p:childTnLst>
+                              <p:par>
+                                <p:cTn id="12" presetID="53" presetClass="entr" presetSubtype="16" fill="hold" nodeType="clickEffect">
+                                  <p:stCondLst>
+                                    <p:cond delay="0"/>
+                                  </p:stCondLst>
+                                  <p:childTnLst>
+                                    <p:set>
+                                      <p:cBhvr>
+                                        <p:cTn id="13" dur="1" fill="hold">
+                                          <p:stCondLst>
+                                            <p:cond delay="0"/>
+                                          </p:stCondLst>
+                                        </p:cTn>
+                                        <p:tgtEl>
+                                          <p:spTgt spid="9">
+                                            <p:txEl>
+                                              <p:pRg st="2" end="2"/>
+                                            </p:txEl>
+                                          </p:spTgt>
+                                        </p:tgtEl>
+                                        <p:attrNameLst>
+                                          <p:attrName>style.visibility</p:attrName>
+                                        </p:attrNameLst>
+                                      </p:cBhvr>
+                                      <p:to>
+                                        <p:strVal val="visible"/>
+                                      </p:to>
+                                    </p:set>
+                                    <p:anim calcmode="lin" valueType="num">
+                                      <p:cBhvr>
+                                        <p:cTn id="14" dur="500" fill="hold"/>
+                                        <p:tgtEl>
+                                          <p:spTgt spid="9">
+                                            <p:txEl>
+                                              <p:pRg st="2" end="2"/>
+                                            </p:txEl>
+                                          </p:spTgt>
+                                        </p:tgtEl>
+                                        <p:attrNameLst>
+                                          <p:attrName>ppt_w</p:attrName>
+                                        </p:attrNameLst>
+                                      </p:cBhvr>
+                                      <p:tavLst>
+                                        <p:tav tm="0">
+                                          <p:val>
+                                            <p:fltVal val="0"/>
+                                          </p:val>
+                                        </p:tav>
+                                        <p:tav tm="100000">
+                                          <p:val>
+                                            <p:strVal val="#ppt_w"/>
+                                          </p:val>
+                                        </p:tav>
+                                      </p:tavLst>
+                                    </p:anim>
+                                    <p:anim calcmode="lin" valueType="num">
+                                      <p:cBhvr>
+                                        <p:cTn id="15" dur="500" fill="hold"/>
+                                        <p:tgtEl>
+                                          <p:spTgt spid="9">
+                                            <p:txEl>
+                                              <p:pRg st="2" end="2"/>
+                                            </p:txEl>
+                                          </p:spTgt>
+                                        </p:tgtEl>
+                                        <p:attrNameLst>
+                                          <p:attrName>ppt_h</p:attrName>
+                                        </p:attrNameLst>
+                                      </p:cBhvr>
+                                      <p:tavLst>
+                                        <p:tav tm="0">
+                                          <p:val>
+                                            <p:fltVal val="0"/>
+                                          </p:val>
+                                        </p:tav>
+                                        <p:tav tm="100000">
+                                          <p:val>
+                                            <p:strVal val="#ppt_h"/>
+                                          </p:val>
+                                        </p:tav>
+                                      </p:tavLst>
+                                    </p:anim>
+                                    <p:animEffect transition="in" filter="fade">
+                                      <p:cBhvr>
+                                        <p:cTn id="16" dur="500"/>
+                                        <p:tgtEl>
+                                          <p:spTgt spid="9">
+                                            <p:txEl>
+                                              <p:pRg st="2" end="2"/>
+                                            </p:txEl>
+                                          </p:spTgt>
+                                        </p:tgtEl>
+                                      </p:cBhvr>
+                                    </p:animEffect>
+                                  </p:childTnLst>
+                                </p:cTn>
+                              </p:par>
+                            </p:childTnLst>
+                          </p:cTn>
+                        </p:par>
+                      </p:childTnLst>
+                    </p:cTn>
+                  </p:par>
+                  <p:par>
+                    <p:cTn id="17" fill="hold">
+                      <p:stCondLst>
+                        <p:cond delay="indefinite"/>
+                      </p:stCondLst>
+                      <p:childTnLst>
+                        <p:par>
+                          <p:cTn id="18" fill="hold">
+                            <p:stCondLst>
+                              <p:cond delay="0"/>
+                            </p:stCondLst>
+                            <p:childTnLst>
+                              <p:par>
+                                <p:cTn id="19" presetID="53" presetClass="entr" presetSubtype="16" fill="hold" nodeType="clickEffect">
+                                  <p:stCondLst>
+                                    <p:cond delay="0"/>
+                                  </p:stCondLst>
+                                  <p:childTnLst>
+                                    <p:set>
+                                      <p:cBhvr>
+                                        <p:cTn id="20" dur="1" fill="hold">
+                                          <p:stCondLst>
+                                            <p:cond delay="0"/>
+                                          </p:stCondLst>
+                                        </p:cTn>
+                                        <p:tgtEl>
+                                          <p:spTgt spid="9">
+                                            <p:txEl>
+                                              <p:pRg st="3" end="3"/>
+                                            </p:txEl>
+                                          </p:spTgt>
+                                        </p:tgtEl>
+                                        <p:attrNameLst>
+                                          <p:attrName>style.visibility</p:attrName>
+                                        </p:attrNameLst>
+                                      </p:cBhvr>
+                                      <p:to>
+                                        <p:strVal val="visible"/>
+                                      </p:to>
+                                    </p:set>
+                                    <p:anim calcmode="lin" valueType="num">
+                                      <p:cBhvr>
+                                        <p:cTn id="21" dur="500" fill="hold"/>
+                                        <p:tgtEl>
+                                          <p:spTgt spid="9">
+                                            <p:txEl>
+                                              <p:pRg st="3" end="3"/>
+                                            </p:txEl>
+                                          </p:spTgt>
+                                        </p:tgtEl>
+                                        <p:attrNameLst>
+                                          <p:attrName>ppt_w</p:attrName>
+                                        </p:attrNameLst>
+                                      </p:cBhvr>
+                                      <p:tavLst>
+                                        <p:tav tm="0">
+                                          <p:val>
+                                            <p:fltVal val="0"/>
+                                          </p:val>
+                                        </p:tav>
+                                        <p:tav tm="100000">
+                                          <p:val>
+                                            <p:strVal val="#ppt_w"/>
+                                          </p:val>
+                                        </p:tav>
+                                      </p:tavLst>
+                                    </p:anim>
+                                    <p:anim calcmode="lin" valueType="num">
+                                      <p:cBhvr>
+                                        <p:cTn id="22" dur="500" fill="hold"/>
+                                        <p:tgtEl>
+                                          <p:spTgt spid="9">
+                                            <p:txEl>
+                                              <p:pRg st="3" end="3"/>
+                                            </p:txEl>
+                                          </p:spTgt>
+                                        </p:tgtEl>
+                                        <p:attrNameLst>
+                                          <p:attrName>ppt_h</p:attrName>
+                                        </p:attrNameLst>
+                                      </p:cBhvr>
+                                      <p:tavLst>
+                                        <p:tav tm="0">
+                                          <p:val>
+                                            <p:fltVal val="0"/>
+                                          </p:val>
+                                        </p:tav>
+                                        <p:tav tm="100000">
+                                          <p:val>
+                                            <p:strVal val="#ppt_h"/>
+                                          </p:val>
+                                        </p:tav>
+                                      </p:tavLst>
+                                    </p:anim>
+                                    <p:animEffect transition="in" filter="fade">
+                                      <p:cBhvr>
+                                        <p:cTn id="23" dur="500"/>
+                                        <p:tgtEl>
+                                          <p:spTgt spid="9">
+                                            <p:txEl>
+                                              <p:pRg st="3" end="3"/>
+                                            </p:txEl>
+                                          </p:spTgt>
+                                        </p:tgtEl>
+                                      </p:cBhvr>
+                                    </p:animEffect>
+                                  </p:childTnLst>
+                                </p:cTn>
+                              </p:par>
+                            </p:childTnLst>
+                          </p:cTn>
+                        </p:par>
+                      </p:childTnLst>
+                    </p:cTn>
+                  </p:par>
+                  <p:par>
+                    <p:cTn id="24" fill="hold">
+                      <p:stCondLst>
+                        <p:cond delay="indefinite"/>
+                      </p:stCondLst>
+                      <p:childTnLst>
+                        <p:par>
+                          <p:cTn id="25" fill="hold">
+                            <p:stCondLst>
+                              <p:cond delay="0"/>
+                            </p:stCondLst>
+                            <p:childTnLst>
+                              <p:par>
+                                <p:cTn id="26" presetID="53" presetClass="entr" presetSubtype="16" fill="hold" nodeType="clickEffect">
+                                  <p:stCondLst>
+                                    <p:cond delay="0"/>
+                                  </p:stCondLst>
+                                  <p:childTnLst>
+                                    <p:set>
+                                      <p:cBhvr>
+                                        <p:cTn id="27" dur="1" fill="hold">
+                                          <p:stCondLst>
+                                            <p:cond delay="0"/>
+                                          </p:stCondLst>
+                                        </p:cTn>
+                                        <p:tgtEl>
+                                          <p:spTgt spid="9">
+                                            <p:txEl>
+                                              <p:pRg st="4" end="4"/>
+                                            </p:txEl>
+                                          </p:spTgt>
+                                        </p:tgtEl>
+                                        <p:attrNameLst>
+                                          <p:attrName>style.visibility</p:attrName>
+                                        </p:attrNameLst>
+                                      </p:cBhvr>
+                                      <p:to>
+                                        <p:strVal val="visible"/>
+                                      </p:to>
+                                    </p:set>
+                                    <p:anim calcmode="lin" valueType="num">
+                                      <p:cBhvr>
+                                        <p:cTn id="28" dur="500" fill="hold"/>
+                                        <p:tgtEl>
+                                          <p:spTgt spid="9">
+                                            <p:txEl>
+                                              <p:pRg st="4" end="4"/>
+                                            </p:txEl>
+                                          </p:spTgt>
+                                        </p:tgtEl>
+                                        <p:attrNameLst>
+                                          <p:attrName>ppt_w</p:attrName>
+                                        </p:attrNameLst>
+                                      </p:cBhvr>
+                                      <p:tavLst>
+                                        <p:tav tm="0">
+                                          <p:val>
+                                            <p:fltVal val="0"/>
+                                          </p:val>
+                                        </p:tav>
+                                        <p:tav tm="100000">
+                                          <p:val>
+                                            <p:strVal val="#ppt_w"/>
+                                          </p:val>
+                                        </p:tav>
+                                      </p:tavLst>
+                                    </p:anim>
+                                    <p:anim calcmode="lin" valueType="num">
+                                      <p:cBhvr>
+                                        <p:cTn id="29" dur="500" fill="hold"/>
+                                        <p:tgtEl>
+                                          <p:spTgt spid="9">
+                                            <p:txEl>
+                                              <p:pRg st="4" end="4"/>
+                                            </p:txEl>
+                                          </p:spTgt>
+                                        </p:tgtEl>
+                                        <p:attrNameLst>
+                                          <p:attrName>ppt_h</p:attrName>
+                                        </p:attrNameLst>
+                                      </p:cBhvr>
+                                      <p:tavLst>
+                                        <p:tav tm="0">
+                                          <p:val>
+                                            <p:fltVal val="0"/>
+                                          </p:val>
+                                        </p:tav>
+                                        <p:tav tm="100000">
+                                          <p:val>
+                                            <p:strVal val="#ppt_h"/>
+                                          </p:val>
+                                        </p:tav>
+                                      </p:tavLst>
+                                    </p:anim>
+                                    <p:animEffect transition="in" filter="fade">
+                                      <p:cBhvr>
+                                        <p:cTn id="30" dur="500"/>
+                                        <p:tgtEl>
+                                          <p:spTgt spid="9">
+                                            <p:txEl>
+                                              <p:pRg st="4" end="4"/>
+                                            </p:txEl>
+                                          </p:spTgt>
+                                        </p:tgtEl>
+                                      </p:cBhvr>
+                                    </p:animEffect>
+                                  </p:childTnLst>
+                                </p:cTn>
+                              </p:par>
+                            </p:childTnLst>
+                          </p:cTn>
+                        </p:par>
+                      </p:childTnLst>
+                    </p:cTn>
+                  </p:par>
+                  <p:par>
+                    <p:cTn id="31" fill="hold">
+                      <p:stCondLst>
+                        <p:cond delay="indefinite"/>
+                      </p:stCondLst>
+                      <p:childTnLst>
+                        <p:par>
+                          <p:cTn id="32" fill="hold">
+                            <p:stCondLst>
+                              <p:cond delay="0"/>
+                            </p:stCondLst>
+                            <p:childTnLst>
+                              <p:par>
+                                <p:cTn id="33" presetID="53" presetClass="entr" presetSubtype="16" fill="hold" nodeType="clickEffect">
+                                  <p:stCondLst>
+                                    <p:cond delay="0"/>
+                                  </p:stCondLst>
+                                  <p:childTnLst>
+                                    <p:set>
+                                      <p:cBhvr>
+                                        <p:cTn id="34" dur="1" fill="hold">
+                                          <p:stCondLst>
+                                            <p:cond delay="0"/>
+                                          </p:stCondLst>
+                                        </p:cTn>
+                                        <p:tgtEl>
+                                          <p:spTgt spid="9">
+                                            <p:txEl>
+                                              <p:pRg st="5" end="5"/>
+                                            </p:txEl>
+                                          </p:spTgt>
+                                        </p:tgtEl>
+                                        <p:attrNameLst>
+                                          <p:attrName>style.visibility</p:attrName>
+                                        </p:attrNameLst>
+                                      </p:cBhvr>
+                                      <p:to>
+                                        <p:strVal val="visible"/>
+                                      </p:to>
+                                    </p:set>
+                                    <p:anim calcmode="lin" valueType="num">
+                                      <p:cBhvr>
+                                        <p:cTn id="35" dur="500" fill="hold"/>
+                                        <p:tgtEl>
+                                          <p:spTgt spid="9">
+                                            <p:txEl>
+                                              <p:pRg st="5" end="5"/>
+                                            </p:txEl>
+                                          </p:spTgt>
+                                        </p:tgtEl>
+                                        <p:attrNameLst>
+                                          <p:attrName>ppt_w</p:attrName>
+                                        </p:attrNameLst>
+                                      </p:cBhvr>
+                                      <p:tavLst>
+                                        <p:tav tm="0">
+                                          <p:val>
+                                            <p:fltVal val="0"/>
+                                          </p:val>
+                                        </p:tav>
+                                        <p:tav tm="100000">
+                                          <p:val>
+                                            <p:strVal val="#ppt_w"/>
+                                          </p:val>
+                                        </p:tav>
+                                      </p:tavLst>
+                                    </p:anim>
+                                    <p:anim calcmode="lin" valueType="num">
+                                      <p:cBhvr>
+                                        <p:cTn id="36" dur="500" fill="hold"/>
+                                        <p:tgtEl>
+                                          <p:spTgt spid="9">
+                                            <p:txEl>
+                                              <p:pRg st="5" end="5"/>
+                                            </p:txEl>
+                                          </p:spTgt>
+                                        </p:tgtEl>
+                                        <p:attrNameLst>
+                                          <p:attrName>ppt_h</p:attrName>
+                                        </p:attrNameLst>
+                                      </p:cBhvr>
+                                      <p:tavLst>
+                                        <p:tav tm="0">
+                                          <p:val>
+                                            <p:fltVal val="0"/>
+                                          </p:val>
+                                        </p:tav>
+                                        <p:tav tm="100000">
+                                          <p:val>
+                                            <p:strVal val="#ppt_h"/>
+                                          </p:val>
+                                        </p:tav>
+                                      </p:tavLst>
+                                    </p:anim>
+                                    <p:animEffect transition="in" filter="fade">
+                                      <p:cBhvr>
+                                        <p:cTn id="37" dur="500"/>
+                                        <p:tgtEl>
+                                          <p:spTgt spid="9">
+                                            <p:txEl>
+                                              <p:pRg st="5" end="5"/>
+                                            </p:txEl>
+                                          </p:spTgt>
+                                        </p:tgtEl>
+                                      </p:cBhvr>
+                                    </p:animEffect>
+                                  </p:childTnLst>
+                                </p:cTn>
+                              </p:par>
+                            </p:childTnLst>
+                          </p:cTn>
+                        </p:par>
+                      </p:childTnLst>
+                    </p:cTn>
+                  </p:par>
+                  <p:par>
+                    <p:cTn id="38" fill="hold">
+                      <p:stCondLst>
+                        <p:cond delay="indefinite"/>
+                      </p:stCondLst>
+                      <p:childTnLst>
+                        <p:par>
+                          <p:cTn id="39" fill="hold">
+                            <p:stCondLst>
+                              <p:cond delay="0"/>
+                            </p:stCondLst>
+                            <p:childTnLst>
+                              <p:par>
+                                <p:cTn id="40" presetID="53" presetClass="entr" presetSubtype="16" fill="hold" nodeType="clickEffect">
+                                  <p:stCondLst>
+                                    <p:cond delay="0"/>
+                                  </p:stCondLst>
+                                  <p:childTnLst>
+                                    <p:set>
+                                      <p:cBhvr>
+                                        <p:cTn id="41" dur="1" fill="hold">
+                                          <p:stCondLst>
+                                            <p:cond delay="0"/>
+                                          </p:stCondLst>
+                                        </p:cTn>
+                                        <p:tgtEl>
+                                          <p:spTgt spid="9">
+                                            <p:txEl>
+                                              <p:pRg st="6" end="6"/>
+                                            </p:txEl>
+                                          </p:spTgt>
+                                        </p:tgtEl>
+                                        <p:attrNameLst>
+                                          <p:attrName>style.visibility</p:attrName>
+                                        </p:attrNameLst>
+                                      </p:cBhvr>
+                                      <p:to>
+                                        <p:strVal val="visible"/>
+                                      </p:to>
+                                    </p:set>
+                                    <p:anim calcmode="lin" valueType="num">
+                                      <p:cBhvr>
+                                        <p:cTn id="42" dur="500" fill="hold"/>
+                                        <p:tgtEl>
+                                          <p:spTgt spid="9">
+                                            <p:txEl>
+                                              <p:pRg st="6" end="6"/>
+                                            </p:txEl>
+                                          </p:spTgt>
+                                        </p:tgtEl>
+                                        <p:attrNameLst>
+                                          <p:attrName>ppt_w</p:attrName>
+                                        </p:attrNameLst>
+                                      </p:cBhvr>
+                                      <p:tavLst>
+                                        <p:tav tm="0">
+                                          <p:val>
+                                            <p:fltVal val="0"/>
+                                          </p:val>
+                                        </p:tav>
+                                        <p:tav tm="100000">
+                                          <p:val>
+                                            <p:strVal val="#ppt_w"/>
+                                          </p:val>
+                                        </p:tav>
+                                      </p:tavLst>
+                                    </p:anim>
+                                    <p:anim calcmode="lin" valueType="num">
+                                      <p:cBhvr>
+                                        <p:cTn id="43" dur="500" fill="hold"/>
+                                        <p:tgtEl>
+                                          <p:spTgt spid="9">
+                                            <p:txEl>
+                                              <p:pRg st="6" end="6"/>
+                                            </p:txEl>
+                                          </p:spTgt>
+                                        </p:tgtEl>
+                                        <p:attrNameLst>
+                                          <p:attrName>ppt_h</p:attrName>
+                                        </p:attrNameLst>
+                                      </p:cBhvr>
+                                      <p:tavLst>
+                                        <p:tav tm="0">
+                                          <p:val>
+                                            <p:fltVal val="0"/>
+                                          </p:val>
+                                        </p:tav>
+                                        <p:tav tm="100000">
+                                          <p:val>
+                                            <p:strVal val="#ppt_h"/>
+                                          </p:val>
+                                        </p:tav>
+                                      </p:tavLst>
+                                    </p:anim>
+                                    <p:animEffect transition="in" filter="fade">
+                                      <p:cBhvr>
+                                        <p:cTn id="44" dur="500"/>
+                                        <p:tgtEl>
+                                          <p:spTgt spid="9">
+                                            <p:txEl>
+                                              <p:pRg st="6" end="6"/>
+                                            </p:txEl>
+                                          </p:spTgt>
+                                        </p:tgtEl>
+                                      </p:cBhvr>
+                                    </p:animEffect>
+                                  </p:childTnLst>
+                                </p:cTn>
+                              </p:par>
+                            </p:childTnLst>
+                          </p:cTn>
+                        </p:par>
+                      </p:childTnLst>
+                    </p:cTn>
+                  </p:par>
+                  <p:par>
+                    <p:cTn id="45" fill="hold">
+                      <p:stCondLst>
+                        <p:cond delay="indefinite"/>
+                      </p:stCondLst>
+                      <p:childTnLst>
+                        <p:par>
+                          <p:cTn id="46" fill="hold">
+                            <p:stCondLst>
+                              <p:cond delay="0"/>
+                            </p:stCondLst>
+                            <p:childTnLst>
+                              <p:par>
+                                <p:cTn id="47" presetID="53" presetClass="entr" presetSubtype="16" fill="hold" nodeType="clickEffect">
+                                  <p:stCondLst>
+                                    <p:cond delay="0"/>
+                                  </p:stCondLst>
+                                  <p:childTnLst>
+                                    <p:set>
+                                      <p:cBhvr>
+                                        <p:cTn id="48" dur="1" fill="hold">
+                                          <p:stCondLst>
+                                            <p:cond delay="0"/>
+                                          </p:stCondLst>
+                                        </p:cTn>
+                                        <p:tgtEl>
+                                          <p:spTgt spid="9">
+                                            <p:txEl>
+                                              <p:pRg st="7" end="7"/>
+                                            </p:txEl>
+                                          </p:spTgt>
+                                        </p:tgtEl>
+                                        <p:attrNameLst>
+                                          <p:attrName>style.visibility</p:attrName>
+                                        </p:attrNameLst>
+                                      </p:cBhvr>
+                                      <p:to>
+                                        <p:strVal val="visible"/>
+                                      </p:to>
+                                    </p:set>
+                                    <p:anim calcmode="lin" valueType="num">
+                                      <p:cBhvr>
+                                        <p:cTn id="49" dur="500" fill="hold"/>
+                                        <p:tgtEl>
+                                          <p:spTgt spid="9">
+                                            <p:txEl>
+                                              <p:pRg st="7" end="7"/>
+                                            </p:txEl>
+                                          </p:spTgt>
+                                        </p:tgtEl>
+                                        <p:attrNameLst>
+                                          <p:attrName>ppt_w</p:attrName>
+                                        </p:attrNameLst>
+                                      </p:cBhvr>
+                                      <p:tavLst>
+                                        <p:tav tm="0">
+                                          <p:val>
+                                            <p:fltVal val="0"/>
+                                          </p:val>
+                                        </p:tav>
+                                        <p:tav tm="100000">
+                                          <p:val>
+                                            <p:strVal val="#ppt_w"/>
+                                          </p:val>
+                                        </p:tav>
+                                      </p:tavLst>
+                                    </p:anim>
+                                    <p:anim calcmode="lin" valueType="num">
+                                      <p:cBhvr>
+                                        <p:cTn id="50" dur="500" fill="hold"/>
+                                        <p:tgtEl>
+                                          <p:spTgt spid="9">
+                                            <p:txEl>
+                                              <p:pRg st="7" end="7"/>
+                                            </p:txEl>
+                                          </p:spTgt>
+                                        </p:tgtEl>
+                                        <p:attrNameLst>
+                                          <p:attrName>ppt_h</p:attrName>
+                                        </p:attrNameLst>
+                                      </p:cBhvr>
+                                      <p:tavLst>
+                                        <p:tav tm="0">
+                                          <p:val>
+                                            <p:fltVal val="0"/>
+                                          </p:val>
+                                        </p:tav>
+                                        <p:tav tm="100000">
+                                          <p:val>
+                                            <p:strVal val="#ppt_h"/>
+                                          </p:val>
+                                        </p:tav>
+                                      </p:tavLst>
+                                    </p:anim>
+                                    <p:animEffect transition="in" filter="fade">
+                                      <p:cBhvr>
+                                        <p:cTn id="51" dur="500"/>
+                                        <p:tgtEl>
+                                          <p:spTgt spid="9">
+                                            <p:txEl>
+                                              <p:pRg st="7" end="7"/>
+                                            </p:txEl>
+                                          </p:spTgt>
+                                        </p:tgtEl>
+                                      </p:cBhvr>
+                                    </p:animEffect>
+                                  </p:childTnLst>
+                                </p:cTn>
+                              </p:par>
+                            </p:childTnLst>
+                          </p:cTn>
+                        </p:par>
+                      </p:childTnLst>
+                    </p:cTn>
+                  </p:par>
+                </p:childTnLst>
+              </p:cTn>
+              <p:prevCondLst>
+                <p:cond evt="onPrev" delay="0">
+                  <p:tgtEl>
+                    <p:sldTgt/>
+                  </p:tgtEl>
+                </p:cond>
+              </p:prevCondLst>
+              <p:nextCondLst>
+                <p:cond evt="onNext" delay="0">
+                  <p:tgtEl>
+                    <p:sldTgt/>
+                  </p:tgtEl>
+                </p:cond>
+              </p:nextCondLst>
+            </p:seq>
+          </p:childTnLst>
+        </p:cTn>
+      </p:par>
+    </p:tnLst>
+  </p:timing>
 </p:sld>
 </file>
 
-<file path=ppt/slides/slide6.xml><?xml version="1.0" encoding="utf-8"?>
+<file path=ppt/slides/slide5.xml><?xml version="1.0" encoding="utf-8"?>
 <p:sld xmlns:a="http://schemas.openxmlformats.org/drawingml/2006/main" xmlns:r="http://schemas.openxmlformats.org/officeDocument/2006/relationships" xmlns:p="http://schemas.openxmlformats.org/presentationml/2006/main">
   <p:cSld>
     <p:spTree>
@@ -6600,30 +8882,60 @@
                 <a:latin typeface="Arial" panose="020B0604020202020204" pitchFamily="34" charset="0"/>
                 <a:cs typeface="Arial" panose="020B0604020202020204" pitchFamily="34" charset="0"/>
               </a:rPr>
-              <a:t>Chat </a:t>
+              <a:t>JavaScript Web </a:t>
             </a:r>
             <a:r>
               <a:rPr lang="hu-HU" b="1" dirty="0" err="1">
                 <a:latin typeface="Arial" panose="020B0604020202020204" pitchFamily="34" charset="0"/>
                 <a:cs typeface="Arial" panose="020B0604020202020204" pitchFamily="34" charset="0"/>
               </a:rPr>
-              <a:t>Popup</a:t>
-            </a:r>
-            <a:r>
-              <a:rPr lang="hu-HU" b="1" dirty="0">
+              <a:t>Plugin</a:t>
+            </a:r>
+            <a:endParaRPr lang="hu-HU" b="1" dirty="0">
+              <a:latin typeface="Arial" panose="020B0604020202020204" pitchFamily="34" charset="0"/>
+              <a:cs typeface="Arial" panose="020B0604020202020204" pitchFamily="34" charset="0"/>
+            </a:endParaRPr>
+          </a:p>
+          <a:p>
+            <a:pPr marL="342900" indent="-342900" algn="l">
+              <a:buFont typeface="Arial" panose="020B0604020202020204" pitchFamily="34" charset="0"/>
+              <a:buChar char="•"/>
+            </a:pPr>
+            <a:r>
+              <a:rPr lang="hu-HU" sz="2000" dirty="0">
+                <a:latin typeface="Arial" panose="020B0604020202020204" pitchFamily="34" charset="0"/>
+                <a:cs typeface="Arial" panose="020B0604020202020204" pitchFamily="34" charset="0"/>
+              </a:rPr>
+              <a:t>Frontend feladat</a:t>
+            </a:r>
+          </a:p>
+          <a:p>
+            <a:pPr marL="342900" indent="-342900" algn="l">
+              <a:buFont typeface="Arial" panose="020B0604020202020204" pitchFamily="34" charset="0"/>
+              <a:buChar char="•"/>
+            </a:pPr>
+            <a:r>
+              <a:rPr lang="hu-HU" sz="2000" dirty="0" err="1">
+                <a:latin typeface="Arial" panose="020B0604020202020204" pitchFamily="34" charset="0"/>
+                <a:cs typeface="Arial" panose="020B0604020202020204" pitchFamily="34" charset="0"/>
+              </a:rPr>
+              <a:t>Activity</a:t>
+            </a:r>
+            <a:r>
+              <a:rPr lang="hu-HU" sz="2000" dirty="0">
                 <a:latin typeface="Arial" panose="020B0604020202020204" pitchFamily="34" charset="0"/>
                 <a:cs typeface="Arial" panose="020B0604020202020204" pitchFamily="34" charset="0"/>
               </a:rPr>
               <a:t> </a:t>
             </a:r>
             <a:r>
-              <a:rPr lang="hu-HU" b="1" dirty="0" err="1">
+              <a:rPr lang="hu-HU" sz="2000" dirty="0" err="1">
                 <a:latin typeface="Arial" panose="020B0604020202020204" pitchFamily="34" charset="0"/>
                 <a:cs typeface="Arial" panose="020B0604020202020204" pitchFamily="34" charset="0"/>
               </a:rPr>
-              <a:t>Notification</a:t>
-            </a:r>
-            <a:endParaRPr lang="hu-HU" b="1" dirty="0">
+              <a:t>tracking</a:t>
+            </a:r>
+            <a:endParaRPr lang="hu-HU" sz="2000" dirty="0">
               <a:latin typeface="Arial" panose="020B0604020202020204" pitchFamily="34" charset="0"/>
               <a:cs typeface="Arial" panose="020B0604020202020204" pitchFamily="34" charset="0"/>
             </a:endParaRPr>
@@ -6634,31 +8946,11 @@
               <a:buChar char="•"/>
             </a:pPr>
             <a:r>
-              <a:rPr lang="hu-HU" sz="2000" dirty="0" err="1">
-                <a:latin typeface="Arial" panose="020B0604020202020204" pitchFamily="34" charset="0"/>
-                <a:cs typeface="Arial" panose="020B0604020202020204" pitchFamily="34" charset="0"/>
-              </a:rPr>
-              <a:t>Realtime</a:t>
-            </a:r>
-            <a:r>
               <a:rPr lang="hu-HU" sz="2000" dirty="0">
                 <a:latin typeface="Arial" panose="020B0604020202020204" pitchFamily="34" charset="0"/>
                 <a:cs typeface="Arial" panose="020B0604020202020204" pitchFamily="34" charset="0"/>
               </a:rPr>
-              <a:t> információ az ügyintéző számára</a:t>
-            </a:r>
-          </a:p>
-          <a:p>
-            <a:pPr marL="342900" indent="-342900" algn="l">
-              <a:buFont typeface="Arial" panose="020B0604020202020204" pitchFamily="34" charset="0"/>
-              <a:buChar char="•"/>
-            </a:pPr>
-            <a:r>
-              <a:rPr lang="hu-HU" sz="2000" dirty="0">
-                <a:latin typeface="Arial" panose="020B0604020202020204" pitchFamily="34" charset="0"/>
-                <a:cs typeface="Arial" panose="020B0604020202020204" pitchFamily="34" charset="0"/>
-              </a:rPr>
-              <a:t>Komplex, backend – frontend feladat</a:t>
+              <a:t>A kliens és az ügyintéző közötti kapcsolat kezdete</a:t>
             </a:r>
           </a:p>
           <a:p>
@@ -6680,18 +8972,11 @@
               <a:buChar char="•"/>
             </a:pPr>
             <a:r>
-              <a:rPr lang="hu-HU" sz="1600" dirty="0" err="1">
+              <a:rPr lang="hu-HU" sz="1800" dirty="0">
                 <a:latin typeface="Arial" panose="020B0604020202020204" pitchFamily="34" charset="0"/>
                 <a:cs typeface="Arial" panose="020B0604020202020204" pitchFamily="34" charset="0"/>
               </a:rPr>
-              <a:t>Conversation</a:t>
-            </a:r>
-            <a:r>
-              <a:rPr lang="hu-HU" sz="1600" dirty="0">
-                <a:latin typeface="Arial" panose="020B0604020202020204" pitchFamily="34" charset="0"/>
-                <a:cs typeface="Arial" panose="020B0604020202020204" pitchFamily="34" charset="0"/>
-              </a:rPr>
-              <a:t> Status bevezetése</a:t>
+              <a:t>Kommunikációs séma kialakítás</a:t>
             </a:r>
           </a:p>
           <a:p>
@@ -6700,25 +8985,11 @@
               <a:buChar char="•"/>
             </a:pPr>
             <a:r>
-              <a:rPr lang="hu-HU" sz="1600" dirty="0">
+              <a:rPr lang="hu-HU" sz="1800" dirty="0">
                 <a:latin typeface="Arial" panose="020B0604020202020204" pitchFamily="34" charset="0"/>
                 <a:cs typeface="Arial" panose="020B0604020202020204" pitchFamily="34" charset="0"/>
               </a:rPr>
-              <a:t>A project minden </a:t>
-            </a:r>
-            <a:r>
-              <a:rPr lang="hu-HU" sz="1600" dirty="0" err="1">
-                <a:latin typeface="Arial" panose="020B0604020202020204" pitchFamily="34" charset="0"/>
-                <a:cs typeface="Arial" panose="020B0604020202020204" pitchFamily="34" charset="0"/>
-              </a:rPr>
-              <a:t>mudulját</a:t>
-            </a:r>
-            <a:r>
-              <a:rPr lang="hu-HU" sz="1600" dirty="0">
-                <a:latin typeface="Arial" panose="020B0604020202020204" pitchFamily="34" charset="0"/>
-                <a:cs typeface="Arial" panose="020B0604020202020204" pitchFamily="34" charset="0"/>
-              </a:rPr>
-              <a:t> érintő munka</a:t>
+              <a:t>Session Storage használat</a:t>
             </a:r>
           </a:p>
           <a:p>
@@ -6727,36 +8998,1503 @@
               <a:buChar char="•"/>
             </a:pPr>
             <a:r>
-              <a:rPr lang="hu-HU" sz="1600" dirty="0">
+              <a:rPr lang="hu-HU" sz="1800" dirty="0">
                 <a:latin typeface="Arial" panose="020B0604020202020204" pitchFamily="34" charset="0"/>
                 <a:cs typeface="Arial" panose="020B0604020202020204" pitchFamily="34" charset="0"/>
               </a:rPr>
-              <a:t>JPQL </a:t>
-            </a:r>
-            <a:r>
-              <a:rPr lang="hu-HU" sz="1600" dirty="0" err="1">
+              <a:t>UUID – </a:t>
+            </a:r>
+            <a:r>
+              <a:rPr lang="hu-HU" sz="1800" dirty="0" err="1">
                 <a:latin typeface="Arial" panose="020B0604020202020204" pitchFamily="34" charset="0"/>
                 <a:cs typeface="Arial" panose="020B0604020202020204" pitchFamily="34" charset="0"/>
               </a:rPr>
-              <a:t>Query</a:t>
-            </a:r>
-            <a:endParaRPr lang="hu-HU" sz="1600" dirty="0">
-              <a:latin typeface="Arial" panose="020B0604020202020204" pitchFamily="34" charset="0"/>
-              <a:cs typeface="Arial" panose="020B0604020202020204" pitchFamily="34" charset="0"/>
-            </a:endParaRPr>
+              <a:t>Unique</a:t>
+            </a:r>
+            <a:r>
+              <a:rPr lang="hu-HU" sz="1800" dirty="0">
+                <a:latin typeface="Arial" panose="020B0604020202020204" pitchFamily="34" charset="0"/>
+                <a:cs typeface="Arial" panose="020B0604020202020204" pitchFamily="34" charset="0"/>
+              </a:rPr>
+              <a:t> </a:t>
+            </a:r>
+            <a:r>
+              <a:rPr lang="hu-HU" sz="1800" dirty="0" err="1">
+                <a:latin typeface="Arial" panose="020B0604020202020204" pitchFamily="34" charset="0"/>
+                <a:cs typeface="Arial" panose="020B0604020202020204" pitchFamily="34" charset="0"/>
+              </a:rPr>
+              <a:t>User</a:t>
+            </a:r>
+            <a:r>
+              <a:rPr lang="hu-HU" sz="1800" dirty="0">
+                <a:latin typeface="Arial" panose="020B0604020202020204" pitchFamily="34" charset="0"/>
+                <a:cs typeface="Arial" panose="020B0604020202020204" pitchFamily="34" charset="0"/>
+              </a:rPr>
+              <a:t> </a:t>
+            </a:r>
+            <a:r>
+              <a:rPr lang="hu-HU" sz="1800" dirty="0" err="1">
+                <a:latin typeface="Arial" panose="020B0604020202020204" pitchFamily="34" charset="0"/>
+                <a:cs typeface="Arial" panose="020B0604020202020204" pitchFamily="34" charset="0"/>
+              </a:rPr>
+              <a:t>Identifier</a:t>
+            </a:r>
+            <a:r>
+              <a:rPr lang="hu-HU" sz="1800" dirty="0">
+                <a:latin typeface="Arial" panose="020B0604020202020204" pitchFamily="34" charset="0"/>
+                <a:cs typeface="Arial" panose="020B0604020202020204" pitchFamily="34" charset="0"/>
+              </a:rPr>
+              <a:t> - generálás</a:t>
+            </a:r>
           </a:p>
           <a:p>
             <a:pPr marL="800100" lvl="1" indent="-342900" algn="l">
               <a:buFont typeface="Arial" panose="020B0604020202020204" pitchFamily="34" charset="0"/>
               <a:buChar char="•"/>
             </a:pPr>
-            <a:r>
-              <a:rPr lang="hu-HU" sz="1600" dirty="0">
+            <a:endParaRPr lang="hu-HU" dirty="0">
+              <a:latin typeface="Arial" panose="020B0604020202020204" pitchFamily="34" charset="0"/>
+              <a:cs typeface="Arial" panose="020B0604020202020204" pitchFamily="34" charset="0"/>
+            </a:endParaRPr>
+          </a:p>
+          <a:p>
+            <a:pPr marL="800100" lvl="1" indent="-342900" algn="l">
+              <a:buFont typeface="Arial" panose="020B0604020202020204" pitchFamily="34" charset="0"/>
+              <a:buChar char="•"/>
+            </a:pPr>
+            <a:endParaRPr lang="hu-HU" dirty="0">
+              <a:latin typeface="Arial" panose="020B0604020202020204" pitchFamily="34" charset="0"/>
+              <a:cs typeface="Arial" panose="020B0604020202020204" pitchFamily="34" charset="0"/>
+            </a:endParaRPr>
+          </a:p>
+          <a:p>
+            <a:pPr marL="800100" lvl="1" indent="-342900" algn="l">
+              <a:buFont typeface="Arial" panose="020B0604020202020204" pitchFamily="34" charset="0"/>
+              <a:buChar char="•"/>
+            </a:pPr>
+            <a:endParaRPr lang="hu-HU" dirty="0">
+              <a:latin typeface="Arial" panose="020B0604020202020204" pitchFamily="34" charset="0"/>
+              <a:cs typeface="Arial" panose="020B0604020202020204" pitchFamily="34" charset="0"/>
+            </a:endParaRPr>
+          </a:p>
+          <a:p>
+            <a:pPr marL="342900" indent="-342900" algn="l">
+              <a:buFont typeface="Arial" panose="020B0604020202020204" pitchFamily="34" charset="0"/>
+              <a:buChar char="•"/>
+            </a:pPr>
+            <a:endParaRPr lang="hu-HU" dirty="0">
+              <a:latin typeface="Arial" panose="020B0604020202020204" pitchFamily="34" charset="0"/>
+              <a:cs typeface="Arial" panose="020B0604020202020204" pitchFamily="34" charset="0"/>
+            </a:endParaRPr>
+          </a:p>
+          <a:p>
+            <a:pPr marL="800100" lvl="1" indent="-342900" algn="l">
+              <a:buFont typeface="Arial" panose="020B0604020202020204" pitchFamily="34" charset="0"/>
+              <a:buChar char="•"/>
+            </a:pPr>
+            <a:endParaRPr lang="hu-HU" dirty="0">
+              <a:latin typeface="Arial" panose="020B0604020202020204" pitchFamily="34" charset="0"/>
+              <a:cs typeface="Arial" panose="020B0604020202020204" pitchFamily="34" charset="0"/>
+            </a:endParaRPr>
+          </a:p>
+        </p:txBody>
+      </p:sp>
+      <p:pic>
+        <p:nvPicPr>
+          <p:cNvPr id="2" name="Kép 1"/>
+          <p:cNvPicPr>
+            <a:picLocks noChangeAspect="1"/>
+          </p:cNvPicPr>
+          <p:nvPr/>
+        </p:nvPicPr>
+        <p:blipFill>
+          <a:blip r:embed="rId3">
+            <a:extLst>
+              <a:ext uri="{28A0092B-C50C-407E-A947-70E740481C1C}">
+                <a14:useLocalDpi xmlns:a14="http://schemas.microsoft.com/office/drawing/2010/main" val="0"/>
+              </a:ext>
+            </a:extLst>
+          </a:blip>
+          <a:stretch>
+            <a:fillRect/>
+          </a:stretch>
+        </p:blipFill>
+        <p:spPr>
+          <a:xfrm>
+            <a:off x="6569746" y="3297364"/>
+            <a:ext cx="1945604" cy="1335359"/>
+          </a:xfrm>
+          <a:prstGeom prst="rect">
+            <a:avLst/>
+          </a:prstGeom>
+        </p:spPr>
+      </p:pic>
+      <p:pic>
+        <p:nvPicPr>
+          <p:cNvPr id="3" name="Kép 2"/>
+          <p:cNvPicPr>
+            <a:picLocks noChangeAspect="1"/>
+          </p:cNvPicPr>
+          <p:nvPr/>
+        </p:nvPicPr>
+        <p:blipFill>
+          <a:blip r:embed="rId4" cstate="print">
+            <a:extLst>
+              <a:ext uri="{28A0092B-C50C-407E-A947-70E740481C1C}">
+                <a14:useLocalDpi xmlns:a14="http://schemas.microsoft.com/office/drawing/2010/main" val="0"/>
+              </a:ext>
+            </a:extLst>
+          </a:blip>
+          <a:stretch>
+            <a:fillRect/>
+          </a:stretch>
+        </p:blipFill>
+        <p:spPr>
+          <a:xfrm>
+            <a:off x="6152329" y="1268017"/>
+            <a:ext cx="2507450" cy="1410441"/>
+          </a:xfrm>
+          <a:prstGeom prst="rect">
+            <a:avLst/>
+          </a:prstGeom>
+        </p:spPr>
+      </p:pic>
+    </p:spTree>
+    <p:extLst>
+      <p:ext uri="{BB962C8B-B14F-4D97-AF65-F5344CB8AC3E}">
+        <p14:creationId xmlns:p14="http://schemas.microsoft.com/office/powerpoint/2010/main" val="1969966917"/>
+      </p:ext>
+    </p:extLst>
+  </p:cSld>
+  <p:clrMapOvr>
+    <a:masterClrMapping/>
+  </p:clrMapOvr>
+  <p:timing>
+    <p:tnLst>
+      <p:par>
+        <p:cTn id="1" dur="indefinite" restart="never" nodeType="tmRoot">
+          <p:childTnLst>
+            <p:seq concurrent="1" nextAc="seek">
+              <p:cTn id="2" dur="indefinite" nodeType="mainSeq">
+                <p:childTnLst>
+                  <p:par>
+                    <p:cTn id="3" fill="hold">
+                      <p:stCondLst>
+                        <p:cond delay="indefinite"/>
+                      </p:stCondLst>
+                      <p:childTnLst>
+                        <p:par>
+                          <p:cTn id="4" fill="hold">
+                            <p:stCondLst>
+                              <p:cond delay="0"/>
+                            </p:stCondLst>
+                            <p:childTnLst>
+                              <p:par>
+                                <p:cTn id="5" presetID="53" presetClass="entr" presetSubtype="16" fill="hold" nodeType="clickEffect">
+                                  <p:stCondLst>
+                                    <p:cond delay="0"/>
+                                  </p:stCondLst>
+                                  <p:childTnLst>
+                                    <p:set>
+                                      <p:cBhvr>
+                                        <p:cTn id="6" dur="1" fill="hold">
+                                          <p:stCondLst>
+                                            <p:cond delay="0"/>
+                                          </p:stCondLst>
+                                        </p:cTn>
+                                        <p:tgtEl>
+                                          <p:spTgt spid="9">
+                                            <p:txEl>
+                                              <p:pRg st="1" end="1"/>
+                                            </p:txEl>
+                                          </p:spTgt>
+                                        </p:tgtEl>
+                                        <p:attrNameLst>
+                                          <p:attrName>style.visibility</p:attrName>
+                                        </p:attrNameLst>
+                                      </p:cBhvr>
+                                      <p:to>
+                                        <p:strVal val="visible"/>
+                                      </p:to>
+                                    </p:set>
+                                    <p:anim calcmode="lin" valueType="num">
+                                      <p:cBhvr>
+                                        <p:cTn id="7" dur="500" fill="hold"/>
+                                        <p:tgtEl>
+                                          <p:spTgt spid="9">
+                                            <p:txEl>
+                                              <p:pRg st="1" end="1"/>
+                                            </p:txEl>
+                                          </p:spTgt>
+                                        </p:tgtEl>
+                                        <p:attrNameLst>
+                                          <p:attrName>ppt_w</p:attrName>
+                                        </p:attrNameLst>
+                                      </p:cBhvr>
+                                      <p:tavLst>
+                                        <p:tav tm="0">
+                                          <p:val>
+                                            <p:fltVal val="0"/>
+                                          </p:val>
+                                        </p:tav>
+                                        <p:tav tm="100000">
+                                          <p:val>
+                                            <p:strVal val="#ppt_w"/>
+                                          </p:val>
+                                        </p:tav>
+                                      </p:tavLst>
+                                    </p:anim>
+                                    <p:anim calcmode="lin" valueType="num">
+                                      <p:cBhvr>
+                                        <p:cTn id="8" dur="500" fill="hold"/>
+                                        <p:tgtEl>
+                                          <p:spTgt spid="9">
+                                            <p:txEl>
+                                              <p:pRg st="1" end="1"/>
+                                            </p:txEl>
+                                          </p:spTgt>
+                                        </p:tgtEl>
+                                        <p:attrNameLst>
+                                          <p:attrName>ppt_h</p:attrName>
+                                        </p:attrNameLst>
+                                      </p:cBhvr>
+                                      <p:tavLst>
+                                        <p:tav tm="0">
+                                          <p:val>
+                                            <p:fltVal val="0"/>
+                                          </p:val>
+                                        </p:tav>
+                                        <p:tav tm="100000">
+                                          <p:val>
+                                            <p:strVal val="#ppt_h"/>
+                                          </p:val>
+                                        </p:tav>
+                                      </p:tavLst>
+                                    </p:anim>
+                                    <p:animEffect transition="in" filter="fade">
+                                      <p:cBhvr>
+                                        <p:cTn id="9" dur="500"/>
+                                        <p:tgtEl>
+                                          <p:spTgt spid="9">
+                                            <p:txEl>
+                                              <p:pRg st="1" end="1"/>
+                                            </p:txEl>
+                                          </p:spTgt>
+                                        </p:tgtEl>
+                                      </p:cBhvr>
+                                    </p:animEffect>
+                                  </p:childTnLst>
+                                </p:cTn>
+                              </p:par>
+                            </p:childTnLst>
+                          </p:cTn>
+                        </p:par>
+                      </p:childTnLst>
+                    </p:cTn>
+                  </p:par>
+                  <p:par>
+                    <p:cTn id="10" fill="hold">
+                      <p:stCondLst>
+                        <p:cond delay="indefinite"/>
+                      </p:stCondLst>
+                      <p:childTnLst>
+                        <p:par>
+                          <p:cTn id="11" fill="hold">
+                            <p:stCondLst>
+                              <p:cond delay="0"/>
+                            </p:stCondLst>
+                            <p:childTnLst>
+                              <p:par>
+                                <p:cTn id="12" presetID="53" presetClass="entr" presetSubtype="16" fill="hold" nodeType="clickEffect">
+                                  <p:stCondLst>
+                                    <p:cond delay="0"/>
+                                  </p:stCondLst>
+                                  <p:childTnLst>
+                                    <p:set>
+                                      <p:cBhvr>
+                                        <p:cTn id="13" dur="1" fill="hold">
+                                          <p:stCondLst>
+                                            <p:cond delay="0"/>
+                                          </p:stCondLst>
+                                        </p:cTn>
+                                        <p:tgtEl>
+                                          <p:spTgt spid="9">
+                                            <p:txEl>
+                                              <p:pRg st="2" end="2"/>
+                                            </p:txEl>
+                                          </p:spTgt>
+                                        </p:tgtEl>
+                                        <p:attrNameLst>
+                                          <p:attrName>style.visibility</p:attrName>
+                                        </p:attrNameLst>
+                                      </p:cBhvr>
+                                      <p:to>
+                                        <p:strVal val="visible"/>
+                                      </p:to>
+                                    </p:set>
+                                    <p:anim calcmode="lin" valueType="num">
+                                      <p:cBhvr>
+                                        <p:cTn id="14" dur="500" fill="hold"/>
+                                        <p:tgtEl>
+                                          <p:spTgt spid="9">
+                                            <p:txEl>
+                                              <p:pRg st="2" end="2"/>
+                                            </p:txEl>
+                                          </p:spTgt>
+                                        </p:tgtEl>
+                                        <p:attrNameLst>
+                                          <p:attrName>ppt_w</p:attrName>
+                                        </p:attrNameLst>
+                                      </p:cBhvr>
+                                      <p:tavLst>
+                                        <p:tav tm="0">
+                                          <p:val>
+                                            <p:fltVal val="0"/>
+                                          </p:val>
+                                        </p:tav>
+                                        <p:tav tm="100000">
+                                          <p:val>
+                                            <p:strVal val="#ppt_w"/>
+                                          </p:val>
+                                        </p:tav>
+                                      </p:tavLst>
+                                    </p:anim>
+                                    <p:anim calcmode="lin" valueType="num">
+                                      <p:cBhvr>
+                                        <p:cTn id="15" dur="500" fill="hold"/>
+                                        <p:tgtEl>
+                                          <p:spTgt spid="9">
+                                            <p:txEl>
+                                              <p:pRg st="2" end="2"/>
+                                            </p:txEl>
+                                          </p:spTgt>
+                                        </p:tgtEl>
+                                        <p:attrNameLst>
+                                          <p:attrName>ppt_h</p:attrName>
+                                        </p:attrNameLst>
+                                      </p:cBhvr>
+                                      <p:tavLst>
+                                        <p:tav tm="0">
+                                          <p:val>
+                                            <p:fltVal val="0"/>
+                                          </p:val>
+                                        </p:tav>
+                                        <p:tav tm="100000">
+                                          <p:val>
+                                            <p:strVal val="#ppt_h"/>
+                                          </p:val>
+                                        </p:tav>
+                                      </p:tavLst>
+                                    </p:anim>
+                                    <p:animEffect transition="in" filter="fade">
+                                      <p:cBhvr>
+                                        <p:cTn id="16" dur="500"/>
+                                        <p:tgtEl>
+                                          <p:spTgt spid="9">
+                                            <p:txEl>
+                                              <p:pRg st="2" end="2"/>
+                                            </p:txEl>
+                                          </p:spTgt>
+                                        </p:tgtEl>
+                                      </p:cBhvr>
+                                    </p:animEffect>
+                                  </p:childTnLst>
+                                </p:cTn>
+                              </p:par>
+                            </p:childTnLst>
+                          </p:cTn>
+                        </p:par>
+                      </p:childTnLst>
+                    </p:cTn>
+                  </p:par>
+                  <p:par>
+                    <p:cTn id="17" fill="hold">
+                      <p:stCondLst>
+                        <p:cond delay="indefinite"/>
+                      </p:stCondLst>
+                      <p:childTnLst>
+                        <p:par>
+                          <p:cTn id="18" fill="hold">
+                            <p:stCondLst>
+                              <p:cond delay="0"/>
+                            </p:stCondLst>
+                            <p:childTnLst>
+                              <p:par>
+                                <p:cTn id="19" presetID="53" presetClass="entr" presetSubtype="16" fill="hold" nodeType="clickEffect">
+                                  <p:stCondLst>
+                                    <p:cond delay="0"/>
+                                  </p:stCondLst>
+                                  <p:childTnLst>
+                                    <p:set>
+                                      <p:cBhvr>
+                                        <p:cTn id="20" dur="1" fill="hold">
+                                          <p:stCondLst>
+                                            <p:cond delay="0"/>
+                                          </p:stCondLst>
+                                        </p:cTn>
+                                        <p:tgtEl>
+                                          <p:spTgt spid="9">
+                                            <p:txEl>
+                                              <p:pRg st="3" end="3"/>
+                                            </p:txEl>
+                                          </p:spTgt>
+                                        </p:tgtEl>
+                                        <p:attrNameLst>
+                                          <p:attrName>style.visibility</p:attrName>
+                                        </p:attrNameLst>
+                                      </p:cBhvr>
+                                      <p:to>
+                                        <p:strVal val="visible"/>
+                                      </p:to>
+                                    </p:set>
+                                    <p:anim calcmode="lin" valueType="num">
+                                      <p:cBhvr>
+                                        <p:cTn id="21" dur="500" fill="hold"/>
+                                        <p:tgtEl>
+                                          <p:spTgt spid="9">
+                                            <p:txEl>
+                                              <p:pRg st="3" end="3"/>
+                                            </p:txEl>
+                                          </p:spTgt>
+                                        </p:tgtEl>
+                                        <p:attrNameLst>
+                                          <p:attrName>ppt_w</p:attrName>
+                                        </p:attrNameLst>
+                                      </p:cBhvr>
+                                      <p:tavLst>
+                                        <p:tav tm="0">
+                                          <p:val>
+                                            <p:fltVal val="0"/>
+                                          </p:val>
+                                        </p:tav>
+                                        <p:tav tm="100000">
+                                          <p:val>
+                                            <p:strVal val="#ppt_w"/>
+                                          </p:val>
+                                        </p:tav>
+                                      </p:tavLst>
+                                    </p:anim>
+                                    <p:anim calcmode="lin" valueType="num">
+                                      <p:cBhvr>
+                                        <p:cTn id="22" dur="500" fill="hold"/>
+                                        <p:tgtEl>
+                                          <p:spTgt spid="9">
+                                            <p:txEl>
+                                              <p:pRg st="3" end="3"/>
+                                            </p:txEl>
+                                          </p:spTgt>
+                                        </p:tgtEl>
+                                        <p:attrNameLst>
+                                          <p:attrName>ppt_h</p:attrName>
+                                        </p:attrNameLst>
+                                      </p:cBhvr>
+                                      <p:tavLst>
+                                        <p:tav tm="0">
+                                          <p:val>
+                                            <p:fltVal val="0"/>
+                                          </p:val>
+                                        </p:tav>
+                                        <p:tav tm="100000">
+                                          <p:val>
+                                            <p:strVal val="#ppt_h"/>
+                                          </p:val>
+                                        </p:tav>
+                                      </p:tavLst>
+                                    </p:anim>
+                                    <p:animEffect transition="in" filter="fade">
+                                      <p:cBhvr>
+                                        <p:cTn id="23" dur="500"/>
+                                        <p:tgtEl>
+                                          <p:spTgt spid="9">
+                                            <p:txEl>
+                                              <p:pRg st="3" end="3"/>
+                                            </p:txEl>
+                                          </p:spTgt>
+                                        </p:tgtEl>
+                                      </p:cBhvr>
+                                    </p:animEffect>
+                                  </p:childTnLst>
+                                </p:cTn>
+                              </p:par>
+                            </p:childTnLst>
+                          </p:cTn>
+                        </p:par>
+                      </p:childTnLst>
+                    </p:cTn>
+                  </p:par>
+                  <p:par>
+                    <p:cTn id="24" fill="hold">
+                      <p:stCondLst>
+                        <p:cond delay="indefinite"/>
+                      </p:stCondLst>
+                      <p:childTnLst>
+                        <p:par>
+                          <p:cTn id="25" fill="hold">
+                            <p:stCondLst>
+                              <p:cond delay="0"/>
+                            </p:stCondLst>
+                            <p:childTnLst>
+                              <p:par>
+                                <p:cTn id="26" presetID="53" presetClass="entr" presetSubtype="16" fill="hold" nodeType="clickEffect">
+                                  <p:stCondLst>
+                                    <p:cond delay="0"/>
+                                  </p:stCondLst>
+                                  <p:childTnLst>
+                                    <p:set>
+                                      <p:cBhvr>
+                                        <p:cTn id="27" dur="1" fill="hold">
+                                          <p:stCondLst>
+                                            <p:cond delay="0"/>
+                                          </p:stCondLst>
+                                        </p:cTn>
+                                        <p:tgtEl>
+                                          <p:spTgt spid="9">
+                                            <p:txEl>
+                                              <p:pRg st="4" end="4"/>
+                                            </p:txEl>
+                                          </p:spTgt>
+                                        </p:tgtEl>
+                                        <p:attrNameLst>
+                                          <p:attrName>style.visibility</p:attrName>
+                                        </p:attrNameLst>
+                                      </p:cBhvr>
+                                      <p:to>
+                                        <p:strVal val="visible"/>
+                                      </p:to>
+                                    </p:set>
+                                    <p:anim calcmode="lin" valueType="num">
+                                      <p:cBhvr>
+                                        <p:cTn id="28" dur="500" fill="hold"/>
+                                        <p:tgtEl>
+                                          <p:spTgt spid="9">
+                                            <p:txEl>
+                                              <p:pRg st="4" end="4"/>
+                                            </p:txEl>
+                                          </p:spTgt>
+                                        </p:tgtEl>
+                                        <p:attrNameLst>
+                                          <p:attrName>ppt_w</p:attrName>
+                                        </p:attrNameLst>
+                                      </p:cBhvr>
+                                      <p:tavLst>
+                                        <p:tav tm="0">
+                                          <p:val>
+                                            <p:fltVal val="0"/>
+                                          </p:val>
+                                        </p:tav>
+                                        <p:tav tm="100000">
+                                          <p:val>
+                                            <p:strVal val="#ppt_w"/>
+                                          </p:val>
+                                        </p:tav>
+                                      </p:tavLst>
+                                    </p:anim>
+                                    <p:anim calcmode="lin" valueType="num">
+                                      <p:cBhvr>
+                                        <p:cTn id="29" dur="500" fill="hold"/>
+                                        <p:tgtEl>
+                                          <p:spTgt spid="9">
+                                            <p:txEl>
+                                              <p:pRg st="4" end="4"/>
+                                            </p:txEl>
+                                          </p:spTgt>
+                                        </p:tgtEl>
+                                        <p:attrNameLst>
+                                          <p:attrName>ppt_h</p:attrName>
+                                        </p:attrNameLst>
+                                      </p:cBhvr>
+                                      <p:tavLst>
+                                        <p:tav tm="0">
+                                          <p:val>
+                                            <p:fltVal val="0"/>
+                                          </p:val>
+                                        </p:tav>
+                                        <p:tav tm="100000">
+                                          <p:val>
+                                            <p:strVal val="#ppt_h"/>
+                                          </p:val>
+                                        </p:tav>
+                                      </p:tavLst>
+                                    </p:anim>
+                                    <p:animEffect transition="in" filter="fade">
+                                      <p:cBhvr>
+                                        <p:cTn id="30" dur="500"/>
+                                        <p:tgtEl>
+                                          <p:spTgt spid="9">
+                                            <p:txEl>
+                                              <p:pRg st="4" end="4"/>
+                                            </p:txEl>
+                                          </p:spTgt>
+                                        </p:tgtEl>
+                                      </p:cBhvr>
+                                    </p:animEffect>
+                                  </p:childTnLst>
+                                </p:cTn>
+                              </p:par>
+                            </p:childTnLst>
+                          </p:cTn>
+                        </p:par>
+                      </p:childTnLst>
+                    </p:cTn>
+                  </p:par>
+                  <p:par>
+                    <p:cTn id="31" fill="hold">
+                      <p:stCondLst>
+                        <p:cond delay="indefinite"/>
+                      </p:stCondLst>
+                      <p:childTnLst>
+                        <p:par>
+                          <p:cTn id="32" fill="hold">
+                            <p:stCondLst>
+                              <p:cond delay="0"/>
+                            </p:stCondLst>
+                            <p:childTnLst>
+                              <p:par>
+                                <p:cTn id="33" presetID="53" presetClass="entr" presetSubtype="16" fill="hold" nodeType="clickEffect">
+                                  <p:stCondLst>
+                                    <p:cond delay="0"/>
+                                  </p:stCondLst>
+                                  <p:childTnLst>
+                                    <p:set>
+                                      <p:cBhvr>
+                                        <p:cTn id="34" dur="1" fill="hold">
+                                          <p:stCondLst>
+                                            <p:cond delay="0"/>
+                                          </p:stCondLst>
+                                        </p:cTn>
+                                        <p:tgtEl>
+                                          <p:spTgt spid="9">
+                                            <p:txEl>
+                                              <p:pRg st="5" end="5"/>
+                                            </p:txEl>
+                                          </p:spTgt>
+                                        </p:tgtEl>
+                                        <p:attrNameLst>
+                                          <p:attrName>style.visibility</p:attrName>
+                                        </p:attrNameLst>
+                                      </p:cBhvr>
+                                      <p:to>
+                                        <p:strVal val="visible"/>
+                                      </p:to>
+                                    </p:set>
+                                    <p:anim calcmode="lin" valueType="num">
+                                      <p:cBhvr>
+                                        <p:cTn id="35" dur="500" fill="hold"/>
+                                        <p:tgtEl>
+                                          <p:spTgt spid="9">
+                                            <p:txEl>
+                                              <p:pRg st="5" end="5"/>
+                                            </p:txEl>
+                                          </p:spTgt>
+                                        </p:tgtEl>
+                                        <p:attrNameLst>
+                                          <p:attrName>ppt_w</p:attrName>
+                                        </p:attrNameLst>
+                                      </p:cBhvr>
+                                      <p:tavLst>
+                                        <p:tav tm="0">
+                                          <p:val>
+                                            <p:fltVal val="0"/>
+                                          </p:val>
+                                        </p:tav>
+                                        <p:tav tm="100000">
+                                          <p:val>
+                                            <p:strVal val="#ppt_w"/>
+                                          </p:val>
+                                        </p:tav>
+                                      </p:tavLst>
+                                    </p:anim>
+                                    <p:anim calcmode="lin" valueType="num">
+                                      <p:cBhvr>
+                                        <p:cTn id="36" dur="500" fill="hold"/>
+                                        <p:tgtEl>
+                                          <p:spTgt spid="9">
+                                            <p:txEl>
+                                              <p:pRg st="5" end="5"/>
+                                            </p:txEl>
+                                          </p:spTgt>
+                                        </p:tgtEl>
+                                        <p:attrNameLst>
+                                          <p:attrName>ppt_h</p:attrName>
+                                        </p:attrNameLst>
+                                      </p:cBhvr>
+                                      <p:tavLst>
+                                        <p:tav tm="0">
+                                          <p:val>
+                                            <p:fltVal val="0"/>
+                                          </p:val>
+                                        </p:tav>
+                                        <p:tav tm="100000">
+                                          <p:val>
+                                            <p:strVal val="#ppt_h"/>
+                                          </p:val>
+                                        </p:tav>
+                                      </p:tavLst>
+                                    </p:anim>
+                                    <p:animEffect transition="in" filter="fade">
+                                      <p:cBhvr>
+                                        <p:cTn id="37" dur="500"/>
+                                        <p:tgtEl>
+                                          <p:spTgt spid="9">
+                                            <p:txEl>
+                                              <p:pRg st="5" end="5"/>
+                                            </p:txEl>
+                                          </p:spTgt>
+                                        </p:tgtEl>
+                                      </p:cBhvr>
+                                    </p:animEffect>
+                                  </p:childTnLst>
+                                </p:cTn>
+                              </p:par>
+                            </p:childTnLst>
+                          </p:cTn>
+                        </p:par>
+                      </p:childTnLst>
+                    </p:cTn>
+                  </p:par>
+                  <p:par>
+                    <p:cTn id="38" fill="hold">
+                      <p:stCondLst>
+                        <p:cond delay="indefinite"/>
+                      </p:stCondLst>
+                      <p:childTnLst>
+                        <p:par>
+                          <p:cTn id="39" fill="hold">
+                            <p:stCondLst>
+                              <p:cond delay="0"/>
+                            </p:stCondLst>
+                            <p:childTnLst>
+                              <p:par>
+                                <p:cTn id="40" presetID="53" presetClass="entr" presetSubtype="16" fill="hold" nodeType="clickEffect">
+                                  <p:stCondLst>
+                                    <p:cond delay="0"/>
+                                  </p:stCondLst>
+                                  <p:childTnLst>
+                                    <p:set>
+                                      <p:cBhvr>
+                                        <p:cTn id="41" dur="1" fill="hold">
+                                          <p:stCondLst>
+                                            <p:cond delay="0"/>
+                                          </p:stCondLst>
+                                        </p:cTn>
+                                        <p:tgtEl>
+                                          <p:spTgt spid="9">
+                                            <p:txEl>
+                                              <p:pRg st="6" end="6"/>
+                                            </p:txEl>
+                                          </p:spTgt>
+                                        </p:tgtEl>
+                                        <p:attrNameLst>
+                                          <p:attrName>style.visibility</p:attrName>
+                                        </p:attrNameLst>
+                                      </p:cBhvr>
+                                      <p:to>
+                                        <p:strVal val="visible"/>
+                                      </p:to>
+                                    </p:set>
+                                    <p:anim calcmode="lin" valueType="num">
+                                      <p:cBhvr>
+                                        <p:cTn id="42" dur="500" fill="hold"/>
+                                        <p:tgtEl>
+                                          <p:spTgt spid="9">
+                                            <p:txEl>
+                                              <p:pRg st="6" end="6"/>
+                                            </p:txEl>
+                                          </p:spTgt>
+                                        </p:tgtEl>
+                                        <p:attrNameLst>
+                                          <p:attrName>ppt_w</p:attrName>
+                                        </p:attrNameLst>
+                                      </p:cBhvr>
+                                      <p:tavLst>
+                                        <p:tav tm="0">
+                                          <p:val>
+                                            <p:fltVal val="0"/>
+                                          </p:val>
+                                        </p:tav>
+                                        <p:tav tm="100000">
+                                          <p:val>
+                                            <p:strVal val="#ppt_w"/>
+                                          </p:val>
+                                        </p:tav>
+                                      </p:tavLst>
+                                    </p:anim>
+                                    <p:anim calcmode="lin" valueType="num">
+                                      <p:cBhvr>
+                                        <p:cTn id="43" dur="500" fill="hold"/>
+                                        <p:tgtEl>
+                                          <p:spTgt spid="9">
+                                            <p:txEl>
+                                              <p:pRg st="6" end="6"/>
+                                            </p:txEl>
+                                          </p:spTgt>
+                                        </p:tgtEl>
+                                        <p:attrNameLst>
+                                          <p:attrName>ppt_h</p:attrName>
+                                        </p:attrNameLst>
+                                      </p:cBhvr>
+                                      <p:tavLst>
+                                        <p:tav tm="0">
+                                          <p:val>
+                                            <p:fltVal val="0"/>
+                                          </p:val>
+                                        </p:tav>
+                                        <p:tav tm="100000">
+                                          <p:val>
+                                            <p:strVal val="#ppt_h"/>
+                                          </p:val>
+                                        </p:tav>
+                                      </p:tavLst>
+                                    </p:anim>
+                                    <p:animEffect transition="in" filter="fade">
+                                      <p:cBhvr>
+                                        <p:cTn id="44" dur="500"/>
+                                        <p:tgtEl>
+                                          <p:spTgt spid="9">
+                                            <p:txEl>
+                                              <p:pRg st="6" end="6"/>
+                                            </p:txEl>
+                                          </p:spTgt>
+                                        </p:tgtEl>
+                                      </p:cBhvr>
+                                    </p:animEffect>
+                                  </p:childTnLst>
+                                </p:cTn>
+                              </p:par>
+                            </p:childTnLst>
+                          </p:cTn>
+                        </p:par>
+                      </p:childTnLst>
+                    </p:cTn>
+                  </p:par>
+                  <p:par>
+                    <p:cTn id="45" fill="hold">
+                      <p:stCondLst>
+                        <p:cond delay="indefinite"/>
+                      </p:stCondLst>
+                      <p:childTnLst>
+                        <p:par>
+                          <p:cTn id="46" fill="hold">
+                            <p:stCondLst>
+                              <p:cond delay="0"/>
+                            </p:stCondLst>
+                            <p:childTnLst>
+                              <p:par>
+                                <p:cTn id="47" presetID="53" presetClass="entr" presetSubtype="16" fill="hold" nodeType="clickEffect">
+                                  <p:stCondLst>
+                                    <p:cond delay="0"/>
+                                  </p:stCondLst>
+                                  <p:childTnLst>
+                                    <p:set>
+                                      <p:cBhvr>
+                                        <p:cTn id="48" dur="1" fill="hold">
+                                          <p:stCondLst>
+                                            <p:cond delay="0"/>
+                                          </p:stCondLst>
+                                        </p:cTn>
+                                        <p:tgtEl>
+                                          <p:spTgt spid="9">
+                                            <p:txEl>
+                                              <p:pRg st="7" end="7"/>
+                                            </p:txEl>
+                                          </p:spTgt>
+                                        </p:tgtEl>
+                                        <p:attrNameLst>
+                                          <p:attrName>style.visibility</p:attrName>
+                                        </p:attrNameLst>
+                                      </p:cBhvr>
+                                      <p:to>
+                                        <p:strVal val="visible"/>
+                                      </p:to>
+                                    </p:set>
+                                    <p:anim calcmode="lin" valueType="num">
+                                      <p:cBhvr>
+                                        <p:cTn id="49" dur="500" fill="hold"/>
+                                        <p:tgtEl>
+                                          <p:spTgt spid="9">
+                                            <p:txEl>
+                                              <p:pRg st="7" end="7"/>
+                                            </p:txEl>
+                                          </p:spTgt>
+                                        </p:tgtEl>
+                                        <p:attrNameLst>
+                                          <p:attrName>ppt_w</p:attrName>
+                                        </p:attrNameLst>
+                                      </p:cBhvr>
+                                      <p:tavLst>
+                                        <p:tav tm="0">
+                                          <p:val>
+                                            <p:fltVal val="0"/>
+                                          </p:val>
+                                        </p:tav>
+                                        <p:tav tm="100000">
+                                          <p:val>
+                                            <p:strVal val="#ppt_w"/>
+                                          </p:val>
+                                        </p:tav>
+                                      </p:tavLst>
+                                    </p:anim>
+                                    <p:anim calcmode="lin" valueType="num">
+                                      <p:cBhvr>
+                                        <p:cTn id="50" dur="500" fill="hold"/>
+                                        <p:tgtEl>
+                                          <p:spTgt spid="9">
+                                            <p:txEl>
+                                              <p:pRg st="7" end="7"/>
+                                            </p:txEl>
+                                          </p:spTgt>
+                                        </p:tgtEl>
+                                        <p:attrNameLst>
+                                          <p:attrName>ppt_h</p:attrName>
+                                        </p:attrNameLst>
+                                      </p:cBhvr>
+                                      <p:tavLst>
+                                        <p:tav tm="0">
+                                          <p:val>
+                                            <p:fltVal val="0"/>
+                                          </p:val>
+                                        </p:tav>
+                                        <p:tav tm="100000">
+                                          <p:val>
+                                            <p:strVal val="#ppt_h"/>
+                                          </p:val>
+                                        </p:tav>
+                                      </p:tavLst>
+                                    </p:anim>
+                                    <p:animEffect transition="in" filter="fade">
+                                      <p:cBhvr>
+                                        <p:cTn id="51" dur="500"/>
+                                        <p:tgtEl>
+                                          <p:spTgt spid="9">
+                                            <p:txEl>
+                                              <p:pRg st="7" end="7"/>
+                                            </p:txEl>
+                                          </p:spTgt>
+                                        </p:tgtEl>
+                                      </p:cBhvr>
+                                    </p:animEffect>
+                                  </p:childTnLst>
+                                </p:cTn>
+                              </p:par>
+                            </p:childTnLst>
+                          </p:cTn>
+                        </p:par>
+                      </p:childTnLst>
+                    </p:cTn>
+                  </p:par>
+                </p:childTnLst>
+              </p:cTn>
+              <p:prevCondLst>
+                <p:cond evt="onPrev" delay="0">
+                  <p:tgtEl>
+                    <p:sldTgt/>
+                  </p:tgtEl>
+                </p:cond>
+              </p:prevCondLst>
+              <p:nextCondLst>
+                <p:cond evt="onNext" delay="0">
+                  <p:tgtEl>
+                    <p:sldTgt/>
+                  </p:tgtEl>
+                </p:cond>
+              </p:nextCondLst>
+            </p:seq>
+          </p:childTnLst>
+        </p:cTn>
+      </p:par>
+    </p:tnLst>
+  </p:timing>
+</p:sld>
+</file>
+
+<file path=ppt/slides/slide6.xml><?xml version="1.0" encoding="utf-8"?>
+<p:sld xmlns:a="http://schemas.openxmlformats.org/drawingml/2006/main" xmlns:r="http://schemas.openxmlformats.org/officeDocument/2006/relationships" xmlns:p="http://schemas.openxmlformats.org/presentationml/2006/main">
+  <p:cSld>
+    <p:spTree>
+      <p:nvGrpSpPr>
+        <p:cNvPr id="1" name=""/>
+        <p:cNvGrpSpPr/>
+        <p:nvPr/>
+      </p:nvGrpSpPr>
+      <p:grpSpPr>
+        <a:xfrm>
+          <a:off x="0" y="0"/>
+          <a:ext cx="0" cy="0"/>
+          <a:chOff x="0" y="0"/>
+          <a:chExt cx="0" cy="0"/>
+        </a:xfrm>
+      </p:grpSpPr>
+      <p:sp>
+        <p:nvSpPr>
+          <p:cNvPr id="5" name="Tartalom helye 2"/>
+          <p:cNvSpPr txBox="1">
+            <a:spLocks/>
+          </p:cNvSpPr>
+          <p:nvPr/>
+        </p:nvSpPr>
+        <p:spPr>
+          <a:xfrm>
+            <a:off x="484221" y="1459630"/>
+            <a:ext cx="5388758" cy="2995637"/>
+          </a:xfrm>
+          <a:prstGeom prst="rect">
+            <a:avLst/>
+          </a:prstGeom>
+        </p:spPr>
+        <p:txBody>
+          <a:bodyPr vert="horz" lIns="91440" tIns="45720" rIns="91440" bIns="45720" rtlCol="0">
+            <a:noAutofit/>
+          </a:bodyPr>
+          <a:lstStyle/>
+          <a:p>
+            <a:pPr marL="0" marR="0" lvl="0" indent="0" defTabSz="914400" rtl="0" eaLnBrk="1" fontAlgn="auto" latinLnBrk="0" hangingPunct="1">
+              <a:lnSpc>
+                <a:spcPct val="90000"/>
+              </a:lnSpc>
+              <a:spcBef>
+                <a:spcPts val="1000"/>
+              </a:spcBef>
+              <a:spcAft>
+                <a:spcPts val="0"/>
+              </a:spcAft>
+              <a:buClrTx/>
+              <a:buSzTx/>
+              <a:buFont typeface="Arial" pitchFamily="34" charset="0"/>
+              <a:buChar char="•"/>
+              <a:tabLst/>
+              <a:defRPr/>
+            </a:pPr>
+            <a:endParaRPr lang="hu-HU" sz="2400" dirty="0"/>
+          </a:p>
+          <a:p>
+            <a:pPr marL="0" marR="0" lvl="0" indent="0" defTabSz="914400" rtl="0" eaLnBrk="1" fontAlgn="auto" latinLnBrk="0" hangingPunct="1">
+              <a:lnSpc>
+                <a:spcPct val="90000"/>
+              </a:lnSpc>
+              <a:spcBef>
+                <a:spcPts val="1000"/>
+              </a:spcBef>
+              <a:spcAft>
+                <a:spcPts val="0"/>
+              </a:spcAft>
+              <a:buClrTx/>
+              <a:buSzTx/>
+              <a:buFont typeface="Arial" pitchFamily="34" charset="0"/>
+              <a:buChar char="•"/>
+              <a:tabLst/>
+              <a:defRPr/>
+            </a:pPr>
+            <a:endParaRPr lang="hu-HU" sz="2400" dirty="0"/>
+          </a:p>
+          <a:p>
+            <a:pPr marL="0" marR="0" lvl="0" indent="0" defTabSz="914400" rtl="0" eaLnBrk="1" fontAlgn="auto" latinLnBrk="0" hangingPunct="1">
+              <a:lnSpc>
+                <a:spcPct val="90000"/>
+              </a:lnSpc>
+              <a:spcBef>
+                <a:spcPts val="1000"/>
+              </a:spcBef>
+              <a:spcAft>
+                <a:spcPts val="0"/>
+              </a:spcAft>
+              <a:buClrTx/>
+              <a:buSzTx/>
+              <a:buFont typeface="Arial" pitchFamily="34" charset="0"/>
+              <a:buChar char="•"/>
+              <a:tabLst/>
+              <a:defRPr/>
+            </a:pPr>
+            <a:endParaRPr lang="hu-HU" sz="2400" dirty="0"/>
+          </a:p>
+          <a:p>
+            <a:pPr marL="0" marR="0" lvl="0" indent="0" defTabSz="914400" rtl="0" eaLnBrk="1" fontAlgn="auto" latinLnBrk="0" hangingPunct="1">
+              <a:lnSpc>
+                <a:spcPct val="90000"/>
+              </a:lnSpc>
+              <a:spcBef>
+                <a:spcPts val="1000"/>
+              </a:spcBef>
+              <a:spcAft>
+                <a:spcPts val="0"/>
+              </a:spcAft>
+              <a:buClrTx/>
+              <a:buSzTx/>
+              <a:buFont typeface="Arial" pitchFamily="34" charset="0"/>
+              <a:buChar char="•"/>
+              <a:tabLst/>
+              <a:defRPr/>
+            </a:pPr>
+            <a:endParaRPr lang="hu-HU" sz="2400" dirty="0"/>
+          </a:p>
+          <a:p>
+            <a:pPr marL="0" marR="0" lvl="0" indent="0" defTabSz="914400" rtl="0" eaLnBrk="1" fontAlgn="auto" latinLnBrk="0" hangingPunct="1">
+              <a:lnSpc>
+                <a:spcPct val="90000"/>
+              </a:lnSpc>
+              <a:spcBef>
+                <a:spcPts val="1000"/>
+              </a:spcBef>
+              <a:spcAft>
+                <a:spcPts val="0"/>
+              </a:spcAft>
+              <a:buClrTx/>
+              <a:buSzTx/>
+              <a:buFont typeface="Arial" pitchFamily="34" charset="0"/>
+              <a:buChar char="•"/>
+              <a:tabLst/>
+              <a:defRPr/>
+            </a:pPr>
+            <a:endParaRPr lang="hu-HU" sz="2400" baseline="0" dirty="0"/>
+          </a:p>
+        </p:txBody>
+      </p:sp>
+      <p:sp>
+        <p:nvSpPr>
+          <p:cNvPr id="7" name="Cím 1"/>
+          <p:cNvSpPr txBox="1">
+            <a:spLocks/>
+          </p:cNvSpPr>
+          <p:nvPr/>
+        </p:nvSpPr>
+        <p:spPr>
+          <a:xfrm rot="20305361">
+            <a:off x="7446477" y="153351"/>
+            <a:ext cx="1548465" cy="417968"/>
+          </a:xfrm>
+          <a:prstGeom prst="rect">
+            <a:avLst/>
+          </a:prstGeom>
+        </p:spPr>
+        <p:txBody>
+          <a:bodyPr vert="horz" lIns="91440" tIns="45720" rIns="91440" bIns="45720" rtlCol="0" anchor="b">
+            <a:normAutofit/>
+          </a:bodyPr>
+          <a:lstStyle>
+            <a:lvl1pPr algn="ctr" defTabSz="914400" rtl="0" eaLnBrk="1" latinLnBrk="0" hangingPunct="1">
+              <a:lnSpc>
+                <a:spcPct val="90000"/>
+              </a:lnSpc>
+              <a:spcBef>
+                <a:spcPct val="0"/>
+              </a:spcBef>
+              <a:buNone/>
+              <a:defRPr sz="6000" kern="1200">
+                <a:solidFill>
+                  <a:schemeClr val="tx1"/>
+                </a:solidFill>
+                <a:latin typeface="+mj-lt"/>
+                <a:ea typeface="+mj-ea"/>
+                <a:cs typeface="+mj-cs"/>
+              </a:defRPr>
+            </a:lvl1pPr>
+          </a:lstStyle>
+          <a:p>
+            <a:r>
+              <a:rPr lang="hu-HU" sz="1800" dirty="0" err="1"/>
+              <a:t>Helpdesk</a:t>
+            </a:r>
+            <a:endParaRPr lang="hu-HU" sz="1800" dirty="0"/>
+          </a:p>
+        </p:txBody>
+      </p:sp>
+      <p:sp>
+        <p:nvSpPr>
+          <p:cNvPr id="8" name="Cím 1"/>
+          <p:cNvSpPr txBox="1">
+            <a:spLocks/>
+          </p:cNvSpPr>
+          <p:nvPr/>
+        </p:nvSpPr>
+        <p:spPr>
+          <a:xfrm>
+            <a:off x="628650" y="810705"/>
+            <a:ext cx="7886700" cy="457312"/>
+          </a:xfrm>
+          <a:prstGeom prst="rect">
+            <a:avLst/>
+          </a:prstGeom>
+        </p:spPr>
+        <p:txBody>
+          <a:bodyPr vert="horz" lIns="91440" tIns="45720" rIns="91440" bIns="45720" rtlCol="0" anchor="b">
+            <a:normAutofit fontScale="90000" lnSpcReduction="10000"/>
+          </a:bodyPr>
+          <a:lstStyle>
+            <a:lvl1pPr algn="ctr" defTabSz="914400" rtl="0" eaLnBrk="1" latinLnBrk="0" hangingPunct="1">
+              <a:lnSpc>
+                <a:spcPct val="90000"/>
+              </a:lnSpc>
+              <a:spcBef>
+                <a:spcPct val="0"/>
+              </a:spcBef>
+              <a:buNone/>
+              <a:defRPr sz="6000" kern="1200">
+                <a:solidFill>
+                  <a:schemeClr val="tx1"/>
+                </a:solidFill>
+                <a:latin typeface="+mj-lt"/>
+                <a:ea typeface="+mj-ea"/>
+                <a:cs typeface="+mj-cs"/>
+              </a:defRPr>
+            </a:lvl1pPr>
+          </a:lstStyle>
+          <a:p>
+            <a:r>
+              <a:rPr lang="hu-HU" sz="3100" b="1" dirty="0">
+                <a:latin typeface="Arial" panose="020B0604020202020204" pitchFamily="34" charset="0"/>
+                <a:ea typeface="+mn-ea"/>
+                <a:cs typeface="Arial" panose="020B0604020202020204" pitchFamily="34" charset="0"/>
+              </a:rPr>
+              <a:t>Egyéb</a:t>
+            </a:r>
+            <a:r>
+              <a:rPr lang="hu-HU" sz="3200" b="1" dirty="0">
+                <a:latin typeface="Arial" panose="020B0604020202020204" pitchFamily="34" charset="0"/>
+                <a:ea typeface="+mn-ea"/>
+                <a:cs typeface="Arial" panose="020B0604020202020204" pitchFamily="34" charset="0"/>
+              </a:rPr>
+              <a:t> feladataim</a:t>
+            </a:r>
+            <a:endParaRPr lang="hu-HU" sz="3200" b="1" dirty="0">
+              <a:latin typeface="+mn-lt"/>
+              <a:ea typeface="+mn-ea"/>
+              <a:cs typeface="+mn-cs"/>
+            </a:endParaRPr>
+          </a:p>
+        </p:txBody>
+      </p:sp>
+      <p:sp>
+        <p:nvSpPr>
+          <p:cNvPr id="9" name="Tartalom helye 2"/>
+          <p:cNvSpPr txBox="1">
+            <a:spLocks/>
+          </p:cNvSpPr>
+          <p:nvPr/>
+        </p:nvSpPr>
+        <p:spPr>
+          <a:xfrm>
+            <a:off x="628650" y="1369219"/>
+            <a:ext cx="7886700" cy="3263504"/>
+          </a:xfrm>
+          <a:prstGeom prst="rect">
+            <a:avLst/>
+          </a:prstGeom>
+        </p:spPr>
+        <p:txBody>
+          <a:bodyPr vert="horz" lIns="91440" tIns="45720" rIns="91440" bIns="45720" rtlCol="0">
+            <a:normAutofit/>
+          </a:bodyPr>
+          <a:lstStyle>
+            <a:lvl1pPr marL="0" indent="0" algn="ctr" defTabSz="914400" rtl="0" eaLnBrk="1" latinLnBrk="0" hangingPunct="1">
+              <a:lnSpc>
+                <a:spcPct val="90000"/>
+              </a:lnSpc>
+              <a:spcBef>
+                <a:spcPts val="1000"/>
+              </a:spcBef>
+              <a:buFont typeface="Arial" panose="020B0604020202020204" pitchFamily="34" charset="0"/>
+              <a:buNone/>
+              <a:defRPr sz="2400" kern="1200">
+                <a:solidFill>
+                  <a:schemeClr val="tx1"/>
+                </a:solidFill>
+                <a:latin typeface="+mn-lt"/>
+                <a:ea typeface="+mn-ea"/>
+                <a:cs typeface="+mn-cs"/>
+              </a:defRPr>
+            </a:lvl1pPr>
+            <a:lvl2pPr marL="457200" indent="0" algn="ctr" defTabSz="914400" rtl="0" eaLnBrk="1" latinLnBrk="0" hangingPunct="1">
+              <a:lnSpc>
+                <a:spcPct val="90000"/>
+              </a:lnSpc>
+              <a:spcBef>
+                <a:spcPts val="500"/>
+              </a:spcBef>
+              <a:buFont typeface="Arial" panose="020B0604020202020204" pitchFamily="34" charset="0"/>
+              <a:buNone/>
+              <a:defRPr sz="2000" kern="1200">
+                <a:solidFill>
+                  <a:schemeClr val="tx1"/>
+                </a:solidFill>
+                <a:latin typeface="+mn-lt"/>
+                <a:ea typeface="+mn-ea"/>
+                <a:cs typeface="+mn-cs"/>
+              </a:defRPr>
+            </a:lvl2pPr>
+            <a:lvl3pPr marL="914400" indent="0" algn="ctr" defTabSz="914400" rtl="0" eaLnBrk="1" latinLnBrk="0" hangingPunct="1">
+              <a:lnSpc>
+                <a:spcPct val="90000"/>
+              </a:lnSpc>
+              <a:spcBef>
+                <a:spcPts val="500"/>
+              </a:spcBef>
+              <a:buFont typeface="Arial" panose="020B0604020202020204" pitchFamily="34" charset="0"/>
+              <a:buNone/>
+              <a:defRPr sz="1800" kern="1200">
+                <a:solidFill>
+                  <a:schemeClr val="tx1"/>
+                </a:solidFill>
+                <a:latin typeface="+mn-lt"/>
+                <a:ea typeface="+mn-ea"/>
+                <a:cs typeface="+mn-cs"/>
+              </a:defRPr>
+            </a:lvl3pPr>
+            <a:lvl4pPr marL="1371600" indent="0" algn="ctr" defTabSz="914400" rtl="0" eaLnBrk="1" latinLnBrk="0" hangingPunct="1">
+              <a:lnSpc>
+                <a:spcPct val="90000"/>
+              </a:lnSpc>
+              <a:spcBef>
+                <a:spcPts val="500"/>
+              </a:spcBef>
+              <a:buFont typeface="Arial" panose="020B0604020202020204" pitchFamily="34" charset="0"/>
+              <a:buNone/>
+              <a:defRPr sz="1600" kern="1200">
+                <a:solidFill>
+                  <a:schemeClr val="tx1"/>
+                </a:solidFill>
+                <a:latin typeface="+mn-lt"/>
+                <a:ea typeface="+mn-ea"/>
+                <a:cs typeface="+mn-cs"/>
+              </a:defRPr>
+            </a:lvl4pPr>
+            <a:lvl5pPr marL="1828800" indent="0" algn="ctr" defTabSz="914400" rtl="0" eaLnBrk="1" latinLnBrk="0" hangingPunct="1">
+              <a:lnSpc>
+                <a:spcPct val="90000"/>
+              </a:lnSpc>
+              <a:spcBef>
+                <a:spcPts val="500"/>
+              </a:spcBef>
+              <a:buFont typeface="Arial" panose="020B0604020202020204" pitchFamily="34" charset="0"/>
+              <a:buNone/>
+              <a:defRPr sz="1600" kern="1200">
+                <a:solidFill>
+                  <a:schemeClr val="tx1"/>
+                </a:solidFill>
+                <a:latin typeface="+mn-lt"/>
+                <a:ea typeface="+mn-ea"/>
+                <a:cs typeface="+mn-cs"/>
+              </a:defRPr>
+            </a:lvl5pPr>
+            <a:lvl6pPr marL="2286000" indent="0" algn="ctr" defTabSz="914400" rtl="0" eaLnBrk="1" latinLnBrk="0" hangingPunct="1">
+              <a:lnSpc>
+                <a:spcPct val="90000"/>
+              </a:lnSpc>
+              <a:spcBef>
+                <a:spcPts val="500"/>
+              </a:spcBef>
+              <a:buFont typeface="Arial" panose="020B0604020202020204" pitchFamily="34" charset="0"/>
+              <a:buNone/>
+              <a:defRPr sz="1600" kern="1200">
+                <a:solidFill>
+                  <a:schemeClr val="tx1"/>
+                </a:solidFill>
+                <a:latin typeface="+mn-lt"/>
+                <a:ea typeface="+mn-ea"/>
+                <a:cs typeface="+mn-cs"/>
+              </a:defRPr>
+            </a:lvl6pPr>
+            <a:lvl7pPr marL="2743200" indent="0" algn="ctr" defTabSz="914400" rtl="0" eaLnBrk="1" latinLnBrk="0" hangingPunct="1">
+              <a:lnSpc>
+                <a:spcPct val="90000"/>
+              </a:lnSpc>
+              <a:spcBef>
+                <a:spcPts val="500"/>
+              </a:spcBef>
+              <a:buFont typeface="Arial" panose="020B0604020202020204" pitchFamily="34" charset="0"/>
+              <a:buNone/>
+              <a:defRPr sz="1600" kern="1200">
+                <a:solidFill>
+                  <a:schemeClr val="tx1"/>
+                </a:solidFill>
+                <a:latin typeface="+mn-lt"/>
+                <a:ea typeface="+mn-ea"/>
+                <a:cs typeface="+mn-cs"/>
+              </a:defRPr>
+            </a:lvl7pPr>
+            <a:lvl8pPr marL="3200400" indent="0" algn="ctr" defTabSz="914400" rtl="0" eaLnBrk="1" latinLnBrk="0" hangingPunct="1">
+              <a:lnSpc>
+                <a:spcPct val="90000"/>
+              </a:lnSpc>
+              <a:spcBef>
+                <a:spcPts val="500"/>
+              </a:spcBef>
+              <a:buFont typeface="Arial" panose="020B0604020202020204" pitchFamily="34" charset="0"/>
+              <a:buNone/>
+              <a:defRPr sz="1600" kern="1200">
+                <a:solidFill>
+                  <a:schemeClr val="tx1"/>
+                </a:solidFill>
+                <a:latin typeface="+mn-lt"/>
+                <a:ea typeface="+mn-ea"/>
+                <a:cs typeface="+mn-cs"/>
+              </a:defRPr>
+            </a:lvl8pPr>
+            <a:lvl9pPr marL="3657600" indent="0" algn="ctr" defTabSz="914400" rtl="0" eaLnBrk="1" latinLnBrk="0" hangingPunct="1">
+              <a:lnSpc>
+                <a:spcPct val="90000"/>
+              </a:lnSpc>
+              <a:spcBef>
+                <a:spcPts val="500"/>
+              </a:spcBef>
+              <a:buFont typeface="Arial" panose="020B0604020202020204" pitchFamily="34" charset="0"/>
+              <a:buNone/>
+              <a:defRPr sz="1600" kern="1200">
+                <a:solidFill>
+                  <a:schemeClr val="tx1"/>
+                </a:solidFill>
+                <a:latin typeface="+mn-lt"/>
+                <a:ea typeface="+mn-ea"/>
+                <a:cs typeface="+mn-cs"/>
+              </a:defRPr>
+            </a:lvl9pPr>
+          </a:lstStyle>
+          <a:p>
+            <a:pPr marL="800100" lvl="1" indent="-342900" algn="l">
+              <a:buFont typeface="Arial" panose="020B0604020202020204" pitchFamily="34" charset="0"/>
+              <a:buChar char="•"/>
+            </a:pPr>
+            <a:r>
+              <a:rPr lang="hu-HU" dirty="0">
                 <a:latin typeface="Arial" panose="020B0604020202020204" pitchFamily="34" charset="0"/>
                 <a:cs typeface="Arial" panose="020B0604020202020204" pitchFamily="34" charset="0"/>
               </a:rPr>
-              <a:t>Egyedi design</a:t>
-            </a:r>
+              <a:t>Bugfix feladatok</a:t>
+            </a:r>
+          </a:p>
+          <a:p>
+            <a:pPr marL="800100" lvl="1" indent="-342900" algn="l">
+              <a:buFont typeface="Arial" panose="020B0604020202020204" pitchFamily="34" charset="0"/>
+              <a:buChar char="•"/>
+            </a:pPr>
+            <a:r>
+              <a:rPr lang="hu-HU" dirty="0">
+                <a:latin typeface="Arial" panose="020B0604020202020204" pitchFamily="34" charset="0"/>
+                <a:cs typeface="Arial" panose="020B0604020202020204" pitchFamily="34" charset="0"/>
+              </a:rPr>
+              <a:t>Közreműködés a statisztika oldal kidolgozásában</a:t>
+            </a:r>
+          </a:p>
+          <a:p>
+            <a:pPr marL="800100" lvl="1" indent="-342900" algn="l">
+              <a:buFont typeface="Arial" panose="020B0604020202020204" pitchFamily="34" charset="0"/>
+              <a:buChar char="•"/>
+            </a:pPr>
+            <a:r>
+              <a:rPr lang="hu-HU" dirty="0">
+                <a:latin typeface="Arial" panose="020B0604020202020204" pitchFamily="34" charset="0"/>
+                <a:cs typeface="Arial" panose="020B0604020202020204" pitchFamily="34" charset="0"/>
+              </a:rPr>
+              <a:t>Közös design tervezés</a:t>
+            </a:r>
+          </a:p>
+          <a:p>
+            <a:pPr marL="800100" lvl="1" indent="-342900" algn="l">
+              <a:buFont typeface="Arial" panose="020B0604020202020204" pitchFamily="34" charset="0"/>
+              <a:buChar char="•"/>
+            </a:pPr>
+            <a:endParaRPr lang="hu-HU" dirty="0">
+              <a:latin typeface="Arial" panose="020B0604020202020204" pitchFamily="34" charset="0"/>
+              <a:cs typeface="Arial" panose="020B0604020202020204" pitchFamily="34" charset="0"/>
+            </a:endParaRPr>
           </a:p>
           <a:p>
             <a:pPr marL="800100" lvl="1" indent="-342900" algn="l">
@@ -6798,7 +10536,7 @@
           </p:cNvPicPr>
           <p:nvPr/>
         </p:nvPicPr>
-        <p:blipFill rotWithShape="1">
+        <p:blipFill>
           <a:blip r:embed="rId3">
             <a:extLst>
               <a:ext uri="{28A0092B-C50C-407E-A947-70E740481C1C}">
@@ -6806,13 +10544,14 @@
               </a:ext>
             </a:extLst>
           </a:blip>
-          <a:srcRect l="4527" t="27697" r="7489" b="23195"/>
-          <a:stretch/>
+          <a:stretch>
+            <a:fillRect/>
+          </a:stretch>
         </p:blipFill>
         <p:spPr>
           <a:xfrm>
-            <a:off x="5502165" y="3449829"/>
-            <a:ext cx="3384000" cy="1332000"/>
+            <a:off x="6142597" y="2389643"/>
+            <a:ext cx="1794511" cy="2065624"/>
           </a:xfrm>
           <a:prstGeom prst="rect">
             <a:avLst/>
@@ -6821,7 +10560,7 @@
       </p:pic>
       <p:pic>
         <p:nvPicPr>
-          <p:cNvPr id="13" name="Kép 12"/>
+          <p:cNvPr id="11" name="Kép 10"/>
           <p:cNvPicPr>
             <a:picLocks noChangeAspect="1"/>
           </p:cNvPicPr>
@@ -6841,8 +10580,8 @@
         </p:blipFill>
         <p:spPr>
           <a:xfrm>
-            <a:off x="5872979" y="1268017"/>
-            <a:ext cx="2857500" cy="1590675"/>
+            <a:off x="1016006" y="2727130"/>
+            <a:ext cx="3286125" cy="1390650"/>
           </a:xfrm>
           <a:prstGeom prst="rect">
             <a:avLst/>
@@ -6852,13 +10591,550 @@
     </p:spTree>
     <p:extLst>
       <p:ext uri="{BB962C8B-B14F-4D97-AF65-F5344CB8AC3E}">
-        <p14:creationId xmlns:p14="http://schemas.microsoft.com/office/powerpoint/2010/main" val="4279856062"/>
+        <p14:creationId xmlns:p14="http://schemas.microsoft.com/office/powerpoint/2010/main" val="1127100005"/>
       </p:ext>
     </p:extLst>
   </p:cSld>
   <p:clrMapOvr>
     <a:masterClrMapping/>
   </p:clrMapOvr>
+  <p:timing>
+    <p:tnLst>
+      <p:par>
+        <p:cTn id="1" dur="indefinite" restart="never" nodeType="tmRoot">
+          <p:childTnLst>
+            <p:seq concurrent="1" nextAc="seek">
+              <p:cTn id="2" dur="indefinite" nodeType="mainSeq">
+                <p:childTnLst>
+                  <p:par>
+                    <p:cTn id="3" fill="hold">
+                      <p:stCondLst>
+                        <p:cond delay="indefinite"/>
+                      </p:stCondLst>
+                      <p:childTnLst>
+                        <p:par>
+                          <p:cTn id="4" fill="hold">
+                            <p:stCondLst>
+                              <p:cond delay="0"/>
+                            </p:stCondLst>
+                            <p:childTnLst>
+                              <p:par>
+                                <p:cTn id="5" presetID="53" presetClass="entr" presetSubtype="16" fill="hold" nodeType="clickEffect">
+                                  <p:stCondLst>
+                                    <p:cond delay="0"/>
+                                  </p:stCondLst>
+                                  <p:childTnLst>
+                                    <p:set>
+                                      <p:cBhvr>
+                                        <p:cTn id="6" dur="1" fill="hold">
+                                          <p:stCondLst>
+                                            <p:cond delay="0"/>
+                                          </p:stCondLst>
+                                        </p:cTn>
+                                        <p:tgtEl>
+                                          <p:spTgt spid="9">
+                                            <p:txEl>
+                                              <p:pRg st="0" end="0"/>
+                                            </p:txEl>
+                                          </p:spTgt>
+                                        </p:tgtEl>
+                                        <p:attrNameLst>
+                                          <p:attrName>style.visibility</p:attrName>
+                                        </p:attrNameLst>
+                                      </p:cBhvr>
+                                      <p:to>
+                                        <p:strVal val="visible"/>
+                                      </p:to>
+                                    </p:set>
+                                    <p:anim calcmode="lin" valueType="num">
+                                      <p:cBhvr>
+                                        <p:cTn id="7" dur="500" fill="hold"/>
+                                        <p:tgtEl>
+                                          <p:spTgt spid="9">
+                                            <p:txEl>
+                                              <p:pRg st="0" end="0"/>
+                                            </p:txEl>
+                                          </p:spTgt>
+                                        </p:tgtEl>
+                                        <p:attrNameLst>
+                                          <p:attrName>ppt_w</p:attrName>
+                                        </p:attrNameLst>
+                                      </p:cBhvr>
+                                      <p:tavLst>
+                                        <p:tav tm="0">
+                                          <p:val>
+                                            <p:fltVal val="0"/>
+                                          </p:val>
+                                        </p:tav>
+                                        <p:tav tm="100000">
+                                          <p:val>
+                                            <p:strVal val="#ppt_w"/>
+                                          </p:val>
+                                        </p:tav>
+                                      </p:tavLst>
+                                    </p:anim>
+                                    <p:anim calcmode="lin" valueType="num">
+                                      <p:cBhvr>
+                                        <p:cTn id="8" dur="500" fill="hold"/>
+                                        <p:tgtEl>
+                                          <p:spTgt spid="9">
+                                            <p:txEl>
+                                              <p:pRg st="0" end="0"/>
+                                            </p:txEl>
+                                          </p:spTgt>
+                                        </p:tgtEl>
+                                        <p:attrNameLst>
+                                          <p:attrName>ppt_h</p:attrName>
+                                        </p:attrNameLst>
+                                      </p:cBhvr>
+                                      <p:tavLst>
+                                        <p:tav tm="0">
+                                          <p:val>
+                                            <p:fltVal val="0"/>
+                                          </p:val>
+                                        </p:tav>
+                                        <p:tav tm="100000">
+                                          <p:val>
+                                            <p:strVal val="#ppt_h"/>
+                                          </p:val>
+                                        </p:tav>
+                                      </p:tavLst>
+                                    </p:anim>
+                                    <p:animEffect transition="in" filter="fade">
+                                      <p:cBhvr>
+                                        <p:cTn id="9" dur="500"/>
+                                        <p:tgtEl>
+                                          <p:spTgt spid="9">
+                                            <p:txEl>
+                                              <p:pRg st="0" end="0"/>
+                                            </p:txEl>
+                                          </p:spTgt>
+                                        </p:tgtEl>
+                                      </p:cBhvr>
+                                    </p:animEffect>
+                                  </p:childTnLst>
+                                </p:cTn>
+                              </p:par>
+                              <p:par>
+                                <p:cTn id="10" presetID="53" presetClass="entr" presetSubtype="16" fill="hold" nodeType="withEffect">
+                                  <p:stCondLst>
+                                    <p:cond delay="0"/>
+                                  </p:stCondLst>
+                                  <p:childTnLst>
+                                    <p:set>
+                                      <p:cBhvr>
+                                        <p:cTn id="11" dur="1" fill="hold">
+                                          <p:stCondLst>
+                                            <p:cond delay="0"/>
+                                          </p:stCondLst>
+                                        </p:cTn>
+                                        <p:tgtEl>
+                                          <p:spTgt spid="6"/>
+                                        </p:tgtEl>
+                                        <p:attrNameLst>
+                                          <p:attrName>style.visibility</p:attrName>
+                                        </p:attrNameLst>
+                                      </p:cBhvr>
+                                      <p:to>
+                                        <p:strVal val="visible"/>
+                                      </p:to>
+                                    </p:set>
+                                    <p:anim calcmode="lin" valueType="num">
+                                      <p:cBhvr>
+                                        <p:cTn id="12" dur="500" fill="hold"/>
+                                        <p:tgtEl>
+                                          <p:spTgt spid="6"/>
+                                        </p:tgtEl>
+                                        <p:attrNameLst>
+                                          <p:attrName>ppt_w</p:attrName>
+                                        </p:attrNameLst>
+                                      </p:cBhvr>
+                                      <p:tavLst>
+                                        <p:tav tm="0">
+                                          <p:val>
+                                            <p:fltVal val="0"/>
+                                          </p:val>
+                                        </p:tav>
+                                        <p:tav tm="100000">
+                                          <p:val>
+                                            <p:strVal val="#ppt_w"/>
+                                          </p:val>
+                                        </p:tav>
+                                      </p:tavLst>
+                                    </p:anim>
+                                    <p:anim calcmode="lin" valueType="num">
+                                      <p:cBhvr>
+                                        <p:cTn id="13" dur="500" fill="hold"/>
+                                        <p:tgtEl>
+                                          <p:spTgt spid="6"/>
+                                        </p:tgtEl>
+                                        <p:attrNameLst>
+                                          <p:attrName>ppt_h</p:attrName>
+                                        </p:attrNameLst>
+                                      </p:cBhvr>
+                                      <p:tavLst>
+                                        <p:tav tm="0">
+                                          <p:val>
+                                            <p:fltVal val="0"/>
+                                          </p:val>
+                                        </p:tav>
+                                        <p:tav tm="100000">
+                                          <p:val>
+                                            <p:strVal val="#ppt_h"/>
+                                          </p:val>
+                                        </p:tav>
+                                      </p:tavLst>
+                                    </p:anim>
+                                    <p:animEffect transition="in" filter="fade">
+                                      <p:cBhvr>
+                                        <p:cTn id="14" dur="500"/>
+                                        <p:tgtEl>
+                                          <p:spTgt spid="6"/>
+                                        </p:tgtEl>
+                                      </p:cBhvr>
+                                    </p:animEffect>
+                                  </p:childTnLst>
+                                </p:cTn>
+                              </p:par>
+                            </p:childTnLst>
+                          </p:cTn>
+                        </p:par>
+                      </p:childTnLst>
+                    </p:cTn>
+                  </p:par>
+                  <p:par>
+                    <p:cTn id="15" fill="hold">
+                      <p:stCondLst>
+                        <p:cond delay="indefinite"/>
+                      </p:stCondLst>
+                      <p:childTnLst>
+                        <p:par>
+                          <p:cTn id="16" fill="hold">
+                            <p:stCondLst>
+                              <p:cond delay="0"/>
+                            </p:stCondLst>
+                            <p:childTnLst>
+                              <p:par>
+                                <p:cTn id="17" presetID="53" presetClass="entr" presetSubtype="16" fill="hold" nodeType="clickEffect">
+                                  <p:stCondLst>
+                                    <p:cond delay="0"/>
+                                  </p:stCondLst>
+                                  <p:childTnLst>
+                                    <p:set>
+                                      <p:cBhvr>
+                                        <p:cTn id="18" dur="1" fill="hold">
+                                          <p:stCondLst>
+                                            <p:cond delay="0"/>
+                                          </p:stCondLst>
+                                        </p:cTn>
+                                        <p:tgtEl>
+                                          <p:spTgt spid="9">
+                                            <p:txEl>
+                                              <p:pRg st="1" end="1"/>
+                                            </p:txEl>
+                                          </p:spTgt>
+                                        </p:tgtEl>
+                                        <p:attrNameLst>
+                                          <p:attrName>style.visibility</p:attrName>
+                                        </p:attrNameLst>
+                                      </p:cBhvr>
+                                      <p:to>
+                                        <p:strVal val="visible"/>
+                                      </p:to>
+                                    </p:set>
+                                    <p:anim calcmode="lin" valueType="num">
+                                      <p:cBhvr>
+                                        <p:cTn id="19" dur="500" fill="hold"/>
+                                        <p:tgtEl>
+                                          <p:spTgt spid="9">
+                                            <p:txEl>
+                                              <p:pRg st="1" end="1"/>
+                                            </p:txEl>
+                                          </p:spTgt>
+                                        </p:tgtEl>
+                                        <p:attrNameLst>
+                                          <p:attrName>ppt_w</p:attrName>
+                                        </p:attrNameLst>
+                                      </p:cBhvr>
+                                      <p:tavLst>
+                                        <p:tav tm="0">
+                                          <p:val>
+                                            <p:fltVal val="0"/>
+                                          </p:val>
+                                        </p:tav>
+                                        <p:tav tm="100000">
+                                          <p:val>
+                                            <p:strVal val="#ppt_w"/>
+                                          </p:val>
+                                        </p:tav>
+                                      </p:tavLst>
+                                    </p:anim>
+                                    <p:anim calcmode="lin" valueType="num">
+                                      <p:cBhvr>
+                                        <p:cTn id="20" dur="500" fill="hold"/>
+                                        <p:tgtEl>
+                                          <p:spTgt spid="9">
+                                            <p:txEl>
+                                              <p:pRg st="1" end="1"/>
+                                            </p:txEl>
+                                          </p:spTgt>
+                                        </p:tgtEl>
+                                        <p:attrNameLst>
+                                          <p:attrName>ppt_h</p:attrName>
+                                        </p:attrNameLst>
+                                      </p:cBhvr>
+                                      <p:tavLst>
+                                        <p:tav tm="0">
+                                          <p:val>
+                                            <p:fltVal val="0"/>
+                                          </p:val>
+                                        </p:tav>
+                                        <p:tav tm="100000">
+                                          <p:val>
+                                            <p:strVal val="#ppt_h"/>
+                                          </p:val>
+                                        </p:tav>
+                                      </p:tavLst>
+                                    </p:anim>
+                                    <p:animEffect transition="in" filter="fade">
+                                      <p:cBhvr>
+                                        <p:cTn id="21" dur="500"/>
+                                        <p:tgtEl>
+                                          <p:spTgt spid="9">
+                                            <p:txEl>
+                                              <p:pRg st="1" end="1"/>
+                                            </p:txEl>
+                                          </p:spTgt>
+                                        </p:tgtEl>
+                                      </p:cBhvr>
+                                    </p:animEffect>
+                                  </p:childTnLst>
+                                </p:cTn>
+                              </p:par>
+                            </p:childTnLst>
+                          </p:cTn>
+                        </p:par>
+                      </p:childTnLst>
+                    </p:cTn>
+                  </p:par>
+                  <p:par>
+                    <p:cTn id="22" fill="hold">
+                      <p:stCondLst>
+                        <p:cond delay="indefinite"/>
+                      </p:stCondLst>
+                      <p:childTnLst>
+                        <p:par>
+                          <p:cTn id="23" fill="hold">
+                            <p:stCondLst>
+                              <p:cond delay="0"/>
+                            </p:stCondLst>
+                            <p:childTnLst>
+                              <p:par>
+                                <p:cTn id="24" presetID="53" presetClass="entr" presetSubtype="16" fill="hold" nodeType="clickEffect">
+                                  <p:stCondLst>
+                                    <p:cond delay="0"/>
+                                  </p:stCondLst>
+                                  <p:childTnLst>
+                                    <p:set>
+                                      <p:cBhvr>
+                                        <p:cTn id="25" dur="1" fill="hold">
+                                          <p:stCondLst>
+                                            <p:cond delay="0"/>
+                                          </p:stCondLst>
+                                        </p:cTn>
+                                        <p:tgtEl>
+                                          <p:spTgt spid="9">
+                                            <p:txEl>
+                                              <p:pRg st="2" end="2"/>
+                                            </p:txEl>
+                                          </p:spTgt>
+                                        </p:tgtEl>
+                                        <p:attrNameLst>
+                                          <p:attrName>style.visibility</p:attrName>
+                                        </p:attrNameLst>
+                                      </p:cBhvr>
+                                      <p:to>
+                                        <p:strVal val="visible"/>
+                                      </p:to>
+                                    </p:set>
+                                    <p:anim calcmode="lin" valueType="num">
+                                      <p:cBhvr>
+                                        <p:cTn id="26" dur="500" fill="hold"/>
+                                        <p:tgtEl>
+                                          <p:spTgt spid="9">
+                                            <p:txEl>
+                                              <p:pRg st="2" end="2"/>
+                                            </p:txEl>
+                                          </p:spTgt>
+                                        </p:tgtEl>
+                                        <p:attrNameLst>
+                                          <p:attrName>ppt_w</p:attrName>
+                                        </p:attrNameLst>
+                                      </p:cBhvr>
+                                      <p:tavLst>
+                                        <p:tav tm="0">
+                                          <p:val>
+                                            <p:fltVal val="0"/>
+                                          </p:val>
+                                        </p:tav>
+                                        <p:tav tm="100000">
+                                          <p:val>
+                                            <p:strVal val="#ppt_w"/>
+                                          </p:val>
+                                        </p:tav>
+                                      </p:tavLst>
+                                    </p:anim>
+                                    <p:anim calcmode="lin" valueType="num">
+                                      <p:cBhvr>
+                                        <p:cTn id="27" dur="500" fill="hold"/>
+                                        <p:tgtEl>
+                                          <p:spTgt spid="9">
+                                            <p:txEl>
+                                              <p:pRg st="2" end="2"/>
+                                            </p:txEl>
+                                          </p:spTgt>
+                                        </p:tgtEl>
+                                        <p:attrNameLst>
+                                          <p:attrName>ppt_h</p:attrName>
+                                        </p:attrNameLst>
+                                      </p:cBhvr>
+                                      <p:tavLst>
+                                        <p:tav tm="0">
+                                          <p:val>
+                                            <p:fltVal val="0"/>
+                                          </p:val>
+                                        </p:tav>
+                                        <p:tav tm="100000">
+                                          <p:val>
+                                            <p:strVal val="#ppt_h"/>
+                                          </p:val>
+                                        </p:tav>
+                                      </p:tavLst>
+                                    </p:anim>
+                                    <p:animEffect transition="in" filter="fade">
+                                      <p:cBhvr>
+                                        <p:cTn id="28" dur="500"/>
+                                        <p:tgtEl>
+                                          <p:spTgt spid="9">
+                                            <p:txEl>
+                                              <p:pRg st="2" end="2"/>
+                                            </p:txEl>
+                                          </p:spTgt>
+                                        </p:tgtEl>
+                                      </p:cBhvr>
+                                    </p:animEffect>
+                                  </p:childTnLst>
+                                </p:cTn>
+                              </p:par>
+                              <p:par>
+                                <p:cTn id="29" presetID="53" presetClass="entr" presetSubtype="16" fill="hold" nodeType="withEffect">
+                                  <p:stCondLst>
+                                    <p:cond delay="0"/>
+                                  </p:stCondLst>
+                                  <p:childTnLst>
+                                    <p:set>
+                                      <p:cBhvr>
+                                        <p:cTn id="30" dur="1" fill="hold">
+                                          <p:stCondLst>
+                                            <p:cond delay="0"/>
+                                          </p:stCondLst>
+                                        </p:cTn>
+                                        <p:tgtEl>
+                                          <p:spTgt spid="11"/>
+                                        </p:tgtEl>
+                                        <p:attrNameLst>
+                                          <p:attrName>style.visibility</p:attrName>
+                                        </p:attrNameLst>
+                                      </p:cBhvr>
+                                      <p:to>
+                                        <p:strVal val="visible"/>
+                                      </p:to>
+                                    </p:set>
+                                    <p:anim calcmode="lin" valueType="num">
+                                      <p:cBhvr>
+                                        <p:cTn id="31" dur="500" fill="hold"/>
+                                        <p:tgtEl>
+                                          <p:spTgt spid="11"/>
+                                        </p:tgtEl>
+                                        <p:attrNameLst>
+                                          <p:attrName>ppt_w</p:attrName>
+                                        </p:attrNameLst>
+                                      </p:cBhvr>
+                                      <p:tavLst>
+                                        <p:tav tm="0">
+                                          <p:val>
+                                            <p:fltVal val="0"/>
+                                          </p:val>
+                                        </p:tav>
+                                        <p:tav tm="100000">
+                                          <p:val>
+                                            <p:strVal val="#ppt_w"/>
+                                          </p:val>
+                                        </p:tav>
+                                      </p:tavLst>
+                                    </p:anim>
+                                    <p:anim calcmode="lin" valueType="num">
+                                      <p:cBhvr>
+                                        <p:cTn id="32" dur="500" fill="hold"/>
+                                        <p:tgtEl>
+                                          <p:spTgt spid="11"/>
+                                        </p:tgtEl>
+                                        <p:attrNameLst>
+                                          <p:attrName>ppt_h</p:attrName>
+                                        </p:attrNameLst>
+                                      </p:cBhvr>
+                                      <p:tavLst>
+                                        <p:tav tm="0">
+                                          <p:val>
+                                            <p:fltVal val="0"/>
+                                          </p:val>
+                                        </p:tav>
+                                        <p:tav tm="100000">
+                                          <p:val>
+                                            <p:strVal val="#ppt_h"/>
+                                          </p:val>
+                                        </p:tav>
+                                      </p:tavLst>
+                                    </p:anim>
+                                    <p:animEffect transition="in" filter="fade">
+                                      <p:cBhvr>
+                                        <p:cTn id="33" dur="500"/>
+                                        <p:tgtEl>
+                                          <p:spTgt spid="11"/>
+                                        </p:tgtEl>
+                                      </p:cBhvr>
+                                    </p:animEffect>
+                                  </p:childTnLst>
+                                </p:cTn>
+                              </p:par>
+                            </p:childTnLst>
+                          </p:cTn>
+                        </p:par>
+                      </p:childTnLst>
+                    </p:cTn>
+                  </p:par>
+                </p:childTnLst>
+              </p:cTn>
+              <p:prevCondLst>
+                <p:cond evt="onPrev" delay="0">
+                  <p:tgtEl>
+                    <p:sldTgt/>
+                  </p:tgtEl>
+                </p:cond>
+              </p:prevCondLst>
+              <p:nextCondLst>
+                <p:cond evt="onNext" delay="0">
+                  <p:tgtEl>
+                    <p:sldTgt/>
+                  </p:tgtEl>
+                </p:cond>
+              </p:nextCondLst>
+            </p:seq>
+          </p:childTnLst>
+        </p:cTn>
+      </p:par>
+    </p:tnLst>
+  </p:timing>
 </p:sld>
 </file>
 
@@ -7604,6 +11880,1266 @@
   <p:clrMapOvr>
     <a:masterClrMapping/>
   </p:clrMapOvr>
+  <p:timing>
+    <p:tnLst>
+      <p:par>
+        <p:cTn id="1" dur="indefinite" restart="never" nodeType="tmRoot">
+          <p:childTnLst>
+            <p:seq concurrent="1" nextAc="seek">
+              <p:cTn id="2" dur="indefinite" nodeType="mainSeq">
+                <p:childTnLst>
+                  <p:par>
+                    <p:cTn id="3" fill="hold">
+                      <p:stCondLst>
+                        <p:cond delay="indefinite"/>
+                      </p:stCondLst>
+                      <p:childTnLst>
+                        <p:par>
+                          <p:cTn id="4" fill="hold">
+                            <p:stCondLst>
+                              <p:cond delay="0"/>
+                            </p:stCondLst>
+                            <p:childTnLst>
+                              <p:par>
+                                <p:cTn id="5" presetID="53" presetClass="entr" presetSubtype="16" fill="hold" nodeType="clickEffect">
+                                  <p:stCondLst>
+                                    <p:cond delay="0"/>
+                                  </p:stCondLst>
+                                  <p:childTnLst>
+                                    <p:set>
+                                      <p:cBhvr>
+                                        <p:cTn id="6" dur="1" fill="hold">
+                                          <p:stCondLst>
+                                            <p:cond delay="0"/>
+                                          </p:stCondLst>
+                                        </p:cTn>
+                                        <p:tgtEl>
+                                          <p:spTgt spid="9">
+                                            <p:txEl>
+                                              <p:pRg st="0" end="0"/>
+                                            </p:txEl>
+                                          </p:spTgt>
+                                        </p:tgtEl>
+                                        <p:attrNameLst>
+                                          <p:attrName>style.visibility</p:attrName>
+                                        </p:attrNameLst>
+                                      </p:cBhvr>
+                                      <p:to>
+                                        <p:strVal val="visible"/>
+                                      </p:to>
+                                    </p:set>
+                                    <p:anim calcmode="lin" valueType="num">
+                                      <p:cBhvr>
+                                        <p:cTn id="7" dur="500" fill="hold"/>
+                                        <p:tgtEl>
+                                          <p:spTgt spid="9">
+                                            <p:txEl>
+                                              <p:pRg st="0" end="0"/>
+                                            </p:txEl>
+                                          </p:spTgt>
+                                        </p:tgtEl>
+                                        <p:attrNameLst>
+                                          <p:attrName>ppt_w</p:attrName>
+                                        </p:attrNameLst>
+                                      </p:cBhvr>
+                                      <p:tavLst>
+                                        <p:tav tm="0">
+                                          <p:val>
+                                            <p:fltVal val="0"/>
+                                          </p:val>
+                                        </p:tav>
+                                        <p:tav tm="100000">
+                                          <p:val>
+                                            <p:strVal val="#ppt_w"/>
+                                          </p:val>
+                                        </p:tav>
+                                      </p:tavLst>
+                                    </p:anim>
+                                    <p:anim calcmode="lin" valueType="num">
+                                      <p:cBhvr>
+                                        <p:cTn id="8" dur="500" fill="hold"/>
+                                        <p:tgtEl>
+                                          <p:spTgt spid="9">
+                                            <p:txEl>
+                                              <p:pRg st="0" end="0"/>
+                                            </p:txEl>
+                                          </p:spTgt>
+                                        </p:tgtEl>
+                                        <p:attrNameLst>
+                                          <p:attrName>ppt_h</p:attrName>
+                                        </p:attrNameLst>
+                                      </p:cBhvr>
+                                      <p:tavLst>
+                                        <p:tav tm="0">
+                                          <p:val>
+                                            <p:fltVal val="0"/>
+                                          </p:val>
+                                        </p:tav>
+                                        <p:tav tm="100000">
+                                          <p:val>
+                                            <p:strVal val="#ppt_h"/>
+                                          </p:val>
+                                        </p:tav>
+                                      </p:tavLst>
+                                    </p:anim>
+                                    <p:animEffect transition="in" filter="fade">
+                                      <p:cBhvr>
+                                        <p:cTn id="9" dur="500"/>
+                                        <p:tgtEl>
+                                          <p:spTgt spid="9">
+                                            <p:txEl>
+                                              <p:pRg st="0" end="0"/>
+                                            </p:txEl>
+                                          </p:spTgt>
+                                        </p:tgtEl>
+                                      </p:cBhvr>
+                                    </p:animEffect>
+                                  </p:childTnLst>
+                                </p:cTn>
+                              </p:par>
+                            </p:childTnLst>
+                          </p:cTn>
+                        </p:par>
+                        <p:par>
+                          <p:cTn id="10" fill="hold">
+                            <p:stCondLst>
+                              <p:cond delay="500"/>
+                            </p:stCondLst>
+                            <p:childTnLst>
+                              <p:par>
+                                <p:cTn id="11" presetID="53" presetClass="entr" presetSubtype="16" fill="hold" nodeType="afterEffect">
+                                  <p:stCondLst>
+                                    <p:cond delay="0"/>
+                                  </p:stCondLst>
+                                  <p:childTnLst>
+                                    <p:set>
+                                      <p:cBhvr>
+                                        <p:cTn id="12" dur="1" fill="hold">
+                                          <p:stCondLst>
+                                            <p:cond delay="0"/>
+                                          </p:stCondLst>
+                                        </p:cTn>
+                                        <p:tgtEl>
+                                          <p:spTgt spid="4"/>
+                                        </p:tgtEl>
+                                        <p:attrNameLst>
+                                          <p:attrName>style.visibility</p:attrName>
+                                        </p:attrNameLst>
+                                      </p:cBhvr>
+                                      <p:to>
+                                        <p:strVal val="visible"/>
+                                      </p:to>
+                                    </p:set>
+                                    <p:anim calcmode="lin" valueType="num">
+                                      <p:cBhvr>
+                                        <p:cTn id="13" dur="500" fill="hold"/>
+                                        <p:tgtEl>
+                                          <p:spTgt spid="4"/>
+                                        </p:tgtEl>
+                                        <p:attrNameLst>
+                                          <p:attrName>ppt_w</p:attrName>
+                                        </p:attrNameLst>
+                                      </p:cBhvr>
+                                      <p:tavLst>
+                                        <p:tav tm="0">
+                                          <p:val>
+                                            <p:fltVal val="0"/>
+                                          </p:val>
+                                        </p:tav>
+                                        <p:tav tm="100000">
+                                          <p:val>
+                                            <p:strVal val="#ppt_w"/>
+                                          </p:val>
+                                        </p:tav>
+                                      </p:tavLst>
+                                    </p:anim>
+                                    <p:anim calcmode="lin" valueType="num">
+                                      <p:cBhvr>
+                                        <p:cTn id="14" dur="500" fill="hold"/>
+                                        <p:tgtEl>
+                                          <p:spTgt spid="4"/>
+                                        </p:tgtEl>
+                                        <p:attrNameLst>
+                                          <p:attrName>ppt_h</p:attrName>
+                                        </p:attrNameLst>
+                                      </p:cBhvr>
+                                      <p:tavLst>
+                                        <p:tav tm="0">
+                                          <p:val>
+                                            <p:fltVal val="0"/>
+                                          </p:val>
+                                        </p:tav>
+                                        <p:tav tm="100000">
+                                          <p:val>
+                                            <p:strVal val="#ppt_h"/>
+                                          </p:val>
+                                        </p:tav>
+                                      </p:tavLst>
+                                    </p:anim>
+                                    <p:animEffect transition="in" filter="fade">
+                                      <p:cBhvr>
+                                        <p:cTn id="15" dur="500"/>
+                                        <p:tgtEl>
+                                          <p:spTgt spid="4"/>
+                                        </p:tgtEl>
+                                      </p:cBhvr>
+                                    </p:animEffect>
+                                  </p:childTnLst>
+                                </p:cTn>
+                              </p:par>
+                            </p:childTnLst>
+                          </p:cTn>
+                        </p:par>
+                        <p:par>
+                          <p:cTn id="16" fill="hold">
+                            <p:stCondLst>
+                              <p:cond delay="1500"/>
+                            </p:stCondLst>
+                            <p:childTnLst>
+                              <p:par>
+                                <p:cTn id="17" presetID="53" presetClass="entr" presetSubtype="16" fill="hold" nodeType="afterEffect">
+                                  <p:stCondLst>
+                                    <p:cond delay="0"/>
+                                  </p:stCondLst>
+                                  <p:childTnLst>
+                                    <p:set>
+                                      <p:cBhvr>
+                                        <p:cTn id="18" dur="1" fill="hold">
+                                          <p:stCondLst>
+                                            <p:cond delay="0"/>
+                                          </p:stCondLst>
+                                        </p:cTn>
+                                        <p:tgtEl>
+                                          <p:spTgt spid="3"/>
+                                        </p:tgtEl>
+                                        <p:attrNameLst>
+                                          <p:attrName>style.visibility</p:attrName>
+                                        </p:attrNameLst>
+                                      </p:cBhvr>
+                                      <p:to>
+                                        <p:strVal val="visible"/>
+                                      </p:to>
+                                    </p:set>
+                                    <p:anim calcmode="lin" valueType="num">
+                                      <p:cBhvr>
+                                        <p:cTn id="19" dur="500" fill="hold"/>
+                                        <p:tgtEl>
+                                          <p:spTgt spid="3"/>
+                                        </p:tgtEl>
+                                        <p:attrNameLst>
+                                          <p:attrName>ppt_w</p:attrName>
+                                        </p:attrNameLst>
+                                      </p:cBhvr>
+                                      <p:tavLst>
+                                        <p:tav tm="0">
+                                          <p:val>
+                                            <p:fltVal val="0"/>
+                                          </p:val>
+                                        </p:tav>
+                                        <p:tav tm="100000">
+                                          <p:val>
+                                            <p:strVal val="#ppt_w"/>
+                                          </p:val>
+                                        </p:tav>
+                                      </p:tavLst>
+                                    </p:anim>
+                                    <p:anim calcmode="lin" valueType="num">
+                                      <p:cBhvr>
+                                        <p:cTn id="20" dur="500" fill="hold"/>
+                                        <p:tgtEl>
+                                          <p:spTgt spid="3"/>
+                                        </p:tgtEl>
+                                        <p:attrNameLst>
+                                          <p:attrName>ppt_h</p:attrName>
+                                        </p:attrNameLst>
+                                      </p:cBhvr>
+                                      <p:tavLst>
+                                        <p:tav tm="0">
+                                          <p:val>
+                                            <p:fltVal val="0"/>
+                                          </p:val>
+                                        </p:tav>
+                                        <p:tav tm="100000">
+                                          <p:val>
+                                            <p:strVal val="#ppt_h"/>
+                                          </p:val>
+                                        </p:tav>
+                                      </p:tavLst>
+                                    </p:anim>
+                                    <p:animEffect transition="in" filter="fade">
+                                      <p:cBhvr>
+                                        <p:cTn id="21" dur="500"/>
+                                        <p:tgtEl>
+                                          <p:spTgt spid="3"/>
+                                        </p:tgtEl>
+                                      </p:cBhvr>
+                                    </p:animEffect>
+                                  </p:childTnLst>
+                                </p:cTn>
+                              </p:par>
+                            </p:childTnLst>
+                          </p:cTn>
+                        </p:par>
+                        <p:par>
+                          <p:cTn id="22" fill="hold">
+                            <p:stCondLst>
+                              <p:cond delay="2000"/>
+                            </p:stCondLst>
+                            <p:childTnLst>
+                              <p:par>
+                                <p:cTn id="23" presetID="53" presetClass="entr" presetSubtype="16" fill="hold" nodeType="afterEffect">
+                                  <p:stCondLst>
+                                    <p:cond delay="0"/>
+                                  </p:stCondLst>
+                                  <p:childTnLst>
+                                    <p:set>
+                                      <p:cBhvr>
+                                        <p:cTn id="24" dur="1" fill="hold">
+                                          <p:stCondLst>
+                                            <p:cond delay="0"/>
+                                          </p:stCondLst>
+                                        </p:cTn>
+                                        <p:tgtEl>
+                                          <p:spTgt spid="2"/>
+                                        </p:tgtEl>
+                                        <p:attrNameLst>
+                                          <p:attrName>style.visibility</p:attrName>
+                                        </p:attrNameLst>
+                                      </p:cBhvr>
+                                      <p:to>
+                                        <p:strVal val="visible"/>
+                                      </p:to>
+                                    </p:set>
+                                    <p:anim calcmode="lin" valueType="num">
+                                      <p:cBhvr>
+                                        <p:cTn id="25" dur="500" fill="hold"/>
+                                        <p:tgtEl>
+                                          <p:spTgt spid="2"/>
+                                        </p:tgtEl>
+                                        <p:attrNameLst>
+                                          <p:attrName>ppt_w</p:attrName>
+                                        </p:attrNameLst>
+                                      </p:cBhvr>
+                                      <p:tavLst>
+                                        <p:tav tm="0">
+                                          <p:val>
+                                            <p:fltVal val="0"/>
+                                          </p:val>
+                                        </p:tav>
+                                        <p:tav tm="100000">
+                                          <p:val>
+                                            <p:strVal val="#ppt_w"/>
+                                          </p:val>
+                                        </p:tav>
+                                      </p:tavLst>
+                                    </p:anim>
+                                    <p:anim calcmode="lin" valueType="num">
+                                      <p:cBhvr>
+                                        <p:cTn id="26" dur="500" fill="hold"/>
+                                        <p:tgtEl>
+                                          <p:spTgt spid="2"/>
+                                        </p:tgtEl>
+                                        <p:attrNameLst>
+                                          <p:attrName>ppt_h</p:attrName>
+                                        </p:attrNameLst>
+                                      </p:cBhvr>
+                                      <p:tavLst>
+                                        <p:tav tm="0">
+                                          <p:val>
+                                            <p:fltVal val="0"/>
+                                          </p:val>
+                                        </p:tav>
+                                        <p:tav tm="100000">
+                                          <p:val>
+                                            <p:strVal val="#ppt_h"/>
+                                          </p:val>
+                                        </p:tav>
+                                      </p:tavLst>
+                                    </p:anim>
+                                    <p:animEffect transition="in" filter="fade">
+                                      <p:cBhvr>
+                                        <p:cTn id="27" dur="500"/>
+                                        <p:tgtEl>
+                                          <p:spTgt spid="2"/>
+                                        </p:tgtEl>
+                                      </p:cBhvr>
+                                    </p:animEffect>
+                                  </p:childTnLst>
+                                </p:cTn>
+                              </p:par>
+                            </p:childTnLst>
+                          </p:cTn>
+                        </p:par>
+                        <p:par>
+                          <p:cTn id="28" fill="hold">
+                            <p:stCondLst>
+                              <p:cond delay="2500"/>
+                            </p:stCondLst>
+                            <p:childTnLst>
+                              <p:par>
+                                <p:cTn id="29" presetID="53" presetClass="entr" presetSubtype="16" fill="hold" nodeType="afterEffect">
+                                  <p:stCondLst>
+                                    <p:cond delay="0"/>
+                                  </p:stCondLst>
+                                  <p:childTnLst>
+                                    <p:set>
+                                      <p:cBhvr>
+                                        <p:cTn id="30" dur="1" fill="hold">
+                                          <p:stCondLst>
+                                            <p:cond delay="0"/>
+                                          </p:stCondLst>
+                                        </p:cTn>
+                                        <p:tgtEl>
+                                          <p:spTgt spid="11"/>
+                                        </p:tgtEl>
+                                        <p:attrNameLst>
+                                          <p:attrName>style.visibility</p:attrName>
+                                        </p:attrNameLst>
+                                      </p:cBhvr>
+                                      <p:to>
+                                        <p:strVal val="visible"/>
+                                      </p:to>
+                                    </p:set>
+                                    <p:anim calcmode="lin" valueType="num">
+                                      <p:cBhvr>
+                                        <p:cTn id="31" dur="500" fill="hold"/>
+                                        <p:tgtEl>
+                                          <p:spTgt spid="11"/>
+                                        </p:tgtEl>
+                                        <p:attrNameLst>
+                                          <p:attrName>ppt_w</p:attrName>
+                                        </p:attrNameLst>
+                                      </p:cBhvr>
+                                      <p:tavLst>
+                                        <p:tav tm="0">
+                                          <p:val>
+                                            <p:fltVal val="0"/>
+                                          </p:val>
+                                        </p:tav>
+                                        <p:tav tm="100000">
+                                          <p:val>
+                                            <p:strVal val="#ppt_w"/>
+                                          </p:val>
+                                        </p:tav>
+                                      </p:tavLst>
+                                    </p:anim>
+                                    <p:anim calcmode="lin" valueType="num">
+                                      <p:cBhvr>
+                                        <p:cTn id="32" dur="500" fill="hold"/>
+                                        <p:tgtEl>
+                                          <p:spTgt spid="11"/>
+                                        </p:tgtEl>
+                                        <p:attrNameLst>
+                                          <p:attrName>ppt_h</p:attrName>
+                                        </p:attrNameLst>
+                                      </p:cBhvr>
+                                      <p:tavLst>
+                                        <p:tav tm="0">
+                                          <p:val>
+                                            <p:fltVal val="0"/>
+                                          </p:val>
+                                        </p:tav>
+                                        <p:tav tm="100000">
+                                          <p:val>
+                                            <p:strVal val="#ppt_h"/>
+                                          </p:val>
+                                        </p:tav>
+                                      </p:tavLst>
+                                    </p:anim>
+                                    <p:animEffect transition="in" filter="fade">
+                                      <p:cBhvr>
+                                        <p:cTn id="33" dur="500"/>
+                                        <p:tgtEl>
+                                          <p:spTgt spid="11"/>
+                                        </p:tgtEl>
+                                      </p:cBhvr>
+                                    </p:animEffect>
+                                  </p:childTnLst>
+                                </p:cTn>
+                              </p:par>
+                            </p:childTnLst>
+                          </p:cTn>
+                        </p:par>
+                        <p:par>
+                          <p:cTn id="34" fill="hold">
+                            <p:stCondLst>
+                              <p:cond delay="3000"/>
+                            </p:stCondLst>
+                            <p:childTnLst>
+                              <p:par>
+                                <p:cTn id="35" presetID="53" presetClass="entr" presetSubtype="16" fill="hold" nodeType="afterEffect">
+                                  <p:stCondLst>
+                                    <p:cond delay="0"/>
+                                  </p:stCondLst>
+                                  <p:childTnLst>
+                                    <p:set>
+                                      <p:cBhvr>
+                                        <p:cTn id="36" dur="1" fill="hold">
+                                          <p:stCondLst>
+                                            <p:cond delay="0"/>
+                                          </p:stCondLst>
+                                        </p:cTn>
+                                        <p:tgtEl>
+                                          <p:spTgt spid="10"/>
+                                        </p:tgtEl>
+                                        <p:attrNameLst>
+                                          <p:attrName>style.visibility</p:attrName>
+                                        </p:attrNameLst>
+                                      </p:cBhvr>
+                                      <p:to>
+                                        <p:strVal val="visible"/>
+                                      </p:to>
+                                    </p:set>
+                                    <p:anim calcmode="lin" valueType="num">
+                                      <p:cBhvr>
+                                        <p:cTn id="37" dur="500" fill="hold"/>
+                                        <p:tgtEl>
+                                          <p:spTgt spid="10"/>
+                                        </p:tgtEl>
+                                        <p:attrNameLst>
+                                          <p:attrName>ppt_w</p:attrName>
+                                        </p:attrNameLst>
+                                      </p:cBhvr>
+                                      <p:tavLst>
+                                        <p:tav tm="0">
+                                          <p:val>
+                                            <p:fltVal val="0"/>
+                                          </p:val>
+                                        </p:tav>
+                                        <p:tav tm="100000">
+                                          <p:val>
+                                            <p:strVal val="#ppt_w"/>
+                                          </p:val>
+                                        </p:tav>
+                                      </p:tavLst>
+                                    </p:anim>
+                                    <p:anim calcmode="lin" valueType="num">
+                                      <p:cBhvr>
+                                        <p:cTn id="38" dur="500" fill="hold"/>
+                                        <p:tgtEl>
+                                          <p:spTgt spid="10"/>
+                                        </p:tgtEl>
+                                        <p:attrNameLst>
+                                          <p:attrName>ppt_h</p:attrName>
+                                        </p:attrNameLst>
+                                      </p:cBhvr>
+                                      <p:tavLst>
+                                        <p:tav tm="0">
+                                          <p:val>
+                                            <p:fltVal val="0"/>
+                                          </p:val>
+                                        </p:tav>
+                                        <p:tav tm="100000">
+                                          <p:val>
+                                            <p:strVal val="#ppt_h"/>
+                                          </p:val>
+                                        </p:tav>
+                                      </p:tavLst>
+                                    </p:anim>
+                                    <p:animEffect transition="in" filter="fade">
+                                      <p:cBhvr>
+                                        <p:cTn id="39" dur="500"/>
+                                        <p:tgtEl>
+                                          <p:spTgt spid="10"/>
+                                        </p:tgtEl>
+                                      </p:cBhvr>
+                                    </p:animEffect>
+                                  </p:childTnLst>
+                                </p:cTn>
+                              </p:par>
+                            </p:childTnLst>
+                          </p:cTn>
+                        </p:par>
+                      </p:childTnLst>
+                    </p:cTn>
+                  </p:par>
+                  <p:par>
+                    <p:cTn id="40" fill="hold">
+                      <p:stCondLst>
+                        <p:cond delay="indefinite"/>
+                      </p:stCondLst>
+                      <p:childTnLst>
+                        <p:par>
+                          <p:cTn id="41" fill="hold">
+                            <p:stCondLst>
+                              <p:cond delay="0"/>
+                            </p:stCondLst>
+                            <p:childTnLst>
+                              <p:par>
+                                <p:cTn id="42" presetID="53" presetClass="entr" presetSubtype="16" fill="hold" nodeType="clickEffect">
+                                  <p:stCondLst>
+                                    <p:cond delay="0"/>
+                                  </p:stCondLst>
+                                  <p:childTnLst>
+                                    <p:set>
+                                      <p:cBhvr>
+                                        <p:cTn id="43" dur="1" fill="hold">
+                                          <p:stCondLst>
+                                            <p:cond delay="0"/>
+                                          </p:stCondLst>
+                                        </p:cTn>
+                                        <p:tgtEl>
+                                          <p:spTgt spid="9">
+                                            <p:txEl>
+                                              <p:pRg st="1" end="1"/>
+                                            </p:txEl>
+                                          </p:spTgt>
+                                        </p:tgtEl>
+                                        <p:attrNameLst>
+                                          <p:attrName>style.visibility</p:attrName>
+                                        </p:attrNameLst>
+                                      </p:cBhvr>
+                                      <p:to>
+                                        <p:strVal val="visible"/>
+                                      </p:to>
+                                    </p:set>
+                                    <p:anim calcmode="lin" valueType="num">
+                                      <p:cBhvr>
+                                        <p:cTn id="44" dur="500" fill="hold"/>
+                                        <p:tgtEl>
+                                          <p:spTgt spid="9">
+                                            <p:txEl>
+                                              <p:pRg st="1" end="1"/>
+                                            </p:txEl>
+                                          </p:spTgt>
+                                        </p:tgtEl>
+                                        <p:attrNameLst>
+                                          <p:attrName>ppt_w</p:attrName>
+                                        </p:attrNameLst>
+                                      </p:cBhvr>
+                                      <p:tavLst>
+                                        <p:tav tm="0">
+                                          <p:val>
+                                            <p:fltVal val="0"/>
+                                          </p:val>
+                                        </p:tav>
+                                        <p:tav tm="100000">
+                                          <p:val>
+                                            <p:strVal val="#ppt_w"/>
+                                          </p:val>
+                                        </p:tav>
+                                      </p:tavLst>
+                                    </p:anim>
+                                    <p:anim calcmode="lin" valueType="num">
+                                      <p:cBhvr>
+                                        <p:cTn id="45" dur="500" fill="hold"/>
+                                        <p:tgtEl>
+                                          <p:spTgt spid="9">
+                                            <p:txEl>
+                                              <p:pRg st="1" end="1"/>
+                                            </p:txEl>
+                                          </p:spTgt>
+                                        </p:tgtEl>
+                                        <p:attrNameLst>
+                                          <p:attrName>ppt_h</p:attrName>
+                                        </p:attrNameLst>
+                                      </p:cBhvr>
+                                      <p:tavLst>
+                                        <p:tav tm="0">
+                                          <p:val>
+                                            <p:fltVal val="0"/>
+                                          </p:val>
+                                        </p:tav>
+                                        <p:tav tm="100000">
+                                          <p:val>
+                                            <p:strVal val="#ppt_h"/>
+                                          </p:val>
+                                        </p:tav>
+                                      </p:tavLst>
+                                    </p:anim>
+                                    <p:animEffect transition="in" filter="fade">
+                                      <p:cBhvr>
+                                        <p:cTn id="46" dur="500"/>
+                                        <p:tgtEl>
+                                          <p:spTgt spid="9">
+                                            <p:txEl>
+                                              <p:pRg st="1" end="1"/>
+                                            </p:txEl>
+                                          </p:spTgt>
+                                        </p:tgtEl>
+                                      </p:cBhvr>
+                                    </p:animEffect>
+                                  </p:childTnLst>
+                                </p:cTn>
+                              </p:par>
+                            </p:childTnLst>
+                          </p:cTn>
+                        </p:par>
+                      </p:childTnLst>
+                    </p:cTn>
+                  </p:par>
+                  <p:par>
+                    <p:cTn id="47" fill="hold">
+                      <p:stCondLst>
+                        <p:cond delay="indefinite"/>
+                      </p:stCondLst>
+                      <p:childTnLst>
+                        <p:par>
+                          <p:cTn id="48" fill="hold">
+                            <p:stCondLst>
+                              <p:cond delay="0"/>
+                            </p:stCondLst>
+                            <p:childTnLst>
+                              <p:par>
+                                <p:cTn id="49" presetID="53" presetClass="entr" presetSubtype="16" fill="hold" nodeType="clickEffect">
+                                  <p:stCondLst>
+                                    <p:cond delay="0"/>
+                                  </p:stCondLst>
+                                  <p:childTnLst>
+                                    <p:set>
+                                      <p:cBhvr>
+                                        <p:cTn id="50" dur="1" fill="hold">
+                                          <p:stCondLst>
+                                            <p:cond delay="0"/>
+                                          </p:stCondLst>
+                                        </p:cTn>
+                                        <p:tgtEl>
+                                          <p:spTgt spid="9">
+                                            <p:txEl>
+                                              <p:pRg st="2" end="2"/>
+                                            </p:txEl>
+                                          </p:spTgt>
+                                        </p:tgtEl>
+                                        <p:attrNameLst>
+                                          <p:attrName>style.visibility</p:attrName>
+                                        </p:attrNameLst>
+                                      </p:cBhvr>
+                                      <p:to>
+                                        <p:strVal val="visible"/>
+                                      </p:to>
+                                    </p:set>
+                                    <p:anim calcmode="lin" valueType="num">
+                                      <p:cBhvr>
+                                        <p:cTn id="51" dur="500" fill="hold"/>
+                                        <p:tgtEl>
+                                          <p:spTgt spid="9">
+                                            <p:txEl>
+                                              <p:pRg st="2" end="2"/>
+                                            </p:txEl>
+                                          </p:spTgt>
+                                        </p:tgtEl>
+                                        <p:attrNameLst>
+                                          <p:attrName>ppt_w</p:attrName>
+                                        </p:attrNameLst>
+                                      </p:cBhvr>
+                                      <p:tavLst>
+                                        <p:tav tm="0">
+                                          <p:val>
+                                            <p:fltVal val="0"/>
+                                          </p:val>
+                                        </p:tav>
+                                        <p:tav tm="100000">
+                                          <p:val>
+                                            <p:strVal val="#ppt_w"/>
+                                          </p:val>
+                                        </p:tav>
+                                      </p:tavLst>
+                                    </p:anim>
+                                    <p:anim calcmode="lin" valueType="num">
+                                      <p:cBhvr>
+                                        <p:cTn id="52" dur="500" fill="hold"/>
+                                        <p:tgtEl>
+                                          <p:spTgt spid="9">
+                                            <p:txEl>
+                                              <p:pRg st="2" end="2"/>
+                                            </p:txEl>
+                                          </p:spTgt>
+                                        </p:tgtEl>
+                                        <p:attrNameLst>
+                                          <p:attrName>ppt_h</p:attrName>
+                                        </p:attrNameLst>
+                                      </p:cBhvr>
+                                      <p:tavLst>
+                                        <p:tav tm="0">
+                                          <p:val>
+                                            <p:fltVal val="0"/>
+                                          </p:val>
+                                        </p:tav>
+                                        <p:tav tm="100000">
+                                          <p:val>
+                                            <p:strVal val="#ppt_h"/>
+                                          </p:val>
+                                        </p:tav>
+                                      </p:tavLst>
+                                    </p:anim>
+                                    <p:animEffect transition="in" filter="fade">
+                                      <p:cBhvr>
+                                        <p:cTn id="53" dur="500"/>
+                                        <p:tgtEl>
+                                          <p:spTgt spid="9">
+                                            <p:txEl>
+                                              <p:pRg st="2" end="2"/>
+                                            </p:txEl>
+                                          </p:spTgt>
+                                        </p:tgtEl>
+                                      </p:cBhvr>
+                                    </p:animEffect>
+                                  </p:childTnLst>
+                                </p:cTn>
+                              </p:par>
+                            </p:childTnLst>
+                          </p:cTn>
+                        </p:par>
+                        <p:par>
+                          <p:cTn id="54" fill="hold">
+                            <p:stCondLst>
+                              <p:cond delay="500"/>
+                            </p:stCondLst>
+                            <p:childTnLst>
+                              <p:par>
+                                <p:cTn id="55" presetID="53" presetClass="entr" presetSubtype="16" fill="hold" nodeType="afterEffect">
+                                  <p:stCondLst>
+                                    <p:cond delay="0"/>
+                                  </p:stCondLst>
+                                  <p:childTnLst>
+                                    <p:set>
+                                      <p:cBhvr>
+                                        <p:cTn id="56" dur="1" fill="hold">
+                                          <p:stCondLst>
+                                            <p:cond delay="0"/>
+                                          </p:stCondLst>
+                                        </p:cTn>
+                                        <p:tgtEl>
+                                          <p:spTgt spid="12"/>
+                                        </p:tgtEl>
+                                        <p:attrNameLst>
+                                          <p:attrName>style.visibility</p:attrName>
+                                        </p:attrNameLst>
+                                      </p:cBhvr>
+                                      <p:to>
+                                        <p:strVal val="visible"/>
+                                      </p:to>
+                                    </p:set>
+                                    <p:anim calcmode="lin" valueType="num">
+                                      <p:cBhvr>
+                                        <p:cTn id="57" dur="500" fill="hold"/>
+                                        <p:tgtEl>
+                                          <p:spTgt spid="12"/>
+                                        </p:tgtEl>
+                                        <p:attrNameLst>
+                                          <p:attrName>ppt_w</p:attrName>
+                                        </p:attrNameLst>
+                                      </p:cBhvr>
+                                      <p:tavLst>
+                                        <p:tav tm="0">
+                                          <p:val>
+                                            <p:fltVal val="0"/>
+                                          </p:val>
+                                        </p:tav>
+                                        <p:tav tm="100000">
+                                          <p:val>
+                                            <p:strVal val="#ppt_w"/>
+                                          </p:val>
+                                        </p:tav>
+                                      </p:tavLst>
+                                    </p:anim>
+                                    <p:anim calcmode="lin" valueType="num">
+                                      <p:cBhvr>
+                                        <p:cTn id="58" dur="500" fill="hold"/>
+                                        <p:tgtEl>
+                                          <p:spTgt spid="12"/>
+                                        </p:tgtEl>
+                                        <p:attrNameLst>
+                                          <p:attrName>ppt_h</p:attrName>
+                                        </p:attrNameLst>
+                                      </p:cBhvr>
+                                      <p:tavLst>
+                                        <p:tav tm="0">
+                                          <p:val>
+                                            <p:fltVal val="0"/>
+                                          </p:val>
+                                        </p:tav>
+                                        <p:tav tm="100000">
+                                          <p:val>
+                                            <p:strVal val="#ppt_h"/>
+                                          </p:val>
+                                        </p:tav>
+                                      </p:tavLst>
+                                    </p:anim>
+                                    <p:animEffect transition="in" filter="fade">
+                                      <p:cBhvr>
+                                        <p:cTn id="59" dur="500"/>
+                                        <p:tgtEl>
+                                          <p:spTgt spid="12"/>
+                                        </p:tgtEl>
+                                      </p:cBhvr>
+                                    </p:animEffect>
+                                  </p:childTnLst>
+                                </p:cTn>
+                              </p:par>
+                            </p:childTnLst>
+                          </p:cTn>
+                        </p:par>
+                      </p:childTnLst>
+                    </p:cTn>
+                  </p:par>
+                  <p:par>
+                    <p:cTn id="60" fill="hold">
+                      <p:stCondLst>
+                        <p:cond delay="indefinite"/>
+                      </p:stCondLst>
+                      <p:childTnLst>
+                        <p:par>
+                          <p:cTn id="61" fill="hold">
+                            <p:stCondLst>
+                              <p:cond delay="0"/>
+                            </p:stCondLst>
+                            <p:childTnLst>
+                              <p:par>
+                                <p:cTn id="62" presetID="53" presetClass="entr" presetSubtype="16" fill="hold" nodeType="clickEffect">
+                                  <p:stCondLst>
+                                    <p:cond delay="0"/>
+                                  </p:stCondLst>
+                                  <p:childTnLst>
+                                    <p:set>
+                                      <p:cBhvr>
+                                        <p:cTn id="63" dur="1" fill="hold">
+                                          <p:stCondLst>
+                                            <p:cond delay="0"/>
+                                          </p:stCondLst>
+                                        </p:cTn>
+                                        <p:tgtEl>
+                                          <p:spTgt spid="9">
+                                            <p:txEl>
+                                              <p:pRg st="3" end="3"/>
+                                            </p:txEl>
+                                          </p:spTgt>
+                                        </p:tgtEl>
+                                        <p:attrNameLst>
+                                          <p:attrName>style.visibility</p:attrName>
+                                        </p:attrNameLst>
+                                      </p:cBhvr>
+                                      <p:to>
+                                        <p:strVal val="visible"/>
+                                      </p:to>
+                                    </p:set>
+                                    <p:anim calcmode="lin" valueType="num">
+                                      <p:cBhvr>
+                                        <p:cTn id="64" dur="500" fill="hold"/>
+                                        <p:tgtEl>
+                                          <p:spTgt spid="9">
+                                            <p:txEl>
+                                              <p:pRg st="3" end="3"/>
+                                            </p:txEl>
+                                          </p:spTgt>
+                                        </p:tgtEl>
+                                        <p:attrNameLst>
+                                          <p:attrName>ppt_w</p:attrName>
+                                        </p:attrNameLst>
+                                      </p:cBhvr>
+                                      <p:tavLst>
+                                        <p:tav tm="0">
+                                          <p:val>
+                                            <p:fltVal val="0"/>
+                                          </p:val>
+                                        </p:tav>
+                                        <p:tav tm="100000">
+                                          <p:val>
+                                            <p:strVal val="#ppt_w"/>
+                                          </p:val>
+                                        </p:tav>
+                                      </p:tavLst>
+                                    </p:anim>
+                                    <p:anim calcmode="lin" valueType="num">
+                                      <p:cBhvr>
+                                        <p:cTn id="65" dur="500" fill="hold"/>
+                                        <p:tgtEl>
+                                          <p:spTgt spid="9">
+                                            <p:txEl>
+                                              <p:pRg st="3" end="3"/>
+                                            </p:txEl>
+                                          </p:spTgt>
+                                        </p:tgtEl>
+                                        <p:attrNameLst>
+                                          <p:attrName>ppt_h</p:attrName>
+                                        </p:attrNameLst>
+                                      </p:cBhvr>
+                                      <p:tavLst>
+                                        <p:tav tm="0">
+                                          <p:val>
+                                            <p:fltVal val="0"/>
+                                          </p:val>
+                                        </p:tav>
+                                        <p:tav tm="100000">
+                                          <p:val>
+                                            <p:strVal val="#ppt_h"/>
+                                          </p:val>
+                                        </p:tav>
+                                      </p:tavLst>
+                                    </p:anim>
+                                    <p:animEffect transition="in" filter="fade">
+                                      <p:cBhvr>
+                                        <p:cTn id="66" dur="500"/>
+                                        <p:tgtEl>
+                                          <p:spTgt spid="9">
+                                            <p:txEl>
+                                              <p:pRg st="3" end="3"/>
+                                            </p:txEl>
+                                          </p:spTgt>
+                                        </p:tgtEl>
+                                      </p:cBhvr>
+                                    </p:animEffect>
+                                  </p:childTnLst>
+                                </p:cTn>
+                              </p:par>
+                            </p:childTnLst>
+                          </p:cTn>
+                        </p:par>
+                      </p:childTnLst>
+                    </p:cTn>
+                  </p:par>
+                  <p:par>
+                    <p:cTn id="67" fill="hold">
+                      <p:stCondLst>
+                        <p:cond delay="indefinite"/>
+                      </p:stCondLst>
+                      <p:childTnLst>
+                        <p:par>
+                          <p:cTn id="68" fill="hold">
+                            <p:stCondLst>
+                              <p:cond delay="0"/>
+                            </p:stCondLst>
+                            <p:childTnLst>
+                              <p:par>
+                                <p:cTn id="69" presetID="53" presetClass="entr" presetSubtype="16" fill="hold" nodeType="clickEffect">
+                                  <p:stCondLst>
+                                    <p:cond delay="0"/>
+                                  </p:stCondLst>
+                                  <p:childTnLst>
+                                    <p:set>
+                                      <p:cBhvr>
+                                        <p:cTn id="70" dur="1" fill="hold">
+                                          <p:stCondLst>
+                                            <p:cond delay="0"/>
+                                          </p:stCondLst>
+                                        </p:cTn>
+                                        <p:tgtEl>
+                                          <p:spTgt spid="9">
+                                            <p:txEl>
+                                              <p:pRg st="4" end="4"/>
+                                            </p:txEl>
+                                          </p:spTgt>
+                                        </p:tgtEl>
+                                        <p:attrNameLst>
+                                          <p:attrName>style.visibility</p:attrName>
+                                        </p:attrNameLst>
+                                      </p:cBhvr>
+                                      <p:to>
+                                        <p:strVal val="visible"/>
+                                      </p:to>
+                                    </p:set>
+                                    <p:anim calcmode="lin" valueType="num">
+                                      <p:cBhvr>
+                                        <p:cTn id="71" dur="500" fill="hold"/>
+                                        <p:tgtEl>
+                                          <p:spTgt spid="9">
+                                            <p:txEl>
+                                              <p:pRg st="4" end="4"/>
+                                            </p:txEl>
+                                          </p:spTgt>
+                                        </p:tgtEl>
+                                        <p:attrNameLst>
+                                          <p:attrName>ppt_w</p:attrName>
+                                        </p:attrNameLst>
+                                      </p:cBhvr>
+                                      <p:tavLst>
+                                        <p:tav tm="0">
+                                          <p:val>
+                                            <p:fltVal val="0"/>
+                                          </p:val>
+                                        </p:tav>
+                                        <p:tav tm="100000">
+                                          <p:val>
+                                            <p:strVal val="#ppt_w"/>
+                                          </p:val>
+                                        </p:tav>
+                                      </p:tavLst>
+                                    </p:anim>
+                                    <p:anim calcmode="lin" valueType="num">
+                                      <p:cBhvr>
+                                        <p:cTn id="72" dur="500" fill="hold"/>
+                                        <p:tgtEl>
+                                          <p:spTgt spid="9">
+                                            <p:txEl>
+                                              <p:pRg st="4" end="4"/>
+                                            </p:txEl>
+                                          </p:spTgt>
+                                        </p:tgtEl>
+                                        <p:attrNameLst>
+                                          <p:attrName>ppt_h</p:attrName>
+                                        </p:attrNameLst>
+                                      </p:cBhvr>
+                                      <p:tavLst>
+                                        <p:tav tm="0">
+                                          <p:val>
+                                            <p:fltVal val="0"/>
+                                          </p:val>
+                                        </p:tav>
+                                        <p:tav tm="100000">
+                                          <p:val>
+                                            <p:strVal val="#ppt_h"/>
+                                          </p:val>
+                                        </p:tav>
+                                      </p:tavLst>
+                                    </p:anim>
+                                    <p:animEffect transition="in" filter="fade">
+                                      <p:cBhvr>
+                                        <p:cTn id="73" dur="500"/>
+                                        <p:tgtEl>
+                                          <p:spTgt spid="9">
+                                            <p:txEl>
+                                              <p:pRg st="4" end="4"/>
+                                            </p:txEl>
+                                          </p:spTgt>
+                                        </p:tgtEl>
+                                      </p:cBhvr>
+                                    </p:animEffect>
+                                  </p:childTnLst>
+                                </p:cTn>
+                              </p:par>
+                            </p:childTnLst>
+                          </p:cTn>
+                        </p:par>
+                      </p:childTnLst>
+                    </p:cTn>
+                  </p:par>
+                  <p:par>
+                    <p:cTn id="74" fill="hold">
+                      <p:stCondLst>
+                        <p:cond delay="indefinite"/>
+                      </p:stCondLst>
+                      <p:childTnLst>
+                        <p:par>
+                          <p:cTn id="75" fill="hold">
+                            <p:stCondLst>
+                              <p:cond delay="0"/>
+                            </p:stCondLst>
+                            <p:childTnLst>
+                              <p:par>
+                                <p:cTn id="76" presetID="53" presetClass="entr" presetSubtype="16" fill="hold" nodeType="clickEffect">
+                                  <p:stCondLst>
+                                    <p:cond delay="0"/>
+                                  </p:stCondLst>
+                                  <p:childTnLst>
+                                    <p:set>
+                                      <p:cBhvr>
+                                        <p:cTn id="77" dur="1" fill="hold">
+                                          <p:stCondLst>
+                                            <p:cond delay="0"/>
+                                          </p:stCondLst>
+                                        </p:cTn>
+                                        <p:tgtEl>
+                                          <p:spTgt spid="9">
+                                            <p:txEl>
+                                              <p:pRg st="5" end="5"/>
+                                            </p:txEl>
+                                          </p:spTgt>
+                                        </p:tgtEl>
+                                        <p:attrNameLst>
+                                          <p:attrName>style.visibility</p:attrName>
+                                        </p:attrNameLst>
+                                      </p:cBhvr>
+                                      <p:to>
+                                        <p:strVal val="visible"/>
+                                      </p:to>
+                                    </p:set>
+                                    <p:anim calcmode="lin" valueType="num">
+                                      <p:cBhvr>
+                                        <p:cTn id="78" dur="500" fill="hold"/>
+                                        <p:tgtEl>
+                                          <p:spTgt spid="9">
+                                            <p:txEl>
+                                              <p:pRg st="5" end="5"/>
+                                            </p:txEl>
+                                          </p:spTgt>
+                                        </p:tgtEl>
+                                        <p:attrNameLst>
+                                          <p:attrName>ppt_w</p:attrName>
+                                        </p:attrNameLst>
+                                      </p:cBhvr>
+                                      <p:tavLst>
+                                        <p:tav tm="0">
+                                          <p:val>
+                                            <p:fltVal val="0"/>
+                                          </p:val>
+                                        </p:tav>
+                                        <p:tav tm="100000">
+                                          <p:val>
+                                            <p:strVal val="#ppt_w"/>
+                                          </p:val>
+                                        </p:tav>
+                                      </p:tavLst>
+                                    </p:anim>
+                                    <p:anim calcmode="lin" valueType="num">
+                                      <p:cBhvr>
+                                        <p:cTn id="79" dur="500" fill="hold"/>
+                                        <p:tgtEl>
+                                          <p:spTgt spid="9">
+                                            <p:txEl>
+                                              <p:pRg st="5" end="5"/>
+                                            </p:txEl>
+                                          </p:spTgt>
+                                        </p:tgtEl>
+                                        <p:attrNameLst>
+                                          <p:attrName>ppt_h</p:attrName>
+                                        </p:attrNameLst>
+                                      </p:cBhvr>
+                                      <p:tavLst>
+                                        <p:tav tm="0">
+                                          <p:val>
+                                            <p:fltVal val="0"/>
+                                          </p:val>
+                                        </p:tav>
+                                        <p:tav tm="100000">
+                                          <p:val>
+                                            <p:strVal val="#ppt_h"/>
+                                          </p:val>
+                                        </p:tav>
+                                      </p:tavLst>
+                                    </p:anim>
+                                    <p:animEffect transition="in" filter="fade">
+                                      <p:cBhvr>
+                                        <p:cTn id="80" dur="500"/>
+                                        <p:tgtEl>
+                                          <p:spTgt spid="9">
+                                            <p:txEl>
+                                              <p:pRg st="5" end="5"/>
+                                            </p:txEl>
+                                          </p:spTgt>
+                                        </p:tgtEl>
+                                      </p:cBhvr>
+                                    </p:animEffect>
+                                  </p:childTnLst>
+                                </p:cTn>
+                              </p:par>
+                            </p:childTnLst>
+                          </p:cTn>
+                        </p:par>
+                      </p:childTnLst>
+                    </p:cTn>
+                  </p:par>
+                </p:childTnLst>
+              </p:cTn>
+              <p:prevCondLst>
+                <p:cond evt="onPrev" delay="0">
+                  <p:tgtEl>
+                    <p:sldTgt/>
+                  </p:tgtEl>
+                </p:cond>
+              </p:prevCondLst>
+              <p:nextCondLst>
+                <p:cond evt="onNext" delay="0">
+                  <p:tgtEl>
+                    <p:sldTgt/>
+                  </p:tgtEl>
+                </p:cond>
+              </p:nextCondLst>
+            </p:seq>
+          </p:childTnLst>
+        </p:cTn>
+      </p:par>
+    </p:tnLst>
+  </p:timing>
 </p:sld>
 </file>
 
@@ -8557,18 +14093,18 @@
 </file>
 
 <file path=customXml/item2.xml><?xml version="1.0" encoding="utf-8"?>
+<p:properties xmlns:p="http://schemas.microsoft.com/office/2006/metadata/properties" xmlns:xsi="http://www.w3.org/2001/XMLSchema-instance" xmlns:pc="http://schemas.microsoft.com/office/infopath/2007/PartnerControls">
+  <documentManagement/>
+</p:properties>
+</file>
+
+<file path=customXml/item3.xml><?xml version="1.0" encoding="utf-8"?>
 <?mso-contentType ?>
 <FormTemplates xmlns="http://schemas.microsoft.com/sharepoint/v3/contenttype/forms">
   <Display>DocumentLibraryForm</Display>
   <Edit>DocumentLibraryForm</Edit>
   <New>DocumentLibraryForm</New>
 </FormTemplates>
-</file>
-
-<file path=customXml/item3.xml><?xml version="1.0" encoding="utf-8"?>
-<p:properties xmlns:p="http://schemas.microsoft.com/office/2006/metadata/properties" xmlns:xsi="http://www.w3.org/2001/XMLSchema-instance" xmlns:pc="http://schemas.microsoft.com/office/infopath/2007/PartnerControls">
-  <documentManagement/>
-</p:properties>
 </file>
 
 <file path=customXml/itemProps1.xml><?xml version="1.0" encoding="utf-8"?>
@@ -8590,14 +14126,6 @@
 </file>
 
 <file path=customXml/itemProps2.xml><?xml version="1.0" encoding="utf-8"?>
-<ds:datastoreItem xmlns:ds="http://schemas.openxmlformats.org/officeDocument/2006/customXml" ds:itemID="{166AD069-051C-46FD-A0CD-BDE143FEA57D}">
-  <ds:schemaRefs>
-    <ds:schemaRef ds:uri="http://schemas.microsoft.com/sharepoint/v3/contenttype/forms"/>
-  </ds:schemaRefs>
-</ds:datastoreItem>
-</file>
-
-<file path=customXml/itemProps3.xml><?xml version="1.0" encoding="utf-8"?>
 <ds:datastoreItem xmlns:ds="http://schemas.openxmlformats.org/officeDocument/2006/customXml" ds:itemID="{8E1455B4-EFFE-4AEE-ADC2-FE51D16F6234}">
   <ds:schemaRefs>
     <ds:schemaRef ds:uri="http://schemas.openxmlformats.org/package/2006/metadata/core-properties"/>
@@ -8611,4 +14139,12 @@
     <ds:schemaRef ds:uri="http://www.w3.org/XML/1998/namespace"/>
   </ds:schemaRefs>
 </ds:datastoreItem>
+</file>
+
+<file path=customXml/itemProps3.xml><?xml version="1.0" encoding="utf-8"?>
+<ds:datastoreItem xmlns:ds="http://schemas.openxmlformats.org/officeDocument/2006/customXml" ds:itemID="{166AD069-051C-46FD-A0CD-BDE143FEA57D}">
+  <ds:schemaRefs>
+    <ds:schemaRef ds:uri="http://schemas.microsoft.com/sharepoint/v3/contenttype/forms"/>
+  </ds:schemaRefs>
+</ds:datastoreItem>
 </file>